--- a/thesis/slides.pptx
+++ b/thesis/slides.pptx
@@ -8,10 +8,10 @@
     <p:sldMasterId id="2147483667" r:id="rId7"/>
   </p:sldMasterIdLst>
   <p:notesMasterIdLst>
-    <p:notesMasterId r:id="rId28"/>
+    <p:notesMasterId r:id="rId27"/>
   </p:notesMasterIdLst>
   <p:handoutMasterIdLst>
-    <p:handoutMasterId r:id="rId29"/>
+    <p:handoutMasterId r:id="rId28"/>
   </p:handoutMasterIdLst>
   <p:sldIdLst>
     <p:sldId id="256" r:id="rId8"/>
@@ -19,21 +19,20 @@
     <p:sldId id="287" r:id="rId10"/>
     <p:sldId id="288" r:id="rId11"/>
     <p:sldId id="263" r:id="rId12"/>
-    <p:sldId id="295" r:id="rId13"/>
-    <p:sldId id="294" r:id="rId14"/>
-    <p:sldId id="262" r:id="rId15"/>
-    <p:sldId id="279" r:id="rId16"/>
-    <p:sldId id="296" r:id="rId17"/>
-    <p:sldId id="297" r:id="rId18"/>
-    <p:sldId id="273" r:id="rId19"/>
-    <p:sldId id="280" r:id="rId20"/>
-    <p:sldId id="293" r:id="rId21"/>
-    <p:sldId id="265" r:id="rId22"/>
-    <p:sldId id="269" r:id="rId23"/>
-    <p:sldId id="289" r:id="rId24"/>
-    <p:sldId id="290" r:id="rId25"/>
-    <p:sldId id="291" r:id="rId26"/>
-    <p:sldId id="268" r:id="rId27"/>
+    <p:sldId id="294" r:id="rId13"/>
+    <p:sldId id="262" r:id="rId14"/>
+    <p:sldId id="279" r:id="rId15"/>
+    <p:sldId id="296" r:id="rId16"/>
+    <p:sldId id="297" r:id="rId17"/>
+    <p:sldId id="273" r:id="rId18"/>
+    <p:sldId id="280" r:id="rId19"/>
+    <p:sldId id="269" r:id="rId20"/>
+    <p:sldId id="289" r:id="rId21"/>
+    <p:sldId id="290" r:id="rId22"/>
+    <p:sldId id="291" r:id="rId23"/>
+    <p:sldId id="268" r:id="rId24"/>
+    <p:sldId id="298" r:id="rId25"/>
+    <p:sldId id="299" r:id="rId26"/>
   </p:sldIdLst>
   <p:sldSz cx="12192000" cy="6858000"/>
   <p:notesSz cx="6858000" cy="9144000"/>
@@ -275,7 +274,7 @@
           <a:p>
             <a:fld id="{DACC4404-1143-0349-BD0A-2AF639398047}" type="datetimeFigureOut">
               <a:rPr lang="en-GB" smtClean="0"/>
-              <a:t>04/06/2024</a:t>
+              <a:t>10/06/2024</a:t>
             </a:fld>
             <a:endParaRPr lang="en-GB"/>
           </a:p>
@@ -483,7 +482,7 @@
               <a:pPr>
                 <a:defRPr/>
               </a:pPr>
-              <a:t>04.06.24</a:t>
+              <a:t>10.06.24</a:t>
             </a:fld>
             <a:endParaRPr lang="de-DE"/>
           </a:p>
@@ -976,7 +975,7 @@
     </p:spTree>
     <p:extLst>
       <p:ext uri="{BB962C8B-B14F-4D97-AF65-F5344CB8AC3E}">
-        <p14:creationId xmlns:p14="http://schemas.microsoft.com/office/powerpoint/2010/main" val="2396951664"/>
+        <p14:creationId xmlns:p14="http://schemas.microsoft.com/office/powerpoint/2010/main" val="3537601849"/>
       </p:ext>
     </p:extLst>
   </p:cSld>
@@ -1037,7 +1036,7 @@
     </p:spTree>
     <p:extLst>
       <p:ext uri="{BB962C8B-B14F-4D97-AF65-F5344CB8AC3E}">
-        <p14:creationId xmlns:p14="http://schemas.microsoft.com/office/powerpoint/2010/main" val="3537601849"/>
+        <p14:creationId xmlns:p14="http://schemas.microsoft.com/office/powerpoint/2010/main" val="3563333311"/>
       </p:ext>
     </p:extLst>
   </p:cSld>
@@ -1098,7 +1097,7 @@
     </p:spTree>
     <p:extLst>
       <p:ext uri="{BB962C8B-B14F-4D97-AF65-F5344CB8AC3E}">
-        <p14:creationId xmlns:p14="http://schemas.microsoft.com/office/powerpoint/2010/main" val="1155395089"/>
+        <p14:creationId xmlns:p14="http://schemas.microsoft.com/office/powerpoint/2010/main" val="2825529027"/>
       </p:ext>
     </p:extLst>
   </p:cSld>
@@ -1159,7 +1158,7 @@
     </p:spTree>
     <p:extLst>
       <p:ext uri="{BB962C8B-B14F-4D97-AF65-F5344CB8AC3E}">
-        <p14:creationId xmlns:p14="http://schemas.microsoft.com/office/powerpoint/2010/main" val="3563333311"/>
+        <p14:creationId xmlns:p14="http://schemas.microsoft.com/office/powerpoint/2010/main" val="2268108485"/>
       </p:ext>
     </p:extLst>
   </p:cSld>
@@ -1220,7 +1219,7 @@
     </p:spTree>
     <p:extLst>
       <p:ext uri="{BB962C8B-B14F-4D97-AF65-F5344CB8AC3E}">
-        <p14:creationId xmlns:p14="http://schemas.microsoft.com/office/powerpoint/2010/main" val="2825529027"/>
+        <p14:creationId xmlns:p14="http://schemas.microsoft.com/office/powerpoint/2010/main" val="1746403921"/>
       </p:ext>
     </p:extLst>
   </p:cSld>
@@ -1271,7 +1270,9 @@
         </p:nvSpPr>
         <p:spPr/>
         <p:txBody>
-          <a:bodyPr/>
+          <a:bodyPr>
+            <a:normAutofit/>
+          </a:bodyPr>
           <a:lstStyle/>
           <a:p>
             <a:endParaRPr lang="en-GB" dirty="0"/>
@@ -1281,7 +1282,7 @@
     </p:spTree>
     <p:extLst>
       <p:ext uri="{BB962C8B-B14F-4D97-AF65-F5344CB8AC3E}">
-        <p14:creationId xmlns:p14="http://schemas.microsoft.com/office/powerpoint/2010/main" val="2268108485"/>
+        <p14:creationId xmlns:p14="http://schemas.microsoft.com/office/powerpoint/2010/main" val="1628850341"/>
       </p:ext>
     </p:extLst>
   </p:cSld>
@@ -1332,7 +1333,9 @@
         </p:nvSpPr>
         <p:spPr/>
         <p:txBody>
-          <a:bodyPr/>
+          <a:bodyPr>
+            <a:normAutofit/>
+          </a:bodyPr>
           <a:lstStyle/>
           <a:p>
             <a:endParaRPr lang="en-GB" dirty="0"/>
@@ -1342,70 +1345,7 @@
     </p:spTree>
     <p:extLst>
       <p:ext uri="{BB962C8B-B14F-4D97-AF65-F5344CB8AC3E}">
-        <p14:creationId xmlns:p14="http://schemas.microsoft.com/office/powerpoint/2010/main" val="1746403921"/>
-      </p:ext>
-    </p:extLst>
-  </p:cSld>
-  <p:clrMapOvr>
-    <a:masterClrMapping/>
-  </p:clrMapOvr>
-</p:notes>
-</file>
-
-<file path=ppt/notesSlides/notesSlide17.xml><?xml version="1.0" encoding="utf-8"?>
-<p:notes xmlns:a="http://schemas.openxmlformats.org/drawingml/2006/main" xmlns:r="http://schemas.openxmlformats.org/officeDocument/2006/relationships" xmlns:p="http://schemas.openxmlformats.org/presentationml/2006/main">
-  <p:cSld>
-    <p:spTree>
-      <p:nvGrpSpPr>
-        <p:cNvPr id="1" name=""/>
-        <p:cNvGrpSpPr/>
-        <p:nvPr/>
-      </p:nvGrpSpPr>
-      <p:grpSpPr>
-        <a:xfrm>
-          <a:off x="0" y="0"/>
-          <a:ext cx="0" cy="0"/>
-          <a:chOff x="0" y="0"/>
-          <a:chExt cx="0" cy="0"/>
-        </a:xfrm>
-      </p:grpSpPr>
-      <p:sp>
-        <p:nvSpPr>
-          <p:cNvPr id="2" name="Slide Image Placeholder 1"/>
-          <p:cNvSpPr>
-            <a:spLocks noGrp="1" noRot="1" noChangeAspect="1"/>
-          </p:cNvSpPr>
-          <p:nvPr>
-            <p:ph type="sldImg"/>
-          </p:nvPr>
-        </p:nvSpPr>
-        <p:spPr/>
-      </p:sp>
-      <p:sp>
-        <p:nvSpPr>
-          <p:cNvPr id="3" name="Notes Placeholder 2"/>
-          <p:cNvSpPr>
-            <a:spLocks noGrp="1"/>
-          </p:cNvSpPr>
-          <p:nvPr>
-            <p:ph type="body" idx="1"/>
-          </p:nvPr>
-        </p:nvSpPr>
-        <p:spPr/>
-        <p:txBody>
-          <a:bodyPr>
-            <a:normAutofit fontScale="92500"/>
-          </a:bodyPr>
-          <a:lstStyle/>
-          <a:p>
-            <a:endParaRPr lang="en-GB" dirty="0"/>
-          </a:p>
-        </p:txBody>
-      </p:sp>
-    </p:spTree>
-    <p:extLst>
-      <p:ext uri="{BB962C8B-B14F-4D97-AF65-F5344CB8AC3E}">
-        <p14:creationId xmlns:p14="http://schemas.microsoft.com/office/powerpoint/2010/main" val="1628850341"/>
+        <p14:creationId xmlns:p14="http://schemas.microsoft.com/office/powerpoint/2010/main" val="4221194638"/>
       </p:ext>
     </p:extLst>
   </p:cSld>
@@ -1640,7 +1580,7 @@
         <p:spPr/>
         <p:txBody>
           <a:bodyPr>
-            <a:normAutofit lnSpcReduction="10000"/>
+            <a:normAutofit/>
           </a:bodyPr>
           <a:lstStyle/>
           <a:p>
@@ -1651,7 +1591,7 @@
     </p:spTree>
     <p:extLst>
       <p:ext uri="{BB962C8B-B14F-4D97-AF65-F5344CB8AC3E}">
-        <p14:creationId xmlns:p14="http://schemas.microsoft.com/office/powerpoint/2010/main" val="1132206513"/>
+        <p14:creationId xmlns:p14="http://schemas.microsoft.com/office/powerpoint/2010/main" val="2646147726"/>
       </p:ext>
     </p:extLst>
   </p:cSld>
@@ -1703,18 +1643,18 @@
         <p:spPr/>
         <p:txBody>
           <a:bodyPr>
-            <a:normAutofit fontScale="77500" lnSpcReduction="20000"/>
+            <a:normAutofit/>
           </a:bodyPr>
           <a:lstStyle/>
           <a:p>
-            <a:endParaRPr lang="en-GB" sz="1200" dirty="0"/>
+            <a:endParaRPr lang="en-GB" dirty="0"/>
           </a:p>
         </p:txBody>
       </p:sp>
     </p:spTree>
     <p:extLst>
       <p:ext uri="{BB962C8B-B14F-4D97-AF65-F5344CB8AC3E}">
-        <p14:creationId xmlns:p14="http://schemas.microsoft.com/office/powerpoint/2010/main" val="2646147726"/>
+        <p14:creationId xmlns:p14="http://schemas.microsoft.com/office/powerpoint/2010/main" val="1904097617"/>
       </p:ext>
     </p:extLst>
   </p:cSld>
@@ -1766,7 +1706,7 @@
         <p:spPr/>
         <p:txBody>
           <a:bodyPr>
-            <a:normAutofit fontScale="92500" lnSpcReduction="20000"/>
+            <a:normAutofit/>
           </a:bodyPr>
           <a:lstStyle/>
           <a:p>
@@ -1777,7 +1717,7 @@
     </p:spTree>
     <p:extLst>
       <p:ext uri="{BB962C8B-B14F-4D97-AF65-F5344CB8AC3E}">
-        <p14:creationId xmlns:p14="http://schemas.microsoft.com/office/powerpoint/2010/main" val="1904097617"/>
+        <p14:creationId xmlns:p14="http://schemas.microsoft.com/office/powerpoint/2010/main" val="1593862720"/>
       </p:ext>
     </p:extLst>
   </p:cSld>
@@ -1828,19 +1768,34 @@
         </p:nvSpPr>
         <p:spPr/>
         <p:txBody>
-          <a:bodyPr>
-            <a:normAutofit fontScale="70000" lnSpcReduction="20000"/>
-          </a:bodyPr>
+          <a:bodyPr/>
           <a:lstStyle/>
           <a:p>
-            <a:endParaRPr lang="en-GB" dirty="0"/>
+            <a:pPr marL="0" marR="0" lvl="0" indent="0" algn="l" defTabSz="914400" rtl="0" eaLnBrk="0" fontAlgn="base" latinLnBrk="0" hangingPunct="0">
+              <a:lnSpc>
+                <a:spcPct val="100000"/>
+              </a:lnSpc>
+              <a:spcBef>
+                <a:spcPct val="30000"/>
+              </a:spcBef>
+              <a:spcAft>
+                <a:spcPct val="0"/>
+              </a:spcAft>
+              <a:buClrTx/>
+              <a:buSzTx/>
+              <a:buFontTx/>
+              <a:buNone/>
+              <a:tabLst/>
+              <a:defRPr/>
+            </a:pPr>
+            <a:endParaRPr lang="en-GB" sz="1200" dirty="0"/>
           </a:p>
         </p:txBody>
       </p:sp>
     </p:spTree>
     <p:extLst>
       <p:ext uri="{BB962C8B-B14F-4D97-AF65-F5344CB8AC3E}">
-        <p14:creationId xmlns:p14="http://schemas.microsoft.com/office/powerpoint/2010/main" val="1593862720"/>
+        <p14:creationId xmlns:p14="http://schemas.microsoft.com/office/powerpoint/2010/main" val="3377722662"/>
       </p:ext>
     </p:extLst>
   </p:cSld>
@@ -1894,31 +1849,14 @@
           <a:bodyPr/>
           <a:lstStyle/>
           <a:p>
-            <a:pPr marL="0" marR="0" lvl="0" indent="0" algn="l" defTabSz="914400" rtl="0" eaLnBrk="0" fontAlgn="base" latinLnBrk="0" hangingPunct="0">
-              <a:lnSpc>
-                <a:spcPct val="100000"/>
-              </a:lnSpc>
-              <a:spcBef>
-                <a:spcPct val="30000"/>
-              </a:spcBef>
-              <a:spcAft>
-                <a:spcPct val="0"/>
-              </a:spcAft>
-              <a:buClrTx/>
-              <a:buSzTx/>
-              <a:buFontTx/>
-              <a:buNone/>
-              <a:tabLst/>
-              <a:defRPr/>
-            </a:pPr>
-            <a:endParaRPr lang="en-GB" sz="1200" dirty="0"/>
+            <a:endParaRPr lang="en-GB" dirty="0"/>
           </a:p>
         </p:txBody>
       </p:sp>
     </p:spTree>
     <p:extLst>
       <p:ext uri="{BB962C8B-B14F-4D97-AF65-F5344CB8AC3E}">
-        <p14:creationId xmlns:p14="http://schemas.microsoft.com/office/powerpoint/2010/main" val="3377722662"/>
+        <p14:creationId xmlns:p14="http://schemas.microsoft.com/office/powerpoint/2010/main" val="2396951664"/>
       </p:ext>
     </p:extLst>
   </p:cSld>
@@ -7396,7 +7334,7 @@
         <p:spPr bwMode="auto">
           <a:xfrm>
             <a:off x="3167064" y="4668139"/>
-            <a:ext cx="6215062" cy="928687"/>
+            <a:ext cx="6215062" cy="1371154"/>
           </a:xfrm>
           <a:noFill/>
           <a:extLst>
@@ -7437,44 +7375,62 @@
           </a:p>
           <a:p>
             <a:r>
-              <a:rPr lang="en-GB" altLang="de-DE" dirty="0" err="1">
+              <a:rPr lang="en-GB" altLang="de-DE" b="1" dirty="0" err="1">
                 <a:latin typeface="Arial"/>
                 <a:cs typeface="Arial"/>
               </a:rPr>
               <a:t>Àlex</a:t>
             </a:r>
             <a:r>
-              <a:rPr lang="en-GB" altLang="de-DE" dirty="0">
+              <a:rPr lang="en-GB" altLang="de-DE" b="1" dirty="0">
                 <a:latin typeface="Arial"/>
                 <a:cs typeface="Arial"/>
               </a:rPr>
               <a:t> </a:t>
             </a:r>
             <a:r>
-              <a:rPr lang="en-GB" altLang="de-DE" dirty="0" err="1">
+              <a:rPr lang="en-GB" altLang="de-DE" b="1" dirty="0" err="1">
                 <a:latin typeface="Arial"/>
                 <a:cs typeface="Arial"/>
               </a:rPr>
               <a:t>Mitjans</a:t>
             </a:r>
             <a:r>
-              <a:rPr lang="en-GB" altLang="de-DE" dirty="0">
+              <a:rPr lang="en-GB" altLang="de-DE" b="1" dirty="0">
                 <a:latin typeface="Arial"/>
                 <a:cs typeface="Arial"/>
               </a:rPr>
               <a:t> </a:t>
             </a:r>
             <a:r>
-              <a:rPr lang="en-GB" altLang="de-DE" dirty="0" err="1">
+              <a:rPr lang="en-GB" altLang="de-DE" b="1" dirty="0" err="1">
                 <a:latin typeface="Arial"/>
                 <a:cs typeface="Arial"/>
               </a:rPr>
               <a:t>Llorach</a:t>
             </a:r>
-            <a:endParaRPr lang="en-GB" altLang="de-DE" dirty="0">
+            <a:endParaRPr lang="en-GB" altLang="de-DE" b="1" dirty="0">
               <a:latin typeface="Arial"/>
               <a:cs typeface="Arial"/>
             </a:endParaRPr>
+          </a:p>
+          <a:p>
+            <a:r>
+              <a:rPr lang="en-GB" altLang="de-DE" sz="1800" dirty="0">
+                <a:latin typeface="Arial"/>
+                <a:cs typeface="Arial"/>
+              </a:rPr>
+              <a:t>Supervisor: Elena Andreeva</a:t>
+            </a:r>
+          </a:p>
+          <a:p>
+            <a:r>
+              <a:rPr lang="en-GB" altLang="de-DE" sz="1800" dirty="0">
+                <a:latin typeface="Arial"/>
+                <a:cs typeface="Arial"/>
+              </a:rPr>
+              <a:t>Tutor: Stefano Trevisani</a:t>
+            </a:r>
           </a:p>
         </p:txBody>
       </p:sp>
@@ -7487,293 +7443,6 @@
 </file>
 
 <file path=ppt/slides/slide10.xml><?xml version="1.0" encoding="utf-8"?>
-<p:sld xmlns:a="http://schemas.openxmlformats.org/drawingml/2006/main" xmlns:r="http://schemas.openxmlformats.org/officeDocument/2006/relationships" xmlns:p="http://schemas.openxmlformats.org/presentationml/2006/main">
-  <p:cSld>
-    <p:spTree>
-      <p:nvGrpSpPr>
-        <p:cNvPr id="1" name=""/>
-        <p:cNvGrpSpPr/>
-        <p:nvPr/>
-      </p:nvGrpSpPr>
-      <p:grpSpPr>
-        <a:xfrm>
-          <a:off x="0" y="0"/>
-          <a:ext cx="0" cy="0"/>
-          <a:chOff x="0" y="0"/>
-          <a:chExt cx="0" cy="0"/>
-        </a:xfrm>
-      </p:grpSpPr>
-      <p:sp>
-        <p:nvSpPr>
-          <p:cNvPr id="5" name="Title 1">
-            <a:extLst>
-              <a:ext uri="{FF2B5EF4-FFF2-40B4-BE49-F238E27FC236}">
-                <a16:creationId xmlns:a16="http://schemas.microsoft.com/office/drawing/2014/main" id="{3D209A7E-6924-910B-872A-1FB0911912E6}"/>
-              </a:ext>
-            </a:extLst>
-          </p:cNvPr>
-          <p:cNvSpPr>
-            <a:spLocks noGrp="1"/>
-          </p:cNvSpPr>
-          <p:nvPr>
-            <p:ph type="title"/>
-          </p:nvPr>
-        </p:nvSpPr>
-        <p:spPr>
-          <a:xfrm>
-            <a:off x="1142964" y="161597"/>
-            <a:ext cx="5767501" cy="752183"/>
-          </a:xfrm>
-        </p:spPr>
-        <p:txBody>
-          <a:bodyPr lIns="91440" tIns="45720" rIns="91440" bIns="45720" anchor="t"/>
-          <a:lstStyle/>
-          <a:p>
-            <a:r>
-              <a:rPr lang="en-US" dirty="0">
-                <a:latin typeface="Arial"/>
-                <a:cs typeface="Arial"/>
-              </a:rPr>
-              <a:t>Plonk</a:t>
-            </a:r>
-            <a:br>
-              <a:rPr lang="en-GB" sz="3600" dirty="0"/>
-            </a:br>
-            <a:endParaRPr lang="en-US" dirty="0">
-              <a:latin typeface="Arial"/>
-              <a:cs typeface="Arial"/>
-            </a:endParaRPr>
-          </a:p>
-          <a:p>
-            <a:endParaRPr lang="en-US" dirty="0"/>
-          </a:p>
-        </p:txBody>
-      </p:sp>
-      <p:sp>
-        <p:nvSpPr>
-          <p:cNvPr id="6" name="TextBox 5">
-            <a:extLst>
-              <a:ext uri="{FF2B5EF4-FFF2-40B4-BE49-F238E27FC236}">
-                <a16:creationId xmlns:a16="http://schemas.microsoft.com/office/drawing/2014/main" id="{9D633E7C-CEAF-E445-3720-3DCB397A7B1D}"/>
-              </a:ext>
-            </a:extLst>
-          </p:cNvPr>
-          <p:cNvSpPr txBox="1"/>
-          <p:nvPr/>
-        </p:nvSpPr>
-        <p:spPr>
-          <a:xfrm>
-            <a:off x="764242" y="1196832"/>
-            <a:ext cx="3916457" cy="461665"/>
-          </a:xfrm>
-          <a:prstGeom prst="rect">
-            <a:avLst/>
-          </a:prstGeom>
-          <a:noFill/>
-        </p:spPr>
-        <p:txBody>
-          <a:bodyPr wrap="none" rtlCol="0">
-            <a:spAutoFit/>
-          </a:bodyPr>
-          <a:lstStyle/>
-          <a:p>
-            <a:r>
-              <a:rPr lang="en-GB" sz="2400" dirty="0"/>
-              <a:t>2. Compressing constraints</a:t>
-            </a:r>
-          </a:p>
-        </p:txBody>
-      </p:sp>
-      <p:sp>
-        <p:nvSpPr>
-          <p:cNvPr id="7" name="TextBox 6">
-            <a:extLst>
-              <a:ext uri="{FF2B5EF4-FFF2-40B4-BE49-F238E27FC236}">
-                <a16:creationId xmlns:a16="http://schemas.microsoft.com/office/drawing/2014/main" id="{BC004386-C219-7594-FE12-4045E92C234F}"/>
-              </a:ext>
-            </a:extLst>
-          </p:cNvPr>
-          <p:cNvSpPr txBox="1"/>
-          <p:nvPr/>
-        </p:nvSpPr>
-        <p:spPr>
-          <a:xfrm>
-            <a:off x="764242" y="3754645"/>
-            <a:ext cx="3950120" cy="461665"/>
-          </a:xfrm>
-          <a:prstGeom prst="rect">
-            <a:avLst/>
-          </a:prstGeom>
-          <a:noFill/>
-        </p:spPr>
-        <p:txBody>
-          <a:bodyPr wrap="none" rtlCol="0">
-            <a:spAutoFit/>
-          </a:bodyPr>
-          <a:lstStyle/>
-          <a:p>
-            <a:r>
-              <a:rPr lang="en-GB" sz="2400" dirty="0"/>
-              <a:t>3. Polynomial commitments</a:t>
-            </a:r>
-          </a:p>
-        </p:txBody>
-      </p:sp>
-      <p:pic>
-        <p:nvPicPr>
-          <p:cNvPr id="8" name="Picture 7">
-            <a:extLst>
-              <a:ext uri="{FF2B5EF4-FFF2-40B4-BE49-F238E27FC236}">
-                <a16:creationId xmlns:a16="http://schemas.microsoft.com/office/drawing/2014/main" id="{20FFAD5A-9364-0CEF-59EC-66087F0B691F}"/>
-              </a:ext>
-            </a:extLst>
-          </p:cNvPr>
-          <p:cNvPicPr>
-            <a:picLocks noChangeAspect="1"/>
-          </p:cNvPicPr>
-          <p:nvPr/>
-        </p:nvPicPr>
-        <p:blipFill>
-          <a:blip r:embed="rId3"/>
-          <a:stretch>
-            <a:fillRect/>
-          </a:stretch>
-        </p:blipFill>
-        <p:spPr>
-          <a:xfrm>
-            <a:off x="1142964" y="2848438"/>
-            <a:ext cx="8279360" cy="556975"/>
-          </a:xfrm>
-          <a:prstGeom prst="rect">
-            <a:avLst/>
-          </a:prstGeom>
-        </p:spPr>
-      </p:pic>
-      <p:sp>
-        <p:nvSpPr>
-          <p:cNvPr id="9" name="TextBox 8">
-            <a:extLst>
-              <a:ext uri="{FF2B5EF4-FFF2-40B4-BE49-F238E27FC236}">
-                <a16:creationId xmlns:a16="http://schemas.microsoft.com/office/drawing/2014/main" id="{7F021D7A-2DD0-6C70-4DC1-4C1396FEABC0}"/>
-              </a:ext>
-            </a:extLst>
-          </p:cNvPr>
-          <p:cNvSpPr txBox="1"/>
-          <p:nvPr/>
-        </p:nvSpPr>
-        <p:spPr>
-          <a:xfrm>
-            <a:off x="1142964" y="1918373"/>
-            <a:ext cx="2864887" cy="707886"/>
-          </a:xfrm>
-          <a:prstGeom prst="rect">
-            <a:avLst/>
-          </a:prstGeom>
-          <a:noFill/>
-        </p:spPr>
-        <p:txBody>
-          <a:bodyPr wrap="none" rtlCol="0">
-            <a:spAutoFit/>
-          </a:bodyPr>
-          <a:lstStyle/>
-          <a:p>
-            <a:r>
-              <a:rPr lang="en-GB" sz="2000" dirty="0"/>
-              <a:t>Schwartz-Zippel lemma</a:t>
-            </a:r>
-          </a:p>
-          <a:p>
-            <a:r>
-              <a:rPr lang="en-GB" sz="2000" dirty="0"/>
-              <a:t>Lagrange interpolation</a:t>
-            </a:r>
-          </a:p>
-        </p:txBody>
-      </p:sp>
-      <p:sp>
-        <p:nvSpPr>
-          <p:cNvPr id="10" name="TextBox 9">
-            <a:extLst>
-              <a:ext uri="{FF2B5EF4-FFF2-40B4-BE49-F238E27FC236}">
-                <a16:creationId xmlns:a16="http://schemas.microsoft.com/office/drawing/2014/main" id="{D33782EE-FF5D-DF26-0593-4C08B431AA68}"/>
-              </a:ext>
-            </a:extLst>
-          </p:cNvPr>
-          <p:cNvSpPr txBox="1"/>
-          <p:nvPr/>
-        </p:nvSpPr>
-        <p:spPr>
-          <a:xfrm>
-            <a:off x="1142964" y="4395299"/>
-            <a:ext cx="2305439" cy="400110"/>
-          </a:xfrm>
-          <a:prstGeom prst="rect">
-            <a:avLst/>
-          </a:prstGeom>
-          <a:noFill/>
-        </p:spPr>
-        <p:txBody>
-          <a:bodyPr wrap="none" rtlCol="0">
-            <a:spAutoFit/>
-          </a:bodyPr>
-          <a:lstStyle/>
-          <a:p>
-            <a:r>
-              <a:rPr lang="en-GB" sz="2000" dirty="0"/>
-              <a:t>KZG commitments</a:t>
-            </a:r>
-          </a:p>
-        </p:txBody>
-      </p:sp>
-      <p:sp>
-        <p:nvSpPr>
-          <p:cNvPr id="3" name="Slide Number Placeholder 4">
-            <a:extLst>
-              <a:ext uri="{FF2B5EF4-FFF2-40B4-BE49-F238E27FC236}">
-                <a16:creationId xmlns:a16="http://schemas.microsoft.com/office/drawing/2014/main" id="{FEA8C0AA-DCA2-492A-5074-CAF79B6E7911}"/>
-              </a:ext>
-            </a:extLst>
-          </p:cNvPr>
-          <p:cNvSpPr>
-            <a:spLocks noGrp="1"/>
-          </p:cNvSpPr>
-          <p:nvPr>
-            <p:ph type="sldNum" sz="quarter" idx="12"/>
-          </p:nvPr>
-        </p:nvSpPr>
-        <p:spPr>
-          <a:xfrm>
-            <a:off x="8737600" y="6356351"/>
-            <a:ext cx="2311400" cy="365125"/>
-          </a:xfrm>
-        </p:spPr>
-        <p:txBody>
-          <a:bodyPr/>
-          <a:lstStyle/>
-          <a:p>
-            <a:fld id="{7360CA27-EC7C-449D-8F19-032111378712}" type="slidenum">
-              <a:rPr lang="de-DE" altLang="de-DE" smtClean="0"/>
-              <a:pPr/>
-              <a:t>10</a:t>
-            </a:fld>
-            <a:endParaRPr lang="de-DE" altLang="de-DE" dirty="0"/>
-          </a:p>
-        </p:txBody>
-      </p:sp>
-    </p:spTree>
-    <p:extLst>
-      <p:ext uri="{BB962C8B-B14F-4D97-AF65-F5344CB8AC3E}">
-        <p14:creationId xmlns:p14="http://schemas.microsoft.com/office/powerpoint/2010/main" val="163705016"/>
-      </p:ext>
-    </p:extLst>
-  </p:cSld>
-  <p:clrMapOvr>
-    <a:masterClrMapping/>
-  </p:clrMapOvr>
-</p:sld>
-</file>
-
-<file path=ppt/slides/slide11.xml><?xml version="1.0" encoding="utf-8"?>
 <p:sld xmlns:a="http://schemas.openxmlformats.org/drawingml/2006/main" xmlns:r="http://schemas.openxmlformats.org/officeDocument/2006/relationships" xmlns:p="http://schemas.openxmlformats.org/presentationml/2006/main">
   <p:cSld>
     <p:spTree>
@@ -7863,13 +7532,6 @@
           </a:p>
           <a:p>
             <a:r>
-              <a:rPr lang="en-GB" dirty="0" err="1"/>
-              <a:t>MiMC</a:t>
-            </a:r>
-            <a:endParaRPr lang="en-GB" dirty="0"/>
-          </a:p>
-          <a:p>
-            <a:r>
               <a:rPr lang="en-GB" dirty="0"/>
               <a:t>Poseidon</a:t>
             </a:r>
@@ -7935,12 +7597,461 @@
             <a:fld id="{7360CA27-EC7C-449D-8F19-032111378712}" type="slidenum">
               <a:rPr lang="de-DE" altLang="de-DE" smtClean="0"/>
               <a:pPr/>
-              <a:t>11</a:t>
+              <a:t>10</a:t>
             </a:fld>
             <a:endParaRPr lang="de-DE" altLang="de-DE" dirty="0"/>
           </a:p>
         </p:txBody>
       </p:sp>
+      <p:sp>
+        <p:nvSpPr>
+          <p:cNvPr id="4" name="TextBox 3">
+            <a:extLst>
+              <a:ext uri="{FF2B5EF4-FFF2-40B4-BE49-F238E27FC236}">
+                <a16:creationId xmlns:a16="http://schemas.microsoft.com/office/drawing/2014/main" id="{54160882-CC20-8393-F50F-E4A0E98F5D98}"/>
+              </a:ext>
+            </a:extLst>
+          </p:cNvPr>
+          <p:cNvSpPr txBox="1"/>
+          <p:nvPr/>
+        </p:nvSpPr>
+        <p:spPr>
+          <a:xfrm>
+            <a:off x="7235007" y="2105561"/>
+            <a:ext cx="3813993" cy="1938992"/>
+          </a:xfrm>
+          <a:prstGeom prst="rect">
+            <a:avLst/>
+          </a:prstGeom>
+          <a:noFill/>
+        </p:spPr>
+        <p:txBody>
+          <a:bodyPr wrap="none" rtlCol="0">
+            <a:spAutoFit/>
+          </a:bodyPr>
+          <a:lstStyle/>
+          <a:p>
+            <a:r>
+              <a:rPr lang="en-GB" sz="2000" u="sng" dirty="0"/>
+              <a:t>Components:</a:t>
+            </a:r>
+          </a:p>
+          <a:p>
+            <a:pPr marL="285750" indent="-285750">
+              <a:buFont typeface="Arial" panose="020B0604020202020204" pitchFamily="34" charset="0"/>
+              <a:buChar char="•"/>
+            </a:pPr>
+            <a:r>
+              <a:rPr lang="en-GB" sz="2000" dirty="0"/>
+              <a:t>Horst Scheme</a:t>
+            </a:r>
+          </a:p>
+          <a:p>
+            <a:pPr marL="285750" indent="-285750">
+              <a:buFont typeface="Arial" panose="020B0604020202020204" pitchFamily="34" charset="0"/>
+              <a:buChar char="•"/>
+            </a:pPr>
+            <a:r>
+              <a:rPr lang="en-GB" sz="2000" dirty="0"/>
+              <a:t>Open </a:t>
+            </a:r>
+            <a:r>
+              <a:rPr lang="en-GB" sz="2000" dirty="0" err="1"/>
+              <a:t>Flyestel</a:t>
+            </a:r>
+            <a:r>
+              <a:rPr lang="en-GB" sz="2000" dirty="0"/>
+              <a:t> structure</a:t>
+            </a:r>
+          </a:p>
+          <a:p>
+            <a:pPr marL="285750" indent="-285750">
+              <a:buFont typeface="Arial" panose="020B0604020202020204" pitchFamily="34" charset="0"/>
+              <a:buChar char="•"/>
+            </a:pPr>
+            <a:r>
+              <a:rPr lang="en-GB" sz="2000" dirty="0"/>
+              <a:t>Generalized</a:t>
+            </a:r>
+          </a:p>
+          <a:p>
+            <a:pPr marL="285750" indent="-285750">
+              <a:buFont typeface="Arial" panose="020B0604020202020204" pitchFamily="34" charset="0"/>
+              <a:buChar char="•"/>
+            </a:pPr>
+            <a:r>
+              <a:rPr lang="en-GB" sz="2000" dirty="0"/>
+              <a:t>Triangular Dynamical System</a:t>
+            </a:r>
+          </a:p>
+          <a:p>
+            <a:pPr marL="285750" indent="-285750">
+              <a:buFont typeface="Arial" panose="020B0604020202020204" pitchFamily="34" charset="0"/>
+              <a:buChar char="•"/>
+            </a:pPr>
+            <a:r>
+              <a:rPr lang="en-GB" sz="2000" dirty="0"/>
+              <a:t>S-box</a:t>
+            </a:r>
+          </a:p>
+        </p:txBody>
+      </p:sp>
+      <mc:AlternateContent xmlns:mc="http://schemas.openxmlformats.org/markup-compatibility/2006" xmlns:a14="http://schemas.microsoft.com/office/drawing/2010/main">
+        <mc:Choice Requires="a14">
+          <p:sp>
+            <p:nvSpPr>
+              <p:cNvPr id="6" name="TextBox 5">
+                <a:extLst>
+                  <a:ext uri="{FF2B5EF4-FFF2-40B4-BE49-F238E27FC236}">
+                    <a16:creationId xmlns:a16="http://schemas.microsoft.com/office/drawing/2014/main" id="{54BA22FB-6886-779E-EA0B-DFEF3ED902A1}"/>
+                  </a:ext>
+                </a:extLst>
+              </p:cNvPr>
+              <p:cNvSpPr txBox="1"/>
+              <p:nvPr/>
+            </p:nvSpPr>
+            <p:spPr>
+              <a:xfrm>
+                <a:off x="7982006" y="4044553"/>
+                <a:ext cx="2319994" cy="1962076"/>
+              </a:xfrm>
+              <a:prstGeom prst="rect">
+                <a:avLst/>
+              </a:prstGeom>
+              <a:noFill/>
+            </p:spPr>
+            <p:txBody>
+              <a:bodyPr wrap="none" rtlCol="0">
+                <a:spAutoFit/>
+              </a:bodyPr>
+              <a:lstStyle/>
+              <a:p>
+                <a:pPr/>
+                <a14:m>
+                  <m:oMathPara xmlns:m="http://schemas.openxmlformats.org/officeDocument/2006/math">
+                    <m:oMathParaPr>
+                      <m:jc m:val="centerGroup"/>
+                    </m:oMathParaPr>
+                    <m:oMath xmlns:m="http://schemas.openxmlformats.org/officeDocument/2006/math">
+                      <m:r>
+                        <a:rPr lang="es-ES" sz="2000" b="0" i="1" smtClean="0">
+                          <a:latin typeface="Cambria Math" panose="02040503050406030204" pitchFamily="18" charset="0"/>
+                        </a:rPr>
+                        <m:t>𝑆𝑏𝑜𝑥</m:t>
+                      </m:r>
+                      <m:d>
+                        <m:dPr>
+                          <m:ctrlPr>
+                            <a:rPr lang="es-ES" sz="2000" b="0" i="1" smtClean="0">
+                              <a:latin typeface="Cambria Math" panose="02040503050406030204" pitchFamily="18" charset="0"/>
+                            </a:rPr>
+                          </m:ctrlPr>
+                        </m:dPr>
+                        <m:e>
+                          <m:r>
+                            <a:rPr lang="es-ES" sz="2000" b="0" i="1" smtClean="0">
+                              <a:latin typeface="Cambria Math" panose="02040503050406030204" pitchFamily="18" charset="0"/>
+                            </a:rPr>
+                            <m:t>𝑥</m:t>
+                          </m:r>
+                        </m:e>
+                      </m:d>
+                      <m:r>
+                        <a:rPr lang="es-ES" sz="2000" b="0" i="1" smtClean="0">
+                          <a:latin typeface="Cambria Math" panose="02040503050406030204" pitchFamily="18" charset="0"/>
+                        </a:rPr>
+                        <m:t>=</m:t>
+                      </m:r>
+                      <m:sSup>
+                        <m:sSupPr>
+                          <m:ctrlPr>
+                            <a:rPr lang="es-ES" sz="2000" b="0" i="1" smtClean="0">
+                              <a:latin typeface="Cambria Math" panose="02040503050406030204" pitchFamily="18" charset="0"/>
+                            </a:rPr>
+                          </m:ctrlPr>
+                        </m:sSupPr>
+                        <m:e>
+                          <m:r>
+                            <a:rPr lang="es-ES" sz="2000" b="0" i="1" smtClean="0">
+                              <a:latin typeface="Cambria Math" panose="02040503050406030204" pitchFamily="18" charset="0"/>
+                            </a:rPr>
+                            <m:t>𝑥</m:t>
+                          </m:r>
+                        </m:e>
+                        <m:sup>
+                          <m:r>
+                            <a:rPr lang="es-ES" sz="2000" i="1">
+                              <a:latin typeface="Cambria Math" panose="02040503050406030204" pitchFamily="18" charset="0"/>
+                            </a:rPr>
+                            <m:t>⍺</m:t>
+                          </m:r>
+                        </m:sup>
+                      </m:sSup>
+                    </m:oMath>
+                  </m:oMathPara>
+                </a14:m>
+                <a:endParaRPr lang="en-GB" sz="2000" dirty="0"/>
+              </a:p>
+              <a:p>
+                <a:pPr/>
+                <a14:m>
+                  <m:oMathPara xmlns:m="http://schemas.openxmlformats.org/officeDocument/2006/math">
+                    <m:oMathParaPr>
+                      <m:jc m:val="centerGroup"/>
+                    </m:oMathParaPr>
+                    <m:oMath xmlns:m="http://schemas.openxmlformats.org/officeDocument/2006/math">
+                      <m:sSup>
+                        <m:sSupPr>
+                          <m:ctrlPr>
+                            <a:rPr lang="en-GB" sz="2000" i="1" smtClean="0">
+                              <a:latin typeface="Cambria Math" panose="02040503050406030204" pitchFamily="18" charset="0"/>
+                            </a:rPr>
+                          </m:ctrlPr>
+                        </m:sSupPr>
+                        <m:e>
+                          <m:sSup>
+                            <m:sSupPr>
+                              <m:ctrlPr>
+                                <a:rPr lang="es-ES" sz="2000" b="0" i="1" smtClean="0">
+                                  <a:latin typeface="Cambria Math" panose="02040503050406030204" pitchFamily="18" charset="0"/>
+                                </a:rPr>
+                              </m:ctrlPr>
+                            </m:sSupPr>
+                            <m:e>
+                              <m:r>
+                                <a:rPr lang="es-ES" sz="2000" b="0" i="1" smtClean="0">
+                                  <a:latin typeface="Cambria Math" panose="02040503050406030204" pitchFamily="18" charset="0"/>
+                                </a:rPr>
+                                <m:t>𝑆</m:t>
+                              </m:r>
+                            </m:e>
+                            <m:sup>
+                              <m:r>
+                                <a:rPr lang="es-ES" sz="2000" b="0" i="1" smtClean="0">
+                                  <a:latin typeface="Cambria Math" panose="02040503050406030204" pitchFamily="18" charset="0"/>
+                                </a:rPr>
+                                <m:t>−1</m:t>
+                              </m:r>
+                            </m:sup>
+                          </m:sSup>
+                          <m:r>
+                            <a:rPr lang="es-ES" sz="2000" b="0" i="1" smtClean="0">
+                              <a:latin typeface="Cambria Math" panose="02040503050406030204" pitchFamily="18" charset="0"/>
+                            </a:rPr>
+                            <m:t>𝑏𝑜𝑥</m:t>
+                          </m:r>
+                          <m:d>
+                            <m:dPr>
+                              <m:ctrlPr>
+                                <a:rPr lang="es-ES" sz="2000" b="0" i="1" smtClean="0">
+                                  <a:latin typeface="Cambria Math" panose="02040503050406030204" pitchFamily="18" charset="0"/>
+                                </a:rPr>
+                              </m:ctrlPr>
+                            </m:dPr>
+                            <m:e>
+                              <m:r>
+                                <a:rPr lang="es-ES" sz="2000" b="0" i="1" smtClean="0">
+                                  <a:latin typeface="Cambria Math" panose="02040503050406030204" pitchFamily="18" charset="0"/>
+                                </a:rPr>
+                                <m:t>𝑥</m:t>
+                              </m:r>
+                            </m:e>
+                          </m:d>
+                          <m:r>
+                            <a:rPr lang="es-ES" sz="2000" b="0" i="1" smtClean="0">
+                              <a:latin typeface="Cambria Math" panose="02040503050406030204" pitchFamily="18" charset="0"/>
+                            </a:rPr>
+                            <m:t>=</m:t>
+                          </m:r>
+                          <m:r>
+                            <a:rPr lang="es-ES" sz="2000" b="0" i="1" smtClean="0">
+                              <a:latin typeface="Cambria Math" panose="02040503050406030204" pitchFamily="18" charset="0"/>
+                            </a:rPr>
+                            <m:t>𝑥</m:t>
+                          </m:r>
+                        </m:e>
+                        <m:sup>
+                          <m:r>
+                            <a:rPr lang="es-ES" sz="2000" b="0" i="1" smtClean="0">
+                              <a:latin typeface="Cambria Math" panose="02040503050406030204" pitchFamily="18" charset="0"/>
+                            </a:rPr>
+                            <m:t>1/⍺</m:t>
+                          </m:r>
+                        </m:sup>
+                      </m:sSup>
+                    </m:oMath>
+                  </m:oMathPara>
+                </a14:m>
+                <a:endParaRPr lang="en-GB" sz="2000" dirty="0"/>
+              </a:p>
+              <a:p>
+                <a:endParaRPr lang="en-GB" sz="2000" dirty="0"/>
+              </a:p>
+              <a:p>
+                <a:r>
+                  <a:rPr lang="en-GB" sz="2000" dirty="0"/>
+                  <a:t>Optimization:</a:t>
+                </a:r>
+              </a:p>
+              <a:p>
+                <a:pPr/>
+                <a14:m>
+                  <m:oMathPara xmlns:m="http://schemas.openxmlformats.org/officeDocument/2006/math">
+                    <m:oMathParaPr>
+                      <m:jc m:val="centerGroup"/>
+                    </m:oMathParaPr>
+                    <m:oMath xmlns:m="http://schemas.openxmlformats.org/officeDocument/2006/math">
+                      <m:sSup>
+                        <m:sSupPr>
+                          <m:ctrlPr>
+                            <a:rPr lang="en-GB" sz="2000" i="1" smtClean="0">
+                              <a:latin typeface="Cambria Math" panose="02040503050406030204" pitchFamily="18" charset="0"/>
+                            </a:rPr>
+                          </m:ctrlPr>
+                        </m:sSupPr>
+                        <m:e>
+                          <m:r>
+                            <a:rPr lang="es-ES" sz="2000" b="0" i="1" smtClean="0">
+                              <a:latin typeface="Cambria Math" panose="02040503050406030204" pitchFamily="18" charset="0"/>
+                            </a:rPr>
+                            <m:t>𝑥</m:t>
+                          </m:r>
+                          <m:r>
+                            <a:rPr lang="es-ES" sz="2000" b="0" i="1" smtClean="0">
+                              <a:latin typeface="Cambria Math" panose="02040503050406030204" pitchFamily="18" charset="0"/>
+                            </a:rPr>
+                            <m:t>=</m:t>
+                          </m:r>
+                          <m:r>
+                            <a:rPr lang="es-ES" sz="2000" b="0" i="1" smtClean="0">
+                              <a:latin typeface="Cambria Math" panose="02040503050406030204" pitchFamily="18" charset="0"/>
+                            </a:rPr>
+                            <m:t>𝑦</m:t>
+                          </m:r>
+                        </m:e>
+                        <m:sup>
+                          <m:r>
+                            <a:rPr lang="es-ES" sz="2000" i="1">
+                              <a:latin typeface="Cambria Math" panose="02040503050406030204" pitchFamily="18" charset="0"/>
+                            </a:rPr>
+                            <m:t>⍺</m:t>
+                          </m:r>
+                        </m:sup>
+                      </m:sSup>
+                      <m:r>
+                        <m:rPr>
+                          <m:nor/>
+                        </m:rPr>
+                        <a:rPr lang="en-ES" sz="2000">
+                          <a:latin typeface="Cambria Math" panose="02040503050406030204" pitchFamily="18" charset="0"/>
+                          <a:ea typeface="Cambria Math" panose="02040503050406030204" pitchFamily="18" charset="0"/>
+                        </a:rPr>
+                        <m:t>⇔</m:t>
+                      </m:r>
+                      <m:sSup>
+                        <m:sSupPr>
+                          <m:ctrlPr>
+                            <a:rPr lang="en-ES" sz="2000" i="1" smtClean="0">
+                              <a:latin typeface="Cambria Math" panose="02040503050406030204" pitchFamily="18" charset="0"/>
+                              <a:ea typeface="Cambria Math" panose="02040503050406030204" pitchFamily="18" charset="0"/>
+                            </a:rPr>
+                          </m:ctrlPr>
+                        </m:sSupPr>
+                        <m:e>
+                          <m:r>
+                            <a:rPr lang="es-ES" sz="2000" b="0" i="1" smtClean="0">
+                              <a:latin typeface="Cambria Math" panose="02040503050406030204" pitchFamily="18" charset="0"/>
+                              <a:ea typeface="Cambria Math" panose="02040503050406030204" pitchFamily="18" charset="0"/>
+                            </a:rPr>
+                            <m:t>𝑦</m:t>
+                          </m:r>
+                          <m:r>
+                            <a:rPr lang="es-ES" sz="2000" b="0" i="1" smtClean="0">
+                              <a:latin typeface="Cambria Math" panose="02040503050406030204" pitchFamily="18" charset="0"/>
+                              <a:ea typeface="Cambria Math" panose="02040503050406030204" pitchFamily="18" charset="0"/>
+                            </a:rPr>
+                            <m:t>=</m:t>
+                          </m:r>
+                          <m:r>
+                            <a:rPr lang="es-ES" sz="2000" b="0" i="1" smtClean="0">
+                              <a:latin typeface="Cambria Math" panose="02040503050406030204" pitchFamily="18" charset="0"/>
+                              <a:ea typeface="Cambria Math" panose="02040503050406030204" pitchFamily="18" charset="0"/>
+                            </a:rPr>
+                            <m:t>𝑥</m:t>
+                          </m:r>
+                        </m:e>
+                        <m:sup>
+                          <m:r>
+                            <a:rPr lang="es-ES" sz="2000" b="0" i="1" smtClean="0">
+                              <a:latin typeface="Cambria Math" panose="02040503050406030204" pitchFamily="18" charset="0"/>
+                              <a:ea typeface="Cambria Math" panose="02040503050406030204" pitchFamily="18" charset="0"/>
+                            </a:rPr>
+                            <m:t>1/</m:t>
+                          </m:r>
+                          <m:r>
+                            <a:rPr lang="es-ES" sz="2000" b="0" i="1">
+                              <a:latin typeface="Cambria Math" panose="02040503050406030204" pitchFamily="18" charset="0"/>
+                            </a:rPr>
+                            <m:t>⍺</m:t>
+                          </m:r>
+                        </m:sup>
+                      </m:sSup>
+                    </m:oMath>
+                  </m:oMathPara>
+                </a14:m>
+                <a:endParaRPr lang="en-GB" sz="2000" dirty="0"/>
+              </a:p>
+              <a:p>
+                <a:endParaRPr lang="en-GB" sz="2000" dirty="0"/>
+              </a:p>
+            </p:txBody>
+          </p:sp>
+        </mc:Choice>
+        <mc:Fallback xmlns="">
+          <p:sp>
+            <p:nvSpPr>
+              <p:cNvPr id="6" name="TextBox 5">
+                <a:extLst>
+                  <a:ext uri="{FF2B5EF4-FFF2-40B4-BE49-F238E27FC236}">
+                    <a16:creationId xmlns:a16="http://schemas.microsoft.com/office/drawing/2014/main" id="{54BA22FB-6886-779E-EA0B-DFEF3ED902A1}"/>
+                  </a:ext>
+                </a:extLst>
+              </p:cNvPr>
+              <p:cNvSpPr txBox="1">
+                <a:spLocks noRot="1" noChangeAspect="1" noMove="1" noResize="1" noEditPoints="1" noAdjustHandles="1" noChangeArrowheads="1" noChangeShapeType="1" noTextEdit="1"/>
+              </p:cNvSpPr>
+              <p:nvPr/>
+            </p:nvSpPr>
+            <p:spPr>
+              <a:xfrm>
+                <a:off x="7982006" y="4044553"/>
+                <a:ext cx="2319994" cy="1962076"/>
+              </a:xfrm>
+              <a:prstGeom prst="rect">
+                <a:avLst/>
+              </a:prstGeom>
+              <a:blipFill>
+                <a:blip r:embed="rId3"/>
+                <a:stretch>
+                  <a:fillRect l="-2717"/>
+                </a:stretch>
+              </a:blipFill>
+            </p:spPr>
+            <p:txBody>
+              <a:bodyPr/>
+              <a:lstStyle/>
+              <a:p>
+                <a:r>
+                  <a:rPr lang="en-GB">
+                    <a:noFill/>
+                  </a:rPr>
+                  <a:t> </a:t>
+                </a:r>
+              </a:p>
+            </p:txBody>
+          </p:sp>
+        </mc:Fallback>
+      </mc:AlternateContent>
     </p:spTree>
     <p:extLst>
       <p:ext uri="{BB962C8B-B14F-4D97-AF65-F5344CB8AC3E}">
@@ -7954,7 +8065,7 @@
 </p:sld>
 </file>
 
-<file path=ppt/slides/slide12.xml><?xml version="1.0" encoding="utf-8"?>
+<file path=ppt/slides/slide11.xml><?xml version="1.0" encoding="utf-8"?>
 <p:sld xmlns:a="http://schemas.openxmlformats.org/drawingml/2006/main" xmlns:r="http://schemas.openxmlformats.org/officeDocument/2006/relationships" xmlns:p="http://schemas.openxmlformats.org/presentationml/2006/main">
   <p:cSld>
     <p:spTree>
@@ -8000,7 +8111,7 @@
                 <a:latin typeface="Arial"/>
                 <a:cs typeface="Arial"/>
               </a:rPr>
-              <a:t>Implementation</a:t>
+              <a:t>Implementation &amp; Benchmarking</a:t>
             </a:r>
           </a:p>
         </p:txBody>
@@ -8018,7 +8129,7 @@
 </p:sld>
 </file>
 
-<file path=ppt/slides/slide13.xml><?xml version="1.0" encoding="utf-8"?>
+<file path=ppt/slides/slide12.xml><?xml version="1.0" encoding="utf-8"?>
 <p:sld xmlns:a="http://schemas.openxmlformats.org/drawingml/2006/main" xmlns:r="http://schemas.openxmlformats.org/officeDocument/2006/relationships" xmlns:p="http://schemas.openxmlformats.org/presentationml/2006/main">
   <p:cSld>
     <p:spTree>
@@ -8125,7 +8236,7 @@
             </a:pPr>
             <a:r>
               <a:rPr lang="en-US" dirty="0"/>
-              <a:t>Divided the circuit implementation</a:t>
+              <a:t>Implemented for different configurations and optimized according to publications</a:t>
             </a:r>
           </a:p>
           <a:p>
@@ -8135,51 +8246,11 @@
             </a:pPr>
             <a:r>
               <a:rPr lang="en-US" dirty="0"/>
-              <a:t>Implemented for different configurations and optimized according to publications</a:t>
-            </a:r>
-          </a:p>
-          <a:p>
-            <a:pPr marL="457200" indent="-457200">
-              <a:buFont typeface="Arial" panose="020B0604020202020204" pitchFamily="34" charset="0"/>
-              <a:buChar char="•"/>
-            </a:pPr>
-            <a:r>
-              <a:rPr lang="en-US" dirty="0"/>
               <a:t>Used Criterion for benchmarking</a:t>
             </a:r>
           </a:p>
         </p:txBody>
       </p:sp>
-      <p:pic>
-        <p:nvPicPr>
-          <p:cNvPr id="6" name="Picture 5">
-            <a:extLst>
-              <a:ext uri="{FF2B5EF4-FFF2-40B4-BE49-F238E27FC236}">
-                <a16:creationId xmlns:a16="http://schemas.microsoft.com/office/drawing/2014/main" id="{B0996F87-E80A-6593-18D6-91D7D3186FA8}"/>
-              </a:ext>
-            </a:extLst>
-          </p:cNvPr>
-          <p:cNvPicPr>
-            <a:picLocks noChangeAspect="1"/>
-          </p:cNvPicPr>
-          <p:nvPr/>
-        </p:nvPicPr>
-        <p:blipFill>
-          <a:blip r:embed="rId3"/>
-          <a:stretch>
-            <a:fillRect/>
-          </a:stretch>
-        </p:blipFill>
-        <p:spPr>
-          <a:xfrm>
-            <a:off x="1505702" y="5616659"/>
-            <a:ext cx="9180596" cy="467715"/>
-          </a:xfrm>
-          <a:prstGeom prst="rect">
-            <a:avLst/>
-          </a:prstGeom>
-        </p:spPr>
-      </p:pic>
       <p:sp>
         <p:nvSpPr>
           <p:cNvPr id="3" name="Slide Number Placeholder 4">
@@ -8209,7 +8280,7 @@
             <a:fld id="{7360CA27-EC7C-449D-8F19-032111378712}" type="slidenum">
               <a:rPr lang="de-DE" altLang="de-DE" smtClean="0"/>
               <a:pPr/>
-              <a:t>13</a:t>
+              <a:t>12</a:t>
             </a:fld>
             <a:endParaRPr lang="de-DE" altLang="de-DE" dirty="0"/>
           </a:p>
@@ -8228,7 +8299,7 @@
 </p:sld>
 </file>
 
-<file path=ppt/slides/slide14.xml><?xml version="1.0" encoding="utf-8"?>
+<file path=ppt/slides/slide13.xml><?xml version="1.0" encoding="utf-8"?>
 <p:sld xmlns:a="http://schemas.openxmlformats.org/drawingml/2006/main" xmlns:r="http://schemas.openxmlformats.org/officeDocument/2006/relationships" xmlns:p="http://schemas.openxmlformats.org/presentationml/2006/main">
   <p:cSld>
     <p:spTree>
@@ -8245,45 +8316,12 @@
           <a:chExt cx="0" cy="0"/>
         </a:xfrm>
       </p:grpSpPr>
-      <p:sp>
-        <p:nvSpPr>
-          <p:cNvPr id="2" name="Title 1">
+      <p:pic>
+        <p:nvPicPr>
+          <p:cNvPr id="4" name="Picture 3">
             <a:extLst>
               <a:ext uri="{FF2B5EF4-FFF2-40B4-BE49-F238E27FC236}">
-                <a16:creationId xmlns:a16="http://schemas.microsoft.com/office/drawing/2014/main" id="{03C4383D-EBAC-171B-54B4-AC98E3464E25}"/>
-              </a:ext>
-            </a:extLst>
-          </p:cNvPr>
-          <p:cNvSpPr>
-            <a:spLocks noGrp="1"/>
-          </p:cNvSpPr>
-          <p:nvPr>
-            <p:ph type="title"/>
-          </p:nvPr>
-        </p:nvSpPr>
-        <p:spPr>
-          <a:xfrm>
-            <a:off x="922831" y="107946"/>
-            <a:ext cx="9906069" cy="1143008"/>
-          </a:xfrm>
-        </p:spPr>
-        <p:txBody>
-          <a:bodyPr/>
-          <a:lstStyle/>
-          <a:p>
-            <a:r>
-              <a:rPr lang="en-GB" dirty="0"/>
-              <a:t>Number of rounds</a:t>
-            </a:r>
-          </a:p>
-        </p:txBody>
-      </p:sp>
-      <p:pic>
-        <p:nvPicPr>
-          <p:cNvPr id="5" name="Picture 4">
-            <a:extLst>
-              <a:ext uri="{FF2B5EF4-FFF2-40B4-BE49-F238E27FC236}">
-                <a16:creationId xmlns:a16="http://schemas.microsoft.com/office/drawing/2014/main" id="{E668E495-1469-9841-D67E-78CA1BFF07F6}"/>
+                <a16:creationId xmlns:a16="http://schemas.microsoft.com/office/drawing/2014/main" id="{EF746740-28CC-68A5-8193-74E8414BCD44}"/>
               </a:ext>
             </a:extLst>
           </p:cNvPr>
@@ -8300,243 +8338,14 @@
         </p:blipFill>
         <p:spPr>
           <a:xfrm>
-            <a:off x="2116667" y="1589621"/>
-            <a:ext cx="7112000" cy="1701800"/>
+            <a:off x="2209800" y="3357461"/>
+            <a:ext cx="7772400" cy="3441284"/>
           </a:xfrm>
           <a:prstGeom prst="rect">
             <a:avLst/>
           </a:prstGeom>
         </p:spPr>
       </p:pic>
-      <p:pic>
-        <p:nvPicPr>
-          <p:cNvPr id="6" name="Picture 5">
-            <a:extLst>
-              <a:ext uri="{FF2B5EF4-FFF2-40B4-BE49-F238E27FC236}">
-                <a16:creationId xmlns:a16="http://schemas.microsoft.com/office/drawing/2014/main" id="{4C2B90BE-AFF9-9E16-3071-D1BB671CC512}"/>
-              </a:ext>
-            </a:extLst>
-          </p:cNvPr>
-          <p:cNvPicPr>
-            <a:picLocks noChangeAspect="1"/>
-          </p:cNvPicPr>
-          <p:nvPr/>
-        </p:nvPicPr>
-        <p:blipFill>
-          <a:blip r:embed="rId4"/>
-          <a:stretch>
-            <a:fillRect/>
-          </a:stretch>
-        </p:blipFill>
-        <p:spPr>
-          <a:xfrm>
-            <a:off x="2631017" y="3905247"/>
-            <a:ext cx="6083300" cy="2451100"/>
-          </a:xfrm>
-          <a:prstGeom prst="rect">
-            <a:avLst/>
-          </a:prstGeom>
-        </p:spPr>
-      </p:pic>
-      <p:sp>
-        <p:nvSpPr>
-          <p:cNvPr id="7" name="TextBox 6">
-            <a:extLst>
-              <a:ext uri="{FF2B5EF4-FFF2-40B4-BE49-F238E27FC236}">
-                <a16:creationId xmlns:a16="http://schemas.microsoft.com/office/drawing/2014/main" id="{ED35AD2D-F4A9-BA47-0C44-5A5EC01213EB}"/>
-              </a:ext>
-            </a:extLst>
-          </p:cNvPr>
-          <p:cNvSpPr txBox="1"/>
-          <p:nvPr/>
-        </p:nvSpPr>
-        <p:spPr>
-          <a:xfrm>
-            <a:off x="4804480" y="1215552"/>
-            <a:ext cx="3050366" cy="369332"/>
-          </a:xfrm>
-          <a:prstGeom prst="rect">
-            <a:avLst/>
-          </a:prstGeom>
-          <a:noFill/>
-        </p:spPr>
-        <p:txBody>
-          <a:bodyPr wrap="square" rtlCol="0">
-            <a:spAutoFit/>
-          </a:bodyPr>
-          <a:lstStyle/>
-          <a:p>
-            <a:r>
-              <a:rPr lang="en-GB" dirty="0"/>
-              <a:t>Goldilocks field – 64 bits</a:t>
-            </a:r>
-          </a:p>
-        </p:txBody>
-      </p:sp>
-      <p:sp>
-        <p:nvSpPr>
-          <p:cNvPr id="8" name="TextBox 7">
-            <a:extLst>
-              <a:ext uri="{FF2B5EF4-FFF2-40B4-BE49-F238E27FC236}">
-                <a16:creationId xmlns:a16="http://schemas.microsoft.com/office/drawing/2014/main" id="{22236A3C-387B-FA35-07E9-9C4C8BB24FD2}"/>
-              </a:ext>
-            </a:extLst>
-          </p:cNvPr>
-          <p:cNvSpPr txBox="1"/>
-          <p:nvPr/>
-        </p:nvSpPr>
-        <p:spPr>
-          <a:xfrm>
-            <a:off x="4419759" y="3535915"/>
-            <a:ext cx="3570208" cy="369332"/>
-          </a:xfrm>
-          <a:prstGeom prst="rect">
-            <a:avLst/>
-          </a:prstGeom>
-          <a:noFill/>
-        </p:spPr>
-        <p:txBody>
-          <a:bodyPr wrap="none" rtlCol="0">
-            <a:spAutoFit/>
-          </a:bodyPr>
-          <a:lstStyle/>
-          <a:p>
-            <a:r>
-              <a:rPr lang="en-GB" dirty="0"/>
-              <a:t>BLS12-381 scalar field – 256 bits</a:t>
-            </a:r>
-          </a:p>
-        </p:txBody>
-      </p:sp>
-      <p:sp>
-        <p:nvSpPr>
-          <p:cNvPr id="4" name="Slide Number Placeholder 4">
-            <a:extLst>
-              <a:ext uri="{FF2B5EF4-FFF2-40B4-BE49-F238E27FC236}">
-                <a16:creationId xmlns:a16="http://schemas.microsoft.com/office/drawing/2014/main" id="{D28D999F-1CAB-4C4B-1EC8-818339A7EE4C}"/>
-              </a:ext>
-            </a:extLst>
-          </p:cNvPr>
-          <p:cNvSpPr>
-            <a:spLocks noGrp="1"/>
-          </p:cNvSpPr>
-          <p:nvPr>
-            <p:ph type="sldNum" sz="quarter" idx="12"/>
-          </p:nvPr>
-        </p:nvSpPr>
-        <p:spPr>
-          <a:xfrm>
-            <a:off x="8737600" y="6356351"/>
-            <a:ext cx="2311400" cy="365125"/>
-          </a:xfrm>
-        </p:spPr>
-        <p:txBody>
-          <a:bodyPr/>
-          <a:lstStyle/>
-          <a:p>
-            <a:fld id="{7360CA27-EC7C-449D-8F19-032111378712}" type="slidenum">
-              <a:rPr lang="de-DE" altLang="de-DE" smtClean="0"/>
-              <a:pPr/>
-              <a:t>14</a:t>
-            </a:fld>
-            <a:endParaRPr lang="de-DE" altLang="de-DE" dirty="0"/>
-          </a:p>
-        </p:txBody>
-      </p:sp>
-    </p:spTree>
-    <p:extLst>
-      <p:ext uri="{BB962C8B-B14F-4D97-AF65-F5344CB8AC3E}">
-        <p14:creationId xmlns:p14="http://schemas.microsoft.com/office/powerpoint/2010/main" val="1297249954"/>
-      </p:ext>
-    </p:extLst>
-  </p:cSld>
-  <p:clrMapOvr>
-    <a:masterClrMapping/>
-  </p:clrMapOvr>
-</p:sld>
-</file>
-
-<file path=ppt/slides/slide15.xml><?xml version="1.0" encoding="utf-8"?>
-<p:sld xmlns:a="http://schemas.openxmlformats.org/drawingml/2006/main" xmlns:r="http://schemas.openxmlformats.org/officeDocument/2006/relationships" xmlns:p="http://schemas.openxmlformats.org/presentationml/2006/main">
-  <p:cSld>
-    <p:spTree>
-      <p:nvGrpSpPr>
-        <p:cNvPr id="1" name=""/>
-        <p:cNvGrpSpPr/>
-        <p:nvPr/>
-      </p:nvGrpSpPr>
-      <p:grpSpPr>
-        <a:xfrm>
-          <a:off x="0" y="0"/>
-          <a:ext cx="0" cy="0"/>
-          <a:chOff x="0" y="0"/>
-          <a:chExt cx="0" cy="0"/>
-        </a:xfrm>
-      </p:grpSpPr>
-      <p:sp>
-        <p:nvSpPr>
-          <p:cNvPr id="2" name="Title 1">
-            <a:extLst>
-              <a:ext uri="{FF2B5EF4-FFF2-40B4-BE49-F238E27FC236}">
-                <a16:creationId xmlns:a16="http://schemas.microsoft.com/office/drawing/2014/main" id="{8C9C7299-0A06-44BB-BB96-C78DA62CF2B1}"/>
-              </a:ext>
-            </a:extLst>
-          </p:cNvPr>
-          <p:cNvSpPr>
-            <a:spLocks noGrp="1"/>
-          </p:cNvSpPr>
-          <p:nvPr>
-            <p:ph type="title"/>
-          </p:nvPr>
-        </p:nvSpPr>
-        <p:spPr/>
-        <p:txBody>
-          <a:bodyPr lIns="91440" tIns="45720" rIns="91440" bIns="45720" anchor="t"/>
-          <a:lstStyle/>
-          <a:p>
-            <a:r>
-              <a:rPr lang="en-US" sz="3600" dirty="0">
-                <a:solidFill>
-                  <a:schemeClr val="bg1"/>
-                </a:solidFill>
-                <a:latin typeface="Arial"/>
-                <a:cs typeface="Arial"/>
-              </a:rPr>
-              <a:t>Benchmarking</a:t>
-            </a:r>
-          </a:p>
-        </p:txBody>
-      </p:sp>
-    </p:spTree>
-    <p:extLst>
-      <p:ext uri="{BB962C8B-B14F-4D97-AF65-F5344CB8AC3E}">
-        <p14:creationId xmlns:p14="http://schemas.microsoft.com/office/powerpoint/2010/main" val="97823663"/>
-      </p:ext>
-    </p:extLst>
-  </p:cSld>
-  <p:clrMapOvr>
-    <a:masterClrMapping/>
-  </p:clrMapOvr>
-</p:sld>
-</file>
-
-<file path=ppt/slides/slide16.xml><?xml version="1.0" encoding="utf-8"?>
-<p:sld xmlns:a="http://schemas.openxmlformats.org/drawingml/2006/main" xmlns:r="http://schemas.openxmlformats.org/officeDocument/2006/relationships" xmlns:p="http://schemas.openxmlformats.org/presentationml/2006/main">
-  <p:cSld>
-    <p:spTree>
-      <p:nvGrpSpPr>
-        <p:cNvPr id="1" name=""/>
-        <p:cNvGrpSpPr/>
-        <p:nvPr/>
-      </p:nvGrpSpPr>
-      <p:grpSpPr>
-        <a:xfrm>
-          <a:off x="0" y="0"/>
-          <a:ext cx="0" cy="0"/>
-          <a:chOff x="0" y="0"/>
-          <a:chExt cx="0" cy="0"/>
-        </a:xfrm>
-      </p:grpSpPr>
       <p:sp>
         <p:nvSpPr>
           <p:cNvPr id="2" name="Title 1">
@@ -8570,36 +8379,6 @@
           </a:p>
         </p:txBody>
       </p:sp>
-      <p:pic>
-        <p:nvPicPr>
-          <p:cNvPr id="8" name="Picture 7">
-            <a:extLst>
-              <a:ext uri="{FF2B5EF4-FFF2-40B4-BE49-F238E27FC236}">
-                <a16:creationId xmlns:a16="http://schemas.microsoft.com/office/drawing/2014/main" id="{220A2E6C-A2A9-0B92-CE6C-A312567F3270}"/>
-              </a:ext>
-            </a:extLst>
-          </p:cNvPr>
-          <p:cNvPicPr>
-            <a:picLocks noChangeAspect="1"/>
-          </p:cNvPicPr>
-          <p:nvPr/>
-        </p:nvPicPr>
-        <p:blipFill>
-          <a:blip r:embed="rId3"/>
-          <a:stretch>
-            <a:fillRect/>
-          </a:stretch>
-        </p:blipFill>
-        <p:spPr>
-          <a:xfrm>
-            <a:off x="2209800" y="3311247"/>
-            <a:ext cx="7772400" cy="3447435"/>
-          </a:xfrm>
-          <a:prstGeom prst="rect">
-            <a:avLst/>
-          </a:prstGeom>
-        </p:spPr>
-      </p:pic>
       <p:sp>
         <p:nvSpPr>
           <p:cNvPr id="7" name="TextBox 6">
@@ -8729,7 +8508,7 @@
             <a:fld id="{7360CA27-EC7C-449D-8F19-032111378712}" type="slidenum">
               <a:rPr lang="de-DE" altLang="de-DE" smtClean="0"/>
               <a:pPr/>
-              <a:t>16</a:t>
+              <a:t>13</a:t>
             </a:fld>
             <a:endParaRPr lang="de-DE" altLang="de-DE" dirty="0"/>
           </a:p>
@@ -8748,7 +8527,7 @@
 </p:sld>
 </file>
 
-<file path=ppt/slides/slide17.xml><?xml version="1.0" encoding="utf-8"?>
+<file path=ppt/slides/slide14.xml><?xml version="1.0" encoding="utf-8"?>
 <p:sld xmlns:a="http://schemas.openxmlformats.org/drawingml/2006/main" xmlns:r="http://schemas.openxmlformats.org/officeDocument/2006/relationships" xmlns:p="http://schemas.openxmlformats.org/presentationml/2006/main">
   <p:cSld>
     <p:spTree>
@@ -8800,37 +8579,6 @@
           </a:p>
         </p:txBody>
       </p:sp>
-      <p:pic>
-        <p:nvPicPr>
-          <p:cNvPr id="5" name="Picture 4" descr="A screenshot of a calculator&#10;&#10;Description automatically generated">
-            <a:extLst>
-              <a:ext uri="{FF2B5EF4-FFF2-40B4-BE49-F238E27FC236}">
-                <a16:creationId xmlns:a16="http://schemas.microsoft.com/office/drawing/2014/main" id="{8A465D2E-C946-ECB2-2F09-1ED10CD99403}"/>
-              </a:ext>
-            </a:extLst>
-          </p:cNvPr>
-          <p:cNvPicPr>
-            <a:picLocks noChangeAspect="1"/>
-          </p:cNvPicPr>
-          <p:nvPr/>
-        </p:nvPicPr>
-        <p:blipFill>
-          <a:blip r:embed="rId3"/>
-          <a:stretch>
-            <a:fillRect/>
-          </a:stretch>
-        </p:blipFill>
-        <p:spPr>
-          <a:xfrm>
-            <a:off x="1142965" y="2562219"/>
-            <a:ext cx="9906069" cy="1733562"/>
-          </a:xfrm>
-          <a:prstGeom prst="rect">
-            <a:avLst/>
-          </a:prstGeom>
-          <a:noFill/>
-        </p:spPr>
-      </p:pic>
       <p:sp>
         <p:nvSpPr>
           <p:cNvPr id="6" name="TextBox 5">
@@ -8895,12 +8643,42 @@
             <a:fld id="{7360CA27-EC7C-449D-8F19-032111378712}" type="slidenum">
               <a:rPr lang="de-DE" altLang="de-DE" smtClean="0"/>
               <a:pPr/>
-              <a:t>17</a:t>
+              <a:t>14</a:t>
             </a:fld>
             <a:endParaRPr lang="de-DE" altLang="de-DE" dirty="0"/>
           </a:p>
         </p:txBody>
       </p:sp>
+      <p:pic>
+        <p:nvPicPr>
+          <p:cNvPr id="4" name="Picture 3">
+            <a:extLst>
+              <a:ext uri="{FF2B5EF4-FFF2-40B4-BE49-F238E27FC236}">
+                <a16:creationId xmlns:a16="http://schemas.microsoft.com/office/drawing/2014/main" id="{676D9EFC-9D3B-73BF-D5B3-1A02B006762C}"/>
+              </a:ext>
+            </a:extLst>
+          </p:cNvPr>
+          <p:cNvPicPr>
+            <a:picLocks noChangeAspect="1"/>
+          </p:cNvPicPr>
+          <p:nvPr/>
+        </p:nvPicPr>
+        <p:blipFill>
+          <a:blip r:embed="rId3"/>
+          <a:stretch>
+            <a:fillRect/>
+          </a:stretch>
+        </p:blipFill>
+        <p:spPr>
+          <a:xfrm>
+            <a:off x="1005263" y="2524306"/>
+            <a:ext cx="10181474" cy="1809388"/>
+          </a:xfrm>
+          <a:prstGeom prst="rect">
+            <a:avLst/>
+          </a:prstGeom>
+        </p:spPr>
+      </p:pic>
     </p:spTree>
     <p:extLst>
       <p:ext uri="{BB962C8B-B14F-4D97-AF65-F5344CB8AC3E}">
@@ -8914,7 +8692,7 @@
 </p:sld>
 </file>
 
-<file path=ppt/slides/slide18.xml><?xml version="1.0" encoding="utf-8"?>
+<file path=ppt/slides/slide15.xml><?xml version="1.0" encoding="utf-8"?>
 <p:sld xmlns:a="http://schemas.openxmlformats.org/drawingml/2006/main" xmlns:r="http://schemas.openxmlformats.org/officeDocument/2006/relationships" xmlns:p="http://schemas.openxmlformats.org/presentationml/2006/main">
   <p:cSld>
     <p:spTree>
@@ -8961,7 +8739,7 @@
           <a:p>
             <a:r>
               <a:rPr lang="en-GB" dirty="0"/>
-              <a:t>Plonk</a:t>
+              <a:t>Dusk Plonk</a:t>
             </a:r>
           </a:p>
         </p:txBody>
@@ -9061,7 +8839,7 @@
             <a:fld id="{7360CA27-EC7C-449D-8F19-032111378712}" type="slidenum">
               <a:rPr lang="de-DE" altLang="de-DE" smtClean="0"/>
               <a:pPr/>
-              <a:t>18</a:t>
+              <a:t>15</a:t>
             </a:fld>
             <a:endParaRPr lang="de-DE" altLang="de-DE" dirty="0"/>
           </a:p>
@@ -9080,7 +8858,7 @@
 </p:sld>
 </file>
 
-<file path=ppt/slides/slide19.xml><?xml version="1.0" encoding="utf-8"?>
+<file path=ppt/slides/slide16.xml><?xml version="1.0" encoding="utf-8"?>
 <p:sld xmlns:a="http://schemas.openxmlformats.org/drawingml/2006/main" xmlns:r="http://schemas.openxmlformats.org/officeDocument/2006/relationships" xmlns:p="http://schemas.openxmlformats.org/presentationml/2006/main">
   <p:cSld>
     <p:spTree>
@@ -9125,73 +8903,7 @@
           <a:p>
             <a:r>
               <a:rPr lang="en-US" dirty="0"/>
-              <a:t>Plonk</a:t>
-            </a:r>
-          </a:p>
-        </p:txBody>
-      </p:sp>
-      <p:pic>
-        <p:nvPicPr>
-          <p:cNvPr id="5" name="Picture 4" descr="A table with numbers and a number on it&#10;&#10;Description automatically generated">
-            <a:extLst>
-              <a:ext uri="{FF2B5EF4-FFF2-40B4-BE49-F238E27FC236}">
-                <a16:creationId xmlns:a16="http://schemas.microsoft.com/office/drawing/2014/main" id="{8DED8C9B-7152-7018-1579-23941788D60E}"/>
-              </a:ext>
-            </a:extLst>
-          </p:cNvPr>
-          <p:cNvPicPr>
-            <a:picLocks noChangeAspect="1"/>
-          </p:cNvPicPr>
-          <p:nvPr/>
-        </p:nvPicPr>
-        <p:blipFill>
-          <a:blip r:embed="rId3"/>
-          <a:stretch>
-            <a:fillRect/>
-          </a:stretch>
-        </p:blipFill>
-        <p:spPr>
-          <a:xfrm>
-            <a:off x="1938784" y="2343145"/>
-            <a:ext cx="8314430" cy="3554419"/>
-          </a:xfrm>
-          <a:prstGeom prst="rect">
-            <a:avLst/>
-          </a:prstGeom>
-          <a:noFill/>
-        </p:spPr>
-      </p:pic>
-      <p:sp>
-        <p:nvSpPr>
-          <p:cNvPr id="6" name="TextBox 5">
-            <a:extLst>
-              <a:ext uri="{FF2B5EF4-FFF2-40B4-BE49-F238E27FC236}">
-                <a16:creationId xmlns:a16="http://schemas.microsoft.com/office/drawing/2014/main" id="{23AACA6A-D0D4-A28E-F6D2-3ABB3B1FFAA8}"/>
-              </a:ext>
-            </a:extLst>
-          </p:cNvPr>
-          <p:cNvSpPr txBox="1"/>
-          <p:nvPr/>
-        </p:nvSpPr>
-        <p:spPr>
-          <a:xfrm>
-            <a:off x="1142965" y="1365336"/>
-            <a:ext cx="2244525" cy="523220"/>
-          </a:xfrm>
-          <a:prstGeom prst="rect">
-            <a:avLst/>
-          </a:prstGeom>
-          <a:noFill/>
-        </p:spPr>
-        <p:txBody>
-          <a:bodyPr wrap="none" rtlCol="0">
-            <a:spAutoFit/>
-          </a:bodyPr>
-          <a:lstStyle/>
-          <a:p>
-            <a:r>
-              <a:rPr lang="en-GB" sz="2800" dirty="0"/>
-              <a:t>Performance</a:t>
+              <a:t>Dusk Plonk</a:t>
             </a:r>
           </a:p>
         </p:txBody>
@@ -9225,16 +8937,513 @@
             <a:fld id="{7360CA27-EC7C-449D-8F19-032111378712}" type="slidenum">
               <a:rPr lang="de-DE" altLang="de-DE" smtClean="0"/>
               <a:pPr/>
-              <a:t>19</a:t>
+              <a:t>16</a:t>
             </a:fld>
             <a:endParaRPr lang="de-DE" altLang="de-DE" dirty="0"/>
+          </a:p>
+        </p:txBody>
+      </p:sp>
+      <p:pic>
+        <p:nvPicPr>
+          <p:cNvPr id="4" name="Picture 3">
+            <a:extLst>
+              <a:ext uri="{FF2B5EF4-FFF2-40B4-BE49-F238E27FC236}">
+                <a16:creationId xmlns:a16="http://schemas.microsoft.com/office/drawing/2014/main" id="{85B7FBEF-5B35-4DC8-B80D-19034B588AB5}"/>
+              </a:ext>
+            </a:extLst>
+          </p:cNvPr>
+          <p:cNvPicPr>
+            <a:picLocks noChangeAspect="1"/>
+          </p:cNvPicPr>
+          <p:nvPr/>
+        </p:nvPicPr>
+        <p:blipFill>
+          <a:blip r:embed="rId3"/>
+          <a:stretch>
+            <a:fillRect/>
+          </a:stretch>
+        </p:blipFill>
+        <p:spPr>
+          <a:xfrm>
+            <a:off x="325680" y="1115221"/>
+            <a:ext cx="6257442" cy="5429250"/>
+          </a:xfrm>
+          <a:prstGeom prst="rect">
+            <a:avLst/>
+          </a:prstGeom>
+        </p:spPr>
+      </p:pic>
+      <p:graphicFrame>
+        <p:nvGraphicFramePr>
+          <p:cNvPr id="5" name="Table 4">
+            <a:extLst>
+              <a:ext uri="{FF2B5EF4-FFF2-40B4-BE49-F238E27FC236}">
+                <a16:creationId xmlns:a16="http://schemas.microsoft.com/office/drawing/2014/main" id="{B69F8B57-9F9A-4171-B38E-BC1DADC9C69A}"/>
+              </a:ext>
+            </a:extLst>
+          </p:cNvPr>
+          <p:cNvGraphicFramePr>
+            <a:graphicFrameLocks noGrp="1"/>
+          </p:cNvGraphicFramePr>
+          <p:nvPr>
+            <p:extLst>
+              <p:ext uri="{D42A27DB-BD31-4B8C-83A1-F6EECF244321}">
+                <p14:modId xmlns:p14="http://schemas.microsoft.com/office/powerpoint/2010/main" val="4251061878"/>
+              </p:ext>
+            </p:extLst>
+          </p:nvPr>
+        </p:nvGraphicFramePr>
+        <p:xfrm>
+          <a:off x="7006855" y="2880360"/>
+          <a:ext cx="3929322" cy="1097280"/>
+        </p:xfrm>
+        <a:graphic>
+          <a:graphicData uri="http://schemas.openxmlformats.org/drawingml/2006/table">
+            <a:tbl>
+              <a:tblPr firstRow="1" bandRow="1">
+                <a:tableStyleId>{7E9639D4-E3E2-4D34-9284-5A2195B3D0D7}</a:tableStyleId>
+              </a:tblPr>
+              <a:tblGrid>
+                <a:gridCol w="1964661">
+                  <a:extLst>
+                    <a:ext uri="{9D8B030D-6E8A-4147-A177-3AD203B41FA5}">
+                      <a16:colId xmlns:a16="http://schemas.microsoft.com/office/drawing/2014/main" val="1135621917"/>
+                    </a:ext>
+                  </a:extLst>
+                </a:gridCol>
+                <a:gridCol w="1964661">
+                  <a:extLst>
+                    <a:ext uri="{9D8B030D-6E8A-4147-A177-3AD203B41FA5}">
+                      <a16:colId xmlns:a16="http://schemas.microsoft.com/office/drawing/2014/main" val="527470866"/>
+                    </a:ext>
+                  </a:extLst>
+                </a:gridCol>
+              </a:tblGrid>
+              <a:tr h="298828">
+                <a:tc gridSpan="2">
+                  <a:txBody>
+                    <a:bodyPr/>
+                    <a:lstStyle/>
+                    <a:p>
+                      <a:pPr algn="ctr"/>
+                      <a:r>
+                        <a:rPr lang="en-GB" dirty="0"/>
+                        <a:t>Proof verification (</a:t>
+                      </a:r>
+                      <a:r>
+                        <a:rPr lang="en-GB" dirty="0" err="1"/>
+                        <a:t>ms</a:t>
+                      </a:r>
+                      <a:r>
+                        <a:rPr lang="en-GB" dirty="0"/>
+                        <a:t>)</a:t>
+                      </a:r>
+                    </a:p>
+                  </a:txBody>
+                  <a:tcPr/>
+                </a:tc>
+                <a:tc hMerge="1">
+                  <a:txBody>
+                    <a:bodyPr/>
+                    <a:lstStyle/>
+                    <a:p>
+                      <a:endParaRPr lang="en-GB" dirty="0"/>
+                    </a:p>
+                  </a:txBody>
+                  <a:tcPr/>
+                </a:tc>
+                <a:extLst>
+                  <a:ext uri="{0D108BD9-81ED-4DB2-BD59-A6C34878D82A}">
+                    <a16:rowId xmlns:a16="http://schemas.microsoft.com/office/drawing/2014/main" val="3984065578"/>
+                  </a:ext>
+                </a:extLst>
+              </a:tr>
+              <a:tr h="298828">
+                <a:tc>
+                  <a:txBody>
+                    <a:bodyPr/>
+                    <a:lstStyle/>
+                    <a:p>
+                      <a:pPr algn="ctr"/>
+                      <a:r>
+                        <a:rPr lang="en-GB" dirty="0"/>
+                        <a:t>Dusk Plonk</a:t>
+                      </a:r>
+                    </a:p>
+                  </a:txBody>
+                  <a:tcPr>
+                    <a:lnR w="12700" cap="flat" cmpd="sng" algn="ctr">
+                      <a:solidFill>
+                        <a:schemeClr val="tx1"/>
+                      </a:solidFill>
+                      <a:prstDash val="solid"/>
+                      <a:round/>
+                      <a:headEnd type="none" w="med" len="med"/>
+                      <a:tailEnd type="none" w="med" len="med"/>
+                    </a:lnR>
+                  </a:tcPr>
+                </a:tc>
+                <a:tc>
+                  <a:txBody>
+                    <a:bodyPr/>
+                    <a:lstStyle/>
+                    <a:p>
+                      <a:pPr algn="ctr"/>
+                      <a:r>
+                        <a:rPr lang="en-GB" dirty="0"/>
+                        <a:t>Plonky2</a:t>
+                      </a:r>
+                    </a:p>
+                  </a:txBody>
+                  <a:tcPr>
+                    <a:lnL w="12700" cap="flat" cmpd="sng" algn="ctr">
+                      <a:solidFill>
+                        <a:schemeClr val="tx1"/>
+                      </a:solidFill>
+                      <a:prstDash val="solid"/>
+                      <a:round/>
+                      <a:headEnd type="none" w="med" len="med"/>
+                      <a:tailEnd type="none" w="med" len="med"/>
+                    </a:lnL>
+                  </a:tcPr>
+                </a:tc>
+                <a:extLst>
+                  <a:ext uri="{0D108BD9-81ED-4DB2-BD59-A6C34878D82A}">
+                    <a16:rowId xmlns:a16="http://schemas.microsoft.com/office/drawing/2014/main" val="3047410392"/>
+                  </a:ext>
+                </a:extLst>
+              </a:tr>
+              <a:tr h="298828">
+                <a:tc>
+                  <a:txBody>
+                    <a:bodyPr/>
+                    <a:lstStyle/>
+                    <a:p>
+                      <a:pPr algn="ctr"/>
+                      <a:r>
+                        <a:rPr lang="en-GB" dirty="0"/>
+                        <a:t>13.5</a:t>
+                      </a:r>
+                    </a:p>
+                  </a:txBody>
+                  <a:tcPr>
+                    <a:lnR w="12700" cap="flat" cmpd="sng" algn="ctr">
+                      <a:solidFill>
+                        <a:schemeClr val="tx1"/>
+                      </a:solidFill>
+                      <a:prstDash val="solid"/>
+                      <a:round/>
+                      <a:headEnd type="none" w="med" len="med"/>
+                      <a:tailEnd type="none" w="med" len="med"/>
+                    </a:lnR>
+                  </a:tcPr>
+                </a:tc>
+                <a:tc>
+                  <a:txBody>
+                    <a:bodyPr/>
+                    <a:lstStyle/>
+                    <a:p>
+                      <a:pPr algn="ctr"/>
+                      <a:r>
+                        <a:rPr lang="en-GB" dirty="0"/>
+                        <a:t>4.4</a:t>
+                      </a:r>
+                    </a:p>
+                  </a:txBody>
+                  <a:tcPr>
+                    <a:lnL w="12700" cap="flat" cmpd="sng" algn="ctr">
+                      <a:solidFill>
+                        <a:schemeClr val="tx1"/>
+                      </a:solidFill>
+                      <a:prstDash val="solid"/>
+                      <a:round/>
+                      <a:headEnd type="none" w="med" len="med"/>
+                      <a:tailEnd type="none" w="med" len="med"/>
+                    </a:lnL>
+                  </a:tcPr>
+                </a:tc>
+                <a:extLst>
+                  <a:ext uri="{0D108BD9-81ED-4DB2-BD59-A6C34878D82A}">
+                    <a16:rowId xmlns:a16="http://schemas.microsoft.com/office/drawing/2014/main" val="120021310"/>
+                  </a:ext>
+                </a:extLst>
+              </a:tr>
+            </a:tbl>
+          </a:graphicData>
+        </a:graphic>
+      </p:graphicFrame>
+    </p:spTree>
+    <p:extLst>
+      <p:ext uri="{BB962C8B-B14F-4D97-AF65-F5344CB8AC3E}">
+        <p14:creationId xmlns:p14="http://schemas.microsoft.com/office/powerpoint/2010/main" val="3199102808"/>
+      </p:ext>
+    </p:extLst>
+  </p:cSld>
+  <p:clrMapOvr>
+    <a:masterClrMapping/>
+  </p:clrMapOvr>
+</p:sld>
+</file>
+
+<file path=ppt/slides/slide17.xml><?xml version="1.0" encoding="utf-8"?>
+<p:sld xmlns:a="http://schemas.openxmlformats.org/drawingml/2006/main" xmlns:r="http://schemas.openxmlformats.org/officeDocument/2006/relationships" xmlns:p="http://schemas.openxmlformats.org/presentationml/2006/main">
+  <p:cSld>
+    <p:spTree>
+      <p:nvGrpSpPr>
+        <p:cNvPr id="1" name=""/>
+        <p:cNvGrpSpPr/>
+        <p:nvPr/>
+      </p:nvGrpSpPr>
+      <p:grpSpPr>
+        <a:xfrm>
+          <a:off x="0" y="0"/>
+          <a:ext cx="0" cy="0"/>
+          <a:chOff x="0" y="0"/>
+          <a:chExt cx="0" cy="0"/>
+        </a:xfrm>
+      </p:grpSpPr>
+      <p:sp>
+        <p:nvSpPr>
+          <p:cNvPr id="2" name="Title 1">
+            <a:extLst>
+              <a:ext uri="{FF2B5EF4-FFF2-40B4-BE49-F238E27FC236}">
+                <a16:creationId xmlns:a16="http://schemas.microsoft.com/office/drawing/2014/main" id="{8C9C7299-0A06-44BB-BB96-C78DA62CF2B1}"/>
+              </a:ext>
+            </a:extLst>
+          </p:cNvPr>
+          <p:cNvSpPr>
+            <a:spLocks noGrp="1"/>
+          </p:cNvSpPr>
+          <p:nvPr>
+            <p:ph type="title"/>
+          </p:nvPr>
+        </p:nvSpPr>
+        <p:spPr>
+          <a:xfrm>
+            <a:off x="571461" y="2857496"/>
+            <a:ext cx="10972800" cy="752807"/>
+          </a:xfrm>
+        </p:spPr>
+        <p:txBody>
+          <a:bodyPr lIns="91440" tIns="45720" rIns="91440" bIns="45720" anchor="t"/>
+          <a:lstStyle/>
+          <a:p>
+            <a:r>
+              <a:rPr lang="en-US" sz="3600" dirty="0">
+                <a:solidFill>
+                  <a:schemeClr val="bg1"/>
+                </a:solidFill>
+                <a:latin typeface="Arial"/>
+                <a:cs typeface="Arial"/>
+              </a:rPr>
+              <a:t>Conclusions</a:t>
+            </a:r>
           </a:p>
         </p:txBody>
       </p:sp>
     </p:spTree>
     <p:extLst>
       <p:ext uri="{BB962C8B-B14F-4D97-AF65-F5344CB8AC3E}">
-        <p14:creationId xmlns:p14="http://schemas.microsoft.com/office/powerpoint/2010/main" val="3199102808"/>
+        <p14:creationId xmlns:p14="http://schemas.microsoft.com/office/powerpoint/2010/main" val="145948453"/>
+      </p:ext>
+    </p:extLst>
+  </p:cSld>
+  <p:clrMapOvr>
+    <a:masterClrMapping/>
+  </p:clrMapOvr>
+</p:sld>
+</file>
+
+<file path=ppt/slides/slide18.xml><?xml version="1.0" encoding="utf-8"?>
+<p:sld xmlns:a="http://schemas.openxmlformats.org/drawingml/2006/main" xmlns:r="http://schemas.openxmlformats.org/officeDocument/2006/relationships" xmlns:p="http://schemas.openxmlformats.org/presentationml/2006/main">
+  <p:cSld>
+    <p:spTree>
+      <p:nvGrpSpPr>
+        <p:cNvPr id="1" name=""/>
+        <p:cNvGrpSpPr/>
+        <p:nvPr/>
+      </p:nvGrpSpPr>
+      <p:grpSpPr>
+        <a:xfrm>
+          <a:off x="0" y="0"/>
+          <a:ext cx="0" cy="0"/>
+          <a:chOff x="0" y="0"/>
+          <a:chExt cx="0" cy="0"/>
+        </a:xfrm>
+      </p:grpSpPr>
+      <p:sp>
+        <p:nvSpPr>
+          <p:cNvPr id="3" name="Content Placeholder 2">
+            <a:extLst>
+              <a:ext uri="{FF2B5EF4-FFF2-40B4-BE49-F238E27FC236}">
+                <a16:creationId xmlns:a16="http://schemas.microsoft.com/office/drawing/2014/main" id="{F0B40CF6-70DE-0635-0799-51E3C06A146E}"/>
+              </a:ext>
+            </a:extLst>
+          </p:cNvPr>
+          <p:cNvSpPr>
+            <a:spLocks noGrp="1"/>
+          </p:cNvSpPr>
+          <p:nvPr>
+            <p:ph sz="half" idx="1"/>
+          </p:nvPr>
+        </p:nvSpPr>
+        <p:spPr>
+          <a:xfrm>
+            <a:off x="1142965" y="1651790"/>
+            <a:ext cx="4667283" cy="3554419"/>
+          </a:xfrm>
+        </p:spPr>
+        <p:txBody>
+          <a:bodyPr/>
+          <a:lstStyle/>
+          <a:p>
+            <a:r>
+              <a:rPr lang="en-GB" dirty="0"/>
+              <a:t>Inside a zero-knowledge proof system:</a:t>
+            </a:r>
+          </a:p>
+          <a:p>
+            <a:pPr lvl="1"/>
+            <a:r>
+              <a:rPr lang="en-GB" dirty="0"/>
+              <a:t>Dusk Plonk: Arion</a:t>
+            </a:r>
+          </a:p>
+          <a:p>
+            <a:pPr lvl="1"/>
+            <a:r>
+              <a:rPr lang="en-GB" dirty="0"/>
+              <a:t>Plonky2: Rescue-prime, Anemoi, Griffin</a:t>
+            </a:r>
+          </a:p>
+          <a:p>
+            <a:r>
+              <a:rPr lang="en-GB" dirty="0"/>
+              <a:t>Plain hashing</a:t>
+            </a:r>
+          </a:p>
+          <a:p>
+            <a:pPr lvl="1"/>
+            <a:r>
+              <a:rPr lang="en-GB" dirty="0"/>
+              <a:t>Goldilocks field: Arion &amp; Griffin</a:t>
+            </a:r>
+          </a:p>
+          <a:p>
+            <a:pPr lvl="1"/>
+            <a:r>
+              <a:rPr lang="en-GB" dirty="0"/>
+              <a:t>BLS12-381 scalar field: Poseidon &amp; Arion</a:t>
+            </a:r>
+          </a:p>
+        </p:txBody>
+      </p:sp>
+      <p:sp>
+        <p:nvSpPr>
+          <p:cNvPr id="6" name="Title 1">
+            <a:extLst>
+              <a:ext uri="{FF2B5EF4-FFF2-40B4-BE49-F238E27FC236}">
+                <a16:creationId xmlns:a16="http://schemas.microsoft.com/office/drawing/2014/main" id="{BCA9C478-1FBF-C2D8-9E11-43BAA2D6FC39}"/>
+              </a:ext>
+            </a:extLst>
+          </p:cNvPr>
+          <p:cNvSpPr>
+            <a:spLocks noGrp="1"/>
+          </p:cNvSpPr>
+          <p:nvPr>
+            <p:ph type="title"/>
+          </p:nvPr>
+        </p:nvSpPr>
+        <p:spPr>
+          <a:xfrm>
+            <a:off x="1142965" y="160332"/>
+            <a:ext cx="9906069" cy="1143008"/>
+          </a:xfrm>
+        </p:spPr>
+        <p:txBody>
+          <a:bodyPr/>
+          <a:lstStyle/>
+          <a:p>
+            <a:r>
+              <a:rPr lang="en-US" dirty="0"/>
+              <a:t>Conclusions</a:t>
+            </a:r>
+          </a:p>
+        </p:txBody>
+      </p:sp>
+    </p:spTree>
+    <p:extLst>
+      <p:ext uri="{BB962C8B-B14F-4D97-AF65-F5344CB8AC3E}">
+        <p14:creationId xmlns:p14="http://schemas.microsoft.com/office/powerpoint/2010/main" val="3376956056"/>
+      </p:ext>
+    </p:extLst>
+  </p:cSld>
+  <p:clrMapOvr>
+    <a:masterClrMapping/>
+  </p:clrMapOvr>
+</p:sld>
+</file>
+
+<file path=ppt/slides/slide19.xml><?xml version="1.0" encoding="utf-8"?>
+<p:sld xmlns:a="http://schemas.openxmlformats.org/drawingml/2006/main" xmlns:r="http://schemas.openxmlformats.org/officeDocument/2006/relationships" xmlns:p="http://schemas.openxmlformats.org/presentationml/2006/main">
+  <p:cSld>
+    <p:spTree>
+      <p:nvGrpSpPr>
+        <p:cNvPr id="1" name=""/>
+        <p:cNvGrpSpPr/>
+        <p:nvPr/>
+      </p:nvGrpSpPr>
+      <p:grpSpPr>
+        <a:xfrm>
+          <a:off x="0" y="0"/>
+          <a:ext cx="0" cy="0"/>
+          <a:chOff x="0" y="0"/>
+          <a:chExt cx="0" cy="0"/>
+        </a:xfrm>
+      </p:grpSpPr>
+      <p:sp>
+        <p:nvSpPr>
+          <p:cNvPr id="2" name="Title 1">
+            <a:extLst>
+              <a:ext uri="{FF2B5EF4-FFF2-40B4-BE49-F238E27FC236}">
+                <a16:creationId xmlns:a16="http://schemas.microsoft.com/office/drawing/2014/main" id="{8C9C7299-0A06-44BB-BB96-C78DA62CF2B1}"/>
+              </a:ext>
+            </a:extLst>
+          </p:cNvPr>
+          <p:cNvSpPr>
+            <a:spLocks noGrp="1"/>
+          </p:cNvSpPr>
+          <p:nvPr>
+            <p:ph type="title"/>
+          </p:nvPr>
+        </p:nvSpPr>
+        <p:spPr>
+          <a:xfrm>
+            <a:off x="571461" y="2857496"/>
+            <a:ext cx="10972800" cy="752807"/>
+          </a:xfrm>
+        </p:spPr>
+        <p:txBody>
+          <a:bodyPr lIns="91440" tIns="45720" rIns="91440" bIns="45720" anchor="t"/>
+          <a:lstStyle/>
+          <a:p>
+            <a:r>
+              <a:rPr lang="en-US" sz="3600" dirty="0">
+                <a:solidFill>
+                  <a:schemeClr val="bg1"/>
+                </a:solidFill>
+                <a:latin typeface="Arial"/>
+                <a:cs typeface="Arial"/>
+              </a:rPr>
+              <a:t>Questions?</a:t>
+            </a:r>
+          </a:p>
+        </p:txBody>
+      </p:sp>
+    </p:spTree>
+    <p:extLst>
+      <p:ext uri="{BB962C8B-B14F-4D97-AF65-F5344CB8AC3E}">
+        <p14:creationId xmlns:p14="http://schemas.microsoft.com/office/powerpoint/2010/main" val="4294517403"/>
       </p:ext>
     </p:extLst>
   </p:cSld>
@@ -9419,108 +9628,6 @@
 </p:sld>
 </file>
 
-<file path=ppt/slides/slide20.xml><?xml version="1.0" encoding="utf-8"?>
-<p:sld xmlns:a="http://schemas.openxmlformats.org/drawingml/2006/main" xmlns:r="http://schemas.openxmlformats.org/officeDocument/2006/relationships" xmlns:p="http://schemas.openxmlformats.org/presentationml/2006/main">
-  <p:cSld>
-    <p:spTree>
-      <p:nvGrpSpPr>
-        <p:cNvPr id="1" name=""/>
-        <p:cNvGrpSpPr/>
-        <p:nvPr/>
-      </p:nvGrpSpPr>
-      <p:grpSpPr>
-        <a:xfrm>
-          <a:off x="0" y="0"/>
-          <a:ext cx="0" cy="0"/>
-          <a:chOff x="0" y="0"/>
-          <a:chExt cx="0" cy="0"/>
-        </a:xfrm>
-      </p:grpSpPr>
-      <p:sp>
-        <p:nvSpPr>
-          <p:cNvPr id="2" name="Title 1">
-            <a:extLst>
-              <a:ext uri="{FF2B5EF4-FFF2-40B4-BE49-F238E27FC236}">
-                <a16:creationId xmlns:a16="http://schemas.microsoft.com/office/drawing/2014/main" id="{8C9C7299-0A06-44BB-BB96-C78DA62CF2B1}"/>
-              </a:ext>
-            </a:extLst>
-          </p:cNvPr>
-          <p:cNvSpPr>
-            <a:spLocks noGrp="1"/>
-          </p:cNvSpPr>
-          <p:nvPr>
-            <p:ph type="title"/>
-          </p:nvPr>
-        </p:nvSpPr>
-        <p:spPr>
-          <a:xfrm>
-            <a:off x="571461" y="2857496"/>
-            <a:ext cx="10972800" cy="752807"/>
-          </a:xfrm>
-        </p:spPr>
-        <p:txBody>
-          <a:bodyPr lIns="91440" tIns="45720" rIns="91440" bIns="45720" anchor="t"/>
-          <a:lstStyle/>
-          <a:p>
-            <a:r>
-              <a:rPr lang="en-US" sz="3600" dirty="0">
-                <a:solidFill>
-                  <a:schemeClr val="bg1"/>
-                </a:solidFill>
-                <a:latin typeface="Arial"/>
-                <a:cs typeface="Arial"/>
-              </a:rPr>
-              <a:t>Conclusions</a:t>
-            </a:r>
-          </a:p>
-        </p:txBody>
-      </p:sp>
-      <p:pic>
-        <p:nvPicPr>
-          <p:cNvPr id="3" name="Google Shape;189;p24">
-            <a:extLst>
-              <a:ext uri="{FF2B5EF4-FFF2-40B4-BE49-F238E27FC236}">
-                <a16:creationId xmlns:a16="http://schemas.microsoft.com/office/drawing/2014/main" id="{C56FD47C-46F5-507B-19C4-A8F6D626C8DB}"/>
-              </a:ext>
-            </a:extLst>
-          </p:cNvPr>
-          <p:cNvPicPr preferRelativeResize="0"/>
-          <p:nvPr/>
-        </p:nvPicPr>
-        <p:blipFill rotWithShape="1">
-          <a:blip r:embed="rId3">
-            <a:alphaModFix/>
-          </a:blip>
-          <a:srcRect/>
-          <a:stretch/>
-        </p:blipFill>
-        <p:spPr>
-          <a:xfrm>
-            <a:off x="5088825" y="4000496"/>
-            <a:ext cx="2014350" cy="2014350"/>
-          </a:xfrm>
-          <a:prstGeom prst="rect">
-            <a:avLst/>
-          </a:prstGeom>
-          <a:noFill/>
-          <a:ln>
-            <a:noFill/>
-          </a:ln>
-        </p:spPr>
-      </p:pic>
-    </p:spTree>
-    <p:extLst>
-      <p:ext uri="{BB962C8B-B14F-4D97-AF65-F5344CB8AC3E}">
-        <p14:creationId xmlns:p14="http://schemas.microsoft.com/office/powerpoint/2010/main" val="145948453"/>
-      </p:ext>
-    </p:extLst>
-  </p:cSld>
-  <p:clrMapOvr>
-    <a:masterClrMapping/>
-  </p:clrMapOvr>
-</p:sld>
-</file>
-
 <file path=ppt/slides/slide3.xml><?xml version="1.0" encoding="utf-8"?>
 <p:sld xmlns:a="http://schemas.openxmlformats.org/drawingml/2006/main" xmlns:r="http://schemas.openxmlformats.org/officeDocument/2006/relationships" xmlns:p="http://schemas.openxmlformats.org/presentationml/2006/main">
   <p:cSld>
@@ -9595,6 +9702,12 @@
           <a:p>
             <a:r>
               <a:rPr lang="en-GB" dirty="0"/>
+              <a:t>Especially used in blockchains</a:t>
+            </a:r>
+          </a:p>
+          <a:p>
+            <a:r>
+              <a:rPr lang="en-GB" dirty="0"/>
               <a:t>Traditional hash functions are not optimized for zero-knowledge proofs</a:t>
             </a:r>
           </a:p>
@@ -9641,6 +9754,190 @@
           </a:p>
         </p:txBody>
       </p:sp>
+      <p:pic>
+        <p:nvPicPr>
+          <p:cNvPr id="1026" name="Picture 2" descr="Zcash - Wikipedia">
+            <a:extLst>
+              <a:ext uri="{FF2B5EF4-FFF2-40B4-BE49-F238E27FC236}">
+                <a16:creationId xmlns:a16="http://schemas.microsoft.com/office/drawing/2014/main" id="{B74B85A2-E32F-A8C1-F7E5-3ADDFDDB2C2F}"/>
+              </a:ext>
+            </a:extLst>
+          </p:cNvPr>
+          <p:cNvPicPr>
+            <a:picLocks noChangeAspect="1" noChangeArrowheads="1"/>
+          </p:cNvPicPr>
+          <p:nvPr/>
+        </p:nvPicPr>
+        <p:blipFill>
+          <a:blip r:embed="rId3">
+            <a:extLst>
+              <a:ext uri="{28A0092B-C50C-407E-A947-70E740481C1C}">
+                <a14:useLocalDpi xmlns:a14="http://schemas.microsoft.com/office/drawing/2010/main" val="0"/>
+              </a:ext>
+            </a:extLst>
+          </a:blip>
+          <a:srcRect/>
+          <a:stretch>
+            <a:fillRect/>
+          </a:stretch>
+        </p:blipFill>
+        <p:spPr bwMode="auto">
+          <a:xfrm>
+            <a:off x="7814931" y="2820171"/>
+            <a:ext cx="1446028" cy="586884"/>
+          </a:xfrm>
+          <a:prstGeom prst="rect">
+            <a:avLst/>
+          </a:prstGeom>
+          <a:noFill/>
+          <a:extLst>
+            <a:ext uri="{909E8E84-426E-40DD-AFC4-6F175D3DCCD1}">
+              <a14:hiddenFill xmlns:a14="http://schemas.microsoft.com/office/drawing/2010/main">
+                <a:solidFill>
+                  <a:srgbClr val="FFFFFF"/>
+                </a:solidFill>
+              </a14:hiddenFill>
+            </a:ext>
+          </a:extLst>
+        </p:spPr>
+      </p:pic>
+      <p:pic>
+        <p:nvPicPr>
+          <p:cNvPr id="1028" name="Picture 4" descr="Starknet Media Kit | Starknet">
+            <a:extLst>
+              <a:ext uri="{FF2B5EF4-FFF2-40B4-BE49-F238E27FC236}">
+                <a16:creationId xmlns:a16="http://schemas.microsoft.com/office/drawing/2014/main" id="{E8C3A923-1EC8-B8D1-3DDC-F38C14F6258C}"/>
+              </a:ext>
+            </a:extLst>
+          </p:cNvPr>
+          <p:cNvPicPr>
+            <a:picLocks noChangeAspect="1" noChangeArrowheads="1"/>
+          </p:cNvPicPr>
+          <p:nvPr/>
+        </p:nvPicPr>
+        <p:blipFill>
+          <a:blip r:embed="rId4">
+            <a:extLst>
+              <a:ext uri="{28A0092B-C50C-407E-A947-70E740481C1C}">
+                <a14:useLocalDpi xmlns:a14="http://schemas.microsoft.com/office/drawing/2010/main" val="0"/>
+              </a:ext>
+            </a:extLst>
+          </a:blip>
+          <a:srcRect/>
+          <a:stretch>
+            <a:fillRect/>
+          </a:stretch>
+        </p:blipFill>
+        <p:spPr bwMode="auto">
+          <a:xfrm>
+            <a:off x="7086305" y="3428999"/>
+            <a:ext cx="3110957" cy="898451"/>
+          </a:xfrm>
+          <a:prstGeom prst="rect">
+            <a:avLst/>
+          </a:prstGeom>
+          <a:noFill/>
+          <a:extLst>
+            <a:ext uri="{909E8E84-426E-40DD-AFC4-6F175D3DCCD1}">
+              <a14:hiddenFill xmlns:a14="http://schemas.microsoft.com/office/drawing/2010/main">
+                <a:solidFill>
+                  <a:srgbClr val="FFFFFF"/>
+                </a:solidFill>
+              </a14:hiddenFill>
+            </a:ext>
+          </a:extLst>
+        </p:spPr>
+      </p:pic>
+      <p:pic>
+        <p:nvPicPr>
+          <p:cNvPr id="1030" name="Picture 6" descr="Polygon announces launch of eDAO - an entertainment focused Web3 company">
+            <a:extLst>
+              <a:ext uri="{FF2B5EF4-FFF2-40B4-BE49-F238E27FC236}">
+                <a16:creationId xmlns:a16="http://schemas.microsoft.com/office/drawing/2014/main" id="{4D7113A1-6851-6200-281A-06F3D91E2AC0}"/>
+              </a:ext>
+            </a:extLst>
+          </p:cNvPr>
+          <p:cNvPicPr>
+            <a:picLocks noChangeAspect="1" noChangeArrowheads="1"/>
+          </p:cNvPicPr>
+          <p:nvPr/>
+        </p:nvPicPr>
+        <p:blipFill rotWithShape="1">
+          <a:blip r:embed="rId5">
+            <a:extLst>
+              <a:ext uri="{28A0092B-C50C-407E-A947-70E740481C1C}">
+                <a14:useLocalDpi xmlns:a14="http://schemas.microsoft.com/office/drawing/2010/main" val="0"/>
+              </a:ext>
+            </a:extLst>
+          </a:blip>
+          <a:srcRect l="6504" t="19385" r="7240" b="24908"/>
+          <a:stretch/>
+        </p:blipFill>
+        <p:spPr bwMode="auto">
+          <a:xfrm>
+            <a:off x="7652955" y="4112210"/>
+            <a:ext cx="1977656" cy="691117"/>
+          </a:xfrm>
+          <a:prstGeom prst="rect">
+            <a:avLst/>
+          </a:prstGeom>
+          <a:noFill/>
+          <a:extLst>
+            <a:ext uri="{909E8E84-426E-40DD-AFC4-6F175D3DCCD1}">
+              <a14:hiddenFill xmlns:a14="http://schemas.microsoft.com/office/drawing/2010/main">
+                <a:solidFill>
+                  <a:srgbClr val="FFFFFF"/>
+                </a:solidFill>
+              </a14:hiddenFill>
+            </a:ext>
+          </a:extLst>
+        </p:spPr>
+      </p:pic>
+      <p:pic>
+        <p:nvPicPr>
+          <p:cNvPr id="1032" name="Picture 8" descr="Node] Run your DUSK node. 09/03 UPDATE : Dusk has definitely… | by  0x5cience | Medium">
+            <a:extLst>
+              <a:ext uri="{FF2B5EF4-FFF2-40B4-BE49-F238E27FC236}">
+                <a16:creationId xmlns:a16="http://schemas.microsoft.com/office/drawing/2014/main" id="{11498B40-C6A3-A451-E472-4985D8BFBA62}"/>
+              </a:ext>
+            </a:extLst>
+          </p:cNvPr>
+          <p:cNvPicPr>
+            <a:picLocks noChangeAspect="1" noChangeArrowheads="1"/>
+          </p:cNvPicPr>
+          <p:nvPr/>
+        </p:nvPicPr>
+        <p:blipFill rotWithShape="1">
+          <a:blip r:embed="rId6">
+            <a:extLst>
+              <a:ext uri="{28A0092B-C50C-407E-A947-70E740481C1C}">
+                <a14:useLocalDpi xmlns:a14="http://schemas.microsoft.com/office/drawing/2010/main" val="0"/>
+              </a:ext>
+            </a:extLst>
+          </a:blip>
+          <a:srcRect l="22737" t="23645" r="20453" b="29467"/>
+          <a:stretch/>
+        </p:blipFill>
+        <p:spPr bwMode="auto">
+          <a:xfrm>
+            <a:off x="7814931" y="4795421"/>
+            <a:ext cx="1791119" cy="588242"/>
+          </a:xfrm>
+          <a:prstGeom prst="rect">
+            <a:avLst/>
+          </a:prstGeom>
+          <a:noFill/>
+          <a:extLst>
+            <a:ext uri="{909E8E84-426E-40DD-AFC4-6F175D3DCCD1}">
+              <a14:hiddenFill xmlns:a14="http://schemas.microsoft.com/office/drawing/2010/main">
+                <a:solidFill>
+                  <a:srgbClr val="FFFFFF"/>
+                </a:solidFill>
+              </a14:hiddenFill>
+            </a:ext>
+          </a:extLst>
+        </p:spPr>
+      </p:pic>
     </p:spTree>
     <p:extLst>
       <p:ext uri="{BB962C8B-B14F-4D97-AF65-F5344CB8AC3E}">
@@ -9778,15 +10075,7 @@
             </a:r>
             <a:r>
               <a:rPr lang="en-GB" dirty="0"/>
-              <a:t>: </a:t>
-            </a:r>
-            <a:r>
-              <a:rPr lang="en-GB" dirty="0" err="1"/>
-              <a:t>MiMC</a:t>
-            </a:r>
-            <a:r>
-              <a:rPr lang="en-GB" dirty="0"/>
-              <a:t>, Poseidon, Rescue-prime, Griffin, Anemoi, Arion</a:t>
+              <a:t>: Poseidon, Rescue-prime, Griffin, Anemoi, Arion</a:t>
             </a:r>
           </a:p>
           <a:p>
@@ -9911,350 +10200,6 @@
 </file>
 
 <file path=ppt/slides/slide6.xml><?xml version="1.0" encoding="utf-8"?>
-<p:sld xmlns:a="http://schemas.openxmlformats.org/drawingml/2006/main" xmlns:r="http://schemas.openxmlformats.org/officeDocument/2006/relationships" xmlns:p="http://schemas.openxmlformats.org/presentationml/2006/main" show="0">
-  <p:cSld>
-    <p:spTree>
-      <p:nvGrpSpPr>
-        <p:cNvPr id="1" name=""/>
-        <p:cNvGrpSpPr/>
-        <p:nvPr/>
-      </p:nvGrpSpPr>
-      <p:grpSpPr>
-        <a:xfrm>
-          <a:off x="0" y="0"/>
-          <a:ext cx="0" cy="0"/>
-          <a:chOff x="0" y="0"/>
-          <a:chExt cx="0" cy="0"/>
-        </a:xfrm>
-      </p:grpSpPr>
-      <p:sp>
-        <p:nvSpPr>
-          <p:cNvPr id="2" name="Title 1">
-            <a:extLst>
-              <a:ext uri="{FF2B5EF4-FFF2-40B4-BE49-F238E27FC236}">
-                <a16:creationId xmlns:a16="http://schemas.microsoft.com/office/drawing/2014/main" id="{AF21D6BE-F2A6-9E06-E5B4-9A39CD584547}"/>
-              </a:ext>
-            </a:extLst>
-          </p:cNvPr>
-          <p:cNvSpPr>
-            <a:spLocks noGrp="1"/>
-          </p:cNvSpPr>
-          <p:nvPr>
-            <p:ph type="title"/>
-          </p:nvPr>
-        </p:nvSpPr>
-        <p:spPr>
-          <a:xfrm>
-            <a:off x="857213" y="160332"/>
-            <a:ext cx="3325043" cy="694107"/>
-          </a:xfrm>
-        </p:spPr>
-        <p:txBody>
-          <a:bodyPr/>
-          <a:lstStyle/>
-          <a:p>
-            <a:r>
-              <a:rPr lang="en-GB" dirty="0"/>
-              <a:t>Hash functions</a:t>
-            </a:r>
-          </a:p>
-        </p:txBody>
-      </p:sp>
-      <p:pic>
-        <p:nvPicPr>
-          <p:cNvPr id="7" name="Picture 6">
-            <a:extLst>
-              <a:ext uri="{FF2B5EF4-FFF2-40B4-BE49-F238E27FC236}">
-                <a16:creationId xmlns:a16="http://schemas.microsoft.com/office/drawing/2014/main" id="{F5773D8D-F927-D9E6-0926-7CD61C503980}"/>
-              </a:ext>
-            </a:extLst>
-          </p:cNvPr>
-          <p:cNvPicPr>
-            <a:picLocks noChangeAspect="1"/>
-          </p:cNvPicPr>
-          <p:nvPr/>
-        </p:nvPicPr>
-        <p:blipFill>
-          <a:blip r:embed="rId3"/>
-          <a:stretch>
-            <a:fillRect/>
-          </a:stretch>
-        </p:blipFill>
-        <p:spPr>
-          <a:xfrm>
-            <a:off x="6327848" y="1935749"/>
-            <a:ext cx="4102100" cy="723900"/>
-          </a:xfrm>
-          <a:prstGeom prst="rect">
-            <a:avLst/>
-          </a:prstGeom>
-        </p:spPr>
-      </p:pic>
-      <p:sp>
-        <p:nvSpPr>
-          <p:cNvPr id="8" name="TextBox 7">
-            <a:extLst>
-              <a:ext uri="{FF2B5EF4-FFF2-40B4-BE49-F238E27FC236}">
-                <a16:creationId xmlns:a16="http://schemas.microsoft.com/office/drawing/2014/main" id="{52615125-CDD9-203C-FC02-C419E3CE0815}"/>
-              </a:ext>
-            </a:extLst>
-          </p:cNvPr>
-          <p:cNvSpPr txBox="1"/>
-          <p:nvPr/>
-        </p:nvSpPr>
-        <p:spPr>
-          <a:xfrm>
-            <a:off x="857213" y="1512869"/>
-            <a:ext cx="4000967" cy="1569660"/>
-          </a:xfrm>
-          <a:prstGeom prst="rect">
-            <a:avLst/>
-          </a:prstGeom>
-          <a:noFill/>
-        </p:spPr>
-        <p:txBody>
-          <a:bodyPr wrap="none" rtlCol="0">
-            <a:spAutoFit/>
-          </a:bodyPr>
-          <a:lstStyle/>
-          <a:p>
-            <a:pPr marL="285750" indent="-285750">
-              <a:buFont typeface="Arial" panose="020B0604020202020204" pitchFamily="34" charset="0"/>
-              <a:buChar char="•"/>
-            </a:pPr>
-            <a:r>
-              <a:rPr lang="en-GB" sz="2400" dirty="0"/>
-              <a:t>One way function</a:t>
-            </a:r>
-          </a:p>
-          <a:p>
-            <a:pPr marL="285750" indent="-285750">
-              <a:buFont typeface="Arial" panose="020B0604020202020204" pitchFamily="34" charset="0"/>
-              <a:buChar char="•"/>
-            </a:pPr>
-            <a:r>
-              <a:rPr lang="en-GB" sz="2400" dirty="0"/>
-              <a:t>Target collision resistance</a:t>
-            </a:r>
-          </a:p>
-          <a:p>
-            <a:pPr marL="285750" indent="-285750">
-              <a:buFont typeface="Arial" panose="020B0604020202020204" pitchFamily="34" charset="0"/>
-              <a:buChar char="•"/>
-            </a:pPr>
-            <a:r>
-              <a:rPr lang="en-GB" sz="2400" dirty="0"/>
-              <a:t>Collision resistance</a:t>
-            </a:r>
-          </a:p>
-          <a:p>
-            <a:pPr marL="285750" indent="-285750">
-              <a:buFont typeface="Arial" panose="020B0604020202020204" pitchFamily="34" charset="0"/>
-              <a:buChar char="•"/>
-            </a:pPr>
-            <a:r>
-              <a:rPr lang="en-GB" sz="2400" dirty="0"/>
-              <a:t>Deterministic</a:t>
-            </a:r>
-          </a:p>
-        </p:txBody>
-      </p:sp>
-      <p:sp>
-        <p:nvSpPr>
-          <p:cNvPr id="9" name="TextBox 8">
-            <a:extLst>
-              <a:ext uri="{FF2B5EF4-FFF2-40B4-BE49-F238E27FC236}">
-                <a16:creationId xmlns:a16="http://schemas.microsoft.com/office/drawing/2014/main" id="{D3FDB691-EA48-9813-FB65-14A1F074445E}"/>
-              </a:ext>
-            </a:extLst>
-          </p:cNvPr>
-          <p:cNvSpPr txBox="1"/>
-          <p:nvPr/>
-        </p:nvSpPr>
-        <p:spPr>
-          <a:xfrm>
-            <a:off x="857213" y="3740959"/>
-            <a:ext cx="2323072" cy="523220"/>
-          </a:xfrm>
-          <a:prstGeom prst="rect">
-            <a:avLst/>
-          </a:prstGeom>
-          <a:noFill/>
-        </p:spPr>
-        <p:txBody>
-          <a:bodyPr wrap="none" rtlCol="0">
-            <a:spAutoFit/>
-          </a:bodyPr>
-          <a:lstStyle/>
-          <a:p>
-            <a:r>
-              <a:rPr lang="en-GB" sz="2800" dirty="0"/>
-              <a:t>Block ciphers</a:t>
-            </a:r>
-          </a:p>
-        </p:txBody>
-      </p:sp>
-      <p:pic>
-        <p:nvPicPr>
-          <p:cNvPr id="10" name="Picture 9">
-            <a:extLst>
-              <a:ext uri="{FF2B5EF4-FFF2-40B4-BE49-F238E27FC236}">
-                <a16:creationId xmlns:a16="http://schemas.microsoft.com/office/drawing/2014/main" id="{5A0F1221-1DA3-37EB-554D-695B9417FB5B}"/>
-              </a:ext>
-            </a:extLst>
-          </p:cNvPr>
-          <p:cNvPicPr>
-            <a:picLocks noChangeAspect="1"/>
-          </p:cNvPicPr>
-          <p:nvPr/>
-        </p:nvPicPr>
-        <p:blipFill>
-          <a:blip r:embed="rId4"/>
-          <a:stretch>
-            <a:fillRect/>
-          </a:stretch>
-        </p:blipFill>
-        <p:spPr>
-          <a:xfrm>
-            <a:off x="1186385" y="4451022"/>
-            <a:ext cx="4630754" cy="707886"/>
-          </a:xfrm>
-          <a:prstGeom prst="rect">
-            <a:avLst/>
-          </a:prstGeom>
-        </p:spPr>
-      </p:pic>
-      <p:sp>
-        <p:nvSpPr>
-          <p:cNvPr id="11" name="TextBox 10">
-            <a:extLst>
-              <a:ext uri="{FF2B5EF4-FFF2-40B4-BE49-F238E27FC236}">
-                <a16:creationId xmlns:a16="http://schemas.microsoft.com/office/drawing/2014/main" id="{69674289-DE11-7D58-9F76-B75F5CDABEF9}"/>
-              </a:ext>
-            </a:extLst>
-          </p:cNvPr>
-          <p:cNvSpPr txBox="1"/>
-          <p:nvPr/>
-        </p:nvSpPr>
-        <p:spPr>
-          <a:xfrm>
-            <a:off x="1186385" y="5175294"/>
-            <a:ext cx="4976042" cy="1569660"/>
-          </a:xfrm>
-          <a:prstGeom prst="rect">
-            <a:avLst/>
-          </a:prstGeom>
-          <a:noFill/>
-        </p:spPr>
-        <p:txBody>
-          <a:bodyPr wrap="none" rtlCol="0">
-            <a:spAutoFit/>
-          </a:bodyPr>
-          <a:lstStyle/>
-          <a:p>
-            <a:pPr marL="285750" indent="-285750">
-              <a:buFont typeface="Arial" panose="020B0604020202020204" pitchFamily="34" charset="0"/>
-              <a:buChar char="•"/>
-            </a:pPr>
-            <a:r>
-              <a:rPr lang="en-GB" sz="2400" dirty="0"/>
-              <a:t>Feistel networks</a:t>
-            </a:r>
-          </a:p>
-          <a:p>
-            <a:pPr marL="285750" indent="-285750">
-              <a:buFont typeface="Arial" panose="020B0604020202020204" pitchFamily="34" charset="0"/>
-              <a:buChar char="•"/>
-            </a:pPr>
-            <a:r>
-              <a:rPr lang="en-GB" sz="2400" dirty="0"/>
-              <a:t>Substitution-permutation network</a:t>
-            </a:r>
-          </a:p>
-          <a:p>
-            <a:pPr marL="285750" indent="-285750">
-              <a:buFont typeface="Arial" panose="020B0604020202020204" pitchFamily="34" charset="0"/>
-              <a:buChar char="•"/>
-            </a:pPr>
-            <a:r>
-              <a:rPr lang="en-GB" sz="2400" dirty="0"/>
-              <a:t>Horst scheme</a:t>
-            </a:r>
-          </a:p>
-          <a:p>
-            <a:pPr marL="285750" indent="-285750">
-              <a:buFont typeface="Arial" panose="020B0604020202020204" pitchFamily="34" charset="0"/>
-              <a:buChar char="•"/>
-            </a:pPr>
-            <a:r>
-              <a:rPr lang="en-GB" sz="2400" dirty="0"/>
-              <a:t>Open </a:t>
-            </a:r>
-            <a:r>
-              <a:rPr lang="en-GB" sz="2400" dirty="0" err="1"/>
-              <a:t>Flyestel</a:t>
-            </a:r>
-            <a:r>
-              <a:rPr lang="en-GB" sz="2400" dirty="0"/>
-              <a:t> </a:t>
-            </a:r>
-            <a:r>
-              <a:rPr lang="en-GB" sz="2400" dirty="0" err="1"/>
-              <a:t>componenent</a:t>
-            </a:r>
-            <a:endParaRPr lang="en-GB" sz="2400" dirty="0"/>
-          </a:p>
-        </p:txBody>
-      </p:sp>
-      <p:sp>
-        <p:nvSpPr>
-          <p:cNvPr id="4" name="Slide Number Placeholder 4">
-            <a:extLst>
-              <a:ext uri="{FF2B5EF4-FFF2-40B4-BE49-F238E27FC236}">
-                <a16:creationId xmlns:a16="http://schemas.microsoft.com/office/drawing/2014/main" id="{5D858536-B0E7-30FE-107C-0D0ABEDAD4E5}"/>
-              </a:ext>
-            </a:extLst>
-          </p:cNvPr>
-          <p:cNvSpPr>
-            <a:spLocks noGrp="1"/>
-          </p:cNvSpPr>
-          <p:nvPr>
-            <p:ph type="sldNum" sz="quarter" idx="12"/>
-          </p:nvPr>
-        </p:nvSpPr>
-        <p:spPr>
-          <a:xfrm>
-            <a:off x="8737600" y="6356351"/>
-            <a:ext cx="2311400" cy="365125"/>
-          </a:xfrm>
-        </p:spPr>
-        <p:txBody>
-          <a:bodyPr/>
-          <a:lstStyle/>
-          <a:p>
-            <a:fld id="{7360CA27-EC7C-449D-8F19-032111378712}" type="slidenum">
-              <a:rPr lang="de-DE" altLang="de-DE" smtClean="0"/>
-              <a:pPr/>
-              <a:t>6</a:t>
-            </a:fld>
-            <a:endParaRPr lang="de-DE" altLang="de-DE" dirty="0"/>
-          </a:p>
-        </p:txBody>
-      </p:sp>
-    </p:spTree>
-    <p:extLst>
-      <p:ext uri="{BB962C8B-B14F-4D97-AF65-F5344CB8AC3E}">
-        <p14:creationId xmlns:p14="http://schemas.microsoft.com/office/powerpoint/2010/main" val="1547356607"/>
-      </p:ext>
-    </p:extLst>
-  </p:cSld>
-  <p:clrMapOvr>
-    <a:masterClrMapping/>
-  </p:clrMapOvr>
-</p:sld>
-</file>
-
-<file path=ppt/slides/slide7.xml><?xml version="1.0" encoding="utf-8"?>
 <p:sld xmlns:a="http://schemas.openxmlformats.org/drawingml/2006/main" xmlns:r="http://schemas.openxmlformats.org/officeDocument/2006/relationships" xmlns:p="http://schemas.openxmlformats.org/presentationml/2006/main">
   <p:cSld>
     <p:spTree>
@@ -10771,7 +10716,7 @@
             <a:fld id="{7360CA27-EC7C-449D-8F19-032111378712}" type="slidenum">
               <a:rPr lang="de-DE" altLang="de-DE" smtClean="0"/>
               <a:pPr/>
-              <a:t>7</a:t>
+              <a:t>6</a:t>
             </a:fld>
             <a:endParaRPr lang="de-DE" altLang="de-DE" dirty="0"/>
           </a:p>
@@ -10790,7 +10735,7 @@
 </p:sld>
 </file>
 
-<file path=ppt/slides/slide8.xml><?xml version="1.0" encoding="utf-8"?>
+<file path=ppt/slides/slide7.xml><?xml version="1.0" encoding="utf-8"?>
 <p:sld xmlns:a="http://schemas.openxmlformats.org/drawingml/2006/main" xmlns:r="http://schemas.openxmlformats.org/officeDocument/2006/relationships" xmlns:p="http://schemas.openxmlformats.org/presentationml/2006/main">
   <p:cSld>
     <p:spTree>
@@ -10843,51 +10788,6 @@
           </a:p>
         </p:txBody>
       </p:sp>
-      <p:pic>
-        <p:nvPicPr>
-          <p:cNvPr id="1026" name="Picture 2" descr="blockchain-Zero-Knowledge-Proof-non-interactive">
-            <a:extLst>
-              <a:ext uri="{FF2B5EF4-FFF2-40B4-BE49-F238E27FC236}">
-                <a16:creationId xmlns:a16="http://schemas.microsoft.com/office/drawing/2014/main" id="{4E065EDD-863D-8B04-2007-01D4085B945F}"/>
-              </a:ext>
-            </a:extLst>
-          </p:cNvPr>
-          <p:cNvPicPr>
-            <a:picLocks noChangeAspect="1" noChangeArrowheads="1"/>
-          </p:cNvPicPr>
-          <p:nvPr/>
-        </p:nvPicPr>
-        <p:blipFill rotWithShape="1">
-          <a:blip r:embed="rId3">
-            <a:extLst>
-              <a:ext uri="{28A0092B-C50C-407E-A947-70E740481C1C}">
-                <a14:useLocalDpi xmlns:a14="http://schemas.microsoft.com/office/drawing/2010/main" val="0"/>
-              </a:ext>
-            </a:extLst>
-          </a:blip>
-          <a:srcRect t="19657" b="20302"/>
-          <a:stretch/>
-        </p:blipFill>
-        <p:spPr bwMode="auto">
-          <a:xfrm>
-            <a:off x="3508962" y="1371571"/>
-            <a:ext cx="7746315" cy="2616174"/>
-          </a:xfrm>
-          <a:prstGeom prst="rect">
-            <a:avLst/>
-          </a:prstGeom>
-          <a:noFill/>
-          <a:extLst>
-            <a:ext uri="{909E8E84-426E-40DD-AFC4-6F175D3DCCD1}">
-              <a14:hiddenFill xmlns:a14="http://schemas.microsoft.com/office/drawing/2010/main">
-                <a:solidFill>
-                  <a:srgbClr val="FFFFFF"/>
-                </a:solidFill>
-              </a14:hiddenFill>
-            </a:ext>
-          </a:extLst>
-        </p:spPr>
-      </p:pic>
       <p:sp>
         <p:nvSpPr>
           <p:cNvPr id="4" name="TextBox 3">
@@ -11092,12 +10992,59 @@
             <a:fld id="{7360CA27-EC7C-449D-8F19-032111378712}" type="slidenum">
               <a:rPr lang="de-DE" altLang="de-DE" smtClean="0"/>
               <a:pPr/>
-              <a:t>8</a:t>
+              <a:t>7</a:t>
             </a:fld>
             <a:endParaRPr lang="de-DE" altLang="de-DE" dirty="0"/>
           </a:p>
         </p:txBody>
       </p:sp>
+      <p:pic>
+        <p:nvPicPr>
+          <p:cNvPr id="2050" name="Picture 2" descr="What is a zk-SNARK? A Beginner's Guide [2023]">
+            <a:extLst>
+              <a:ext uri="{FF2B5EF4-FFF2-40B4-BE49-F238E27FC236}">
+                <a16:creationId xmlns:a16="http://schemas.microsoft.com/office/drawing/2014/main" id="{79107D59-E07A-3C10-4DA9-A4AE7C247A7A}"/>
+              </a:ext>
+            </a:extLst>
+          </p:cNvPr>
+          <p:cNvPicPr>
+            <a:picLocks noChangeAspect="1" noChangeArrowheads="1"/>
+          </p:cNvPicPr>
+          <p:nvPr/>
+        </p:nvPicPr>
+        <p:blipFill>
+          <a:blip r:embed="rId3">
+            <a:extLst>
+              <a:ext uri="{28A0092B-C50C-407E-A947-70E740481C1C}">
+                <a14:useLocalDpi xmlns:a14="http://schemas.microsoft.com/office/drawing/2010/main" val="0"/>
+              </a:ext>
+            </a:extLst>
+          </a:blip>
+          <a:srcRect/>
+          <a:stretch>
+            <a:fillRect/>
+          </a:stretch>
+        </p:blipFill>
+        <p:spPr bwMode="auto">
+          <a:xfrm>
+            <a:off x="4240914" y="1435100"/>
+            <a:ext cx="6985000" cy="3987800"/>
+          </a:xfrm>
+          <a:prstGeom prst="rect">
+            <a:avLst/>
+          </a:prstGeom>
+          <a:noFill/>
+          <a:extLst>
+            <a:ext uri="{909E8E84-426E-40DD-AFC4-6F175D3DCCD1}">
+              <a14:hiddenFill xmlns:a14="http://schemas.microsoft.com/office/drawing/2010/main">
+                <a:solidFill>
+                  <a:srgbClr val="FFFFFF"/>
+                </a:solidFill>
+              </a14:hiddenFill>
+            </a:ext>
+          </a:extLst>
+        </p:spPr>
+      </p:pic>
     </p:spTree>
     <p:extLst>
       <p:ext uri="{BB962C8B-B14F-4D97-AF65-F5344CB8AC3E}">
@@ -11111,7 +11058,7 @@
 </p:sld>
 </file>
 
-<file path=ppt/slides/slide9.xml><?xml version="1.0" encoding="utf-8"?>
+<file path=ppt/slides/slide8.xml><?xml version="1.0" encoding="utf-8"?>
 <p:sld xmlns:a="http://schemas.openxmlformats.org/drawingml/2006/main" xmlns:r="http://schemas.openxmlformats.org/officeDocument/2006/relationships" xmlns:p="http://schemas.openxmlformats.org/presentationml/2006/main">
   <p:cSld>
     <p:spTree>
@@ -12115,7 +12062,7 @@
             <a:fld id="{7360CA27-EC7C-449D-8F19-032111378712}" type="slidenum">
               <a:rPr lang="de-DE" altLang="de-DE" smtClean="0"/>
               <a:pPr/>
-              <a:t>9</a:t>
+              <a:t>8</a:t>
             </a:fld>
             <a:endParaRPr lang="de-DE" altLang="de-DE" dirty="0"/>
           </a:p>
@@ -12125,6 +12072,363 @@
     <p:extLst>
       <p:ext uri="{BB962C8B-B14F-4D97-AF65-F5344CB8AC3E}">
         <p14:creationId xmlns:p14="http://schemas.microsoft.com/office/powerpoint/2010/main" val="474412084"/>
+      </p:ext>
+    </p:extLst>
+  </p:cSld>
+  <p:clrMapOvr>
+    <a:masterClrMapping/>
+  </p:clrMapOvr>
+</p:sld>
+</file>
+
+<file path=ppt/slides/slide9.xml><?xml version="1.0" encoding="utf-8"?>
+<p:sld xmlns:a="http://schemas.openxmlformats.org/drawingml/2006/main" xmlns:r="http://schemas.openxmlformats.org/officeDocument/2006/relationships" xmlns:p="http://schemas.openxmlformats.org/presentationml/2006/main">
+  <p:cSld>
+    <p:spTree>
+      <p:nvGrpSpPr>
+        <p:cNvPr id="1" name=""/>
+        <p:cNvGrpSpPr/>
+        <p:nvPr/>
+      </p:nvGrpSpPr>
+      <p:grpSpPr>
+        <a:xfrm>
+          <a:off x="0" y="0"/>
+          <a:ext cx="0" cy="0"/>
+          <a:chOff x="0" y="0"/>
+          <a:chExt cx="0" cy="0"/>
+        </a:xfrm>
+      </p:grpSpPr>
+      <p:sp>
+        <p:nvSpPr>
+          <p:cNvPr id="5" name="Title 1">
+            <a:extLst>
+              <a:ext uri="{FF2B5EF4-FFF2-40B4-BE49-F238E27FC236}">
+                <a16:creationId xmlns:a16="http://schemas.microsoft.com/office/drawing/2014/main" id="{3D209A7E-6924-910B-872A-1FB0911912E6}"/>
+              </a:ext>
+            </a:extLst>
+          </p:cNvPr>
+          <p:cNvSpPr>
+            <a:spLocks noGrp="1"/>
+          </p:cNvSpPr>
+          <p:nvPr>
+            <p:ph type="title"/>
+          </p:nvPr>
+        </p:nvSpPr>
+        <p:spPr>
+          <a:xfrm>
+            <a:off x="1142964" y="161597"/>
+            <a:ext cx="5767501" cy="752183"/>
+          </a:xfrm>
+        </p:spPr>
+        <p:txBody>
+          <a:bodyPr lIns="91440" tIns="45720" rIns="91440" bIns="45720" anchor="t"/>
+          <a:lstStyle/>
+          <a:p>
+            <a:r>
+              <a:rPr lang="en-US" dirty="0">
+                <a:latin typeface="Arial"/>
+                <a:cs typeface="Arial"/>
+              </a:rPr>
+              <a:t>Plonk</a:t>
+            </a:r>
+            <a:br>
+              <a:rPr lang="en-GB" sz="3600" dirty="0"/>
+            </a:br>
+            <a:endParaRPr lang="en-US" dirty="0">
+              <a:latin typeface="Arial"/>
+              <a:cs typeface="Arial"/>
+            </a:endParaRPr>
+          </a:p>
+          <a:p>
+            <a:endParaRPr lang="en-US" dirty="0"/>
+          </a:p>
+        </p:txBody>
+      </p:sp>
+      <p:sp>
+        <p:nvSpPr>
+          <p:cNvPr id="6" name="TextBox 5">
+            <a:extLst>
+              <a:ext uri="{FF2B5EF4-FFF2-40B4-BE49-F238E27FC236}">
+                <a16:creationId xmlns:a16="http://schemas.microsoft.com/office/drawing/2014/main" id="{9D633E7C-CEAF-E445-3720-3DCB397A7B1D}"/>
+              </a:ext>
+            </a:extLst>
+          </p:cNvPr>
+          <p:cNvSpPr txBox="1"/>
+          <p:nvPr/>
+        </p:nvSpPr>
+        <p:spPr>
+          <a:xfrm>
+            <a:off x="764242" y="1196832"/>
+            <a:ext cx="3916457" cy="461665"/>
+          </a:xfrm>
+          <a:prstGeom prst="rect">
+            <a:avLst/>
+          </a:prstGeom>
+          <a:noFill/>
+        </p:spPr>
+        <p:txBody>
+          <a:bodyPr wrap="none" rtlCol="0">
+            <a:spAutoFit/>
+          </a:bodyPr>
+          <a:lstStyle/>
+          <a:p>
+            <a:r>
+              <a:rPr lang="en-GB" sz="2400" dirty="0"/>
+              <a:t>2. Compressing constraints</a:t>
+            </a:r>
+          </a:p>
+        </p:txBody>
+      </p:sp>
+      <p:sp>
+        <p:nvSpPr>
+          <p:cNvPr id="7" name="TextBox 6">
+            <a:extLst>
+              <a:ext uri="{FF2B5EF4-FFF2-40B4-BE49-F238E27FC236}">
+                <a16:creationId xmlns:a16="http://schemas.microsoft.com/office/drawing/2014/main" id="{BC004386-C219-7594-FE12-4045E92C234F}"/>
+              </a:ext>
+            </a:extLst>
+          </p:cNvPr>
+          <p:cNvSpPr txBox="1"/>
+          <p:nvPr/>
+        </p:nvSpPr>
+        <p:spPr>
+          <a:xfrm>
+            <a:off x="764242" y="3754645"/>
+            <a:ext cx="3950120" cy="461665"/>
+          </a:xfrm>
+          <a:prstGeom prst="rect">
+            <a:avLst/>
+          </a:prstGeom>
+          <a:noFill/>
+        </p:spPr>
+        <p:txBody>
+          <a:bodyPr wrap="none" rtlCol="0">
+            <a:spAutoFit/>
+          </a:bodyPr>
+          <a:lstStyle/>
+          <a:p>
+            <a:r>
+              <a:rPr lang="en-GB" sz="2400" dirty="0"/>
+              <a:t>3. Polynomial commitments</a:t>
+            </a:r>
+          </a:p>
+        </p:txBody>
+      </p:sp>
+      <p:pic>
+        <p:nvPicPr>
+          <p:cNvPr id="8" name="Picture 7">
+            <a:extLst>
+              <a:ext uri="{FF2B5EF4-FFF2-40B4-BE49-F238E27FC236}">
+                <a16:creationId xmlns:a16="http://schemas.microsoft.com/office/drawing/2014/main" id="{20FFAD5A-9364-0CEF-59EC-66087F0B691F}"/>
+              </a:ext>
+            </a:extLst>
+          </p:cNvPr>
+          <p:cNvPicPr>
+            <a:picLocks noChangeAspect="1"/>
+          </p:cNvPicPr>
+          <p:nvPr/>
+        </p:nvPicPr>
+        <p:blipFill>
+          <a:blip r:embed="rId3"/>
+          <a:stretch>
+            <a:fillRect/>
+          </a:stretch>
+        </p:blipFill>
+        <p:spPr>
+          <a:xfrm>
+            <a:off x="328500" y="2966109"/>
+            <a:ext cx="5687380" cy="382606"/>
+          </a:xfrm>
+          <a:prstGeom prst="rect">
+            <a:avLst/>
+          </a:prstGeom>
+        </p:spPr>
+      </p:pic>
+      <p:sp>
+        <p:nvSpPr>
+          <p:cNvPr id="9" name="TextBox 8">
+            <a:extLst>
+              <a:ext uri="{FF2B5EF4-FFF2-40B4-BE49-F238E27FC236}">
+                <a16:creationId xmlns:a16="http://schemas.microsoft.com/office/drawing/2014/main" id="{7F021D7A-2DD0-6C70-4DC1-4C1396FEABC0}"/>
+              </a:ext>
+            </a:extLst>
+          </p:cNvPr>
+          <p:cNvSpPr txBox="1"/>
+          <p:nvPr/>
+        </p:nvSpPr>
+        <p:spPr>
+          <a:xfrm>
+            <a:off x="1142964" y="1918373"/>
+            <a:ext cx="2864887" cy="707886"/>
+          </a:xfrm>
+          <a:prstGeom prst="rect">
+            <a:avLst/>
+          </a:prstGeom>
+          <a:noFill/>
+        </p:spPr>
+        <p:txBody>
+          <a:bodyPr wrap="none" rtlCol="0">
+            <a:spAutoFit/>
+          </a:bodyPr>
+          <a:lstStyle/>
+          <a:p>
+            <a:r>
+              <a:rPr lang="en-GB" sz="2000" dirty="0"/>
+              <a:t>Schwartz-Zippel lemma</a:t>
+            </a:r>
+          </a:p>
+          <a:p>
+            <a:r>
+              <a:rPr lang="en-GB" sz="2000" dirty="0"/>
+              <a:t>Lagrange interpolation</a:t>
+            </a:r>
+          </a:p>
+        </p:txBody>
+      </p:sp>
+      <p:sp>
+        <p:nvSpPr>
+          <p:cNvPr id="10" name="TextBox 9">
+            <a:extLst>
+              <a:ext uri="{FF2B5EF4-FFF2-40B4-BE49-F238E27FC236}">
+                <a16:creationId xmlns:a16="http://schemas.microsoft.com/office/drawing/2014/main" id="{D33782EE-FF5D-DF26-0593-4C08B431AA68}"/>
+              </a:ext>
+            </a:extLst>
+          </p:cNvPr>
+          <p:cNvSpPr txBox="1"/>
+          <p:nvPr/>
+        </p:nvSpPr>
+        <p:spPr>
+          <a:xfrm>
+            <a:off x="1142964" y="4395299"/>
+            <a:ext cx="2305439" cy="400110"/>
+          </a:xfrm>
+          <a:prstGeom prst="rect">
+            <a:avLst/>
+          </a:prstGeom>
+          <a:noFill/>
+        </p:spPr>
+        <p:txBody>
+          <a:bodyPr wrap="none" rtlCol="0">
+            <a:spAutoFit/>
+          </a:bodyPr>
+          <a:lstStyle/>
+          <a:p>
+            <a:r>
+              <a:rPr lang="en-GB" sz="2000" dirty="0"/>
+              <a:t>KZG commitments</a:t>
+            </a:r>
+          </a:p>
+        </p:txBody>
+      </p:sp>
+      <p:sp>
+        <p:nvSpPr>
+          <p:cNvPr id="3" name="Slide Number Placeholder 4">
+            <a:extLst>
+              <a:ext uri="{FF2B5EF4-FFF2-40B4-BE49-F238E27FC236}">
+                <a16:creationId xmlns:a16="http://schemas.microsoft.com/office/drawing/2014/main" id="{FEA8C0AA-DCA2-492A-5074-CAF79B6E7911}"/>
+              </a:ext>
+            </a:extLst>
+          </p:cNvPr>
+          <p:cNvSpPr>
+            <a:spLocks noGrp="1"/>
+          </p:cNvSpPr>
+          <p:nvPr>
+            <p:ph type="sldNum" sz="quarter" idx="12"/>
+          </p:nvPr>
+        </p:nvSpPr>
+        <p:spPr>
+          <a:xfrm>
+            <a:off x="8737600" y="6356351"/>
+            <a:ext cx="2311400" cy="365125"/>
+          </a:xfrm>
+        </p:spPr>
+        <p:txBody>
+          <a:bodyPr/>
+          <a:lstStyle/>
+          <a:p>
+            <a:fld id="{7360CA27-EC7C-449D-8F19-032111378712}" type="slidenum">
+              <a:rPr lang="de-DE" altLang="de-DE" smtClean="0"/>
+              <a:pPr/>
+              <a:t>9</a:t>
+            </a:fld>
+            <a:endParaRPr lang="de-DE" altLang="de-DE" dirty="0"/>
+          </a:p>
+        </p:txBody>
+      </p:sp>
+      <p:sp>
+        <p:nvSpPr>
+          <p:cNvPr id="2" name="TextBox 1">
+            <a:extLst>
+              <a:ext uri="{FF2B5EF4-FFF2-40B4-BE49-F238E27FC236}">
+                <a16:creationId xmlns:a16="http://schemas.microsoft.com/office/drawing/2014/main" id="{99D856BE-1CDB-84CF-3A5B-EF69E5AE1E49}"/>
+              </a:ext>
+            </a:extLst>
+          </p:cNvPr>
+          <p:cNvSpPr txBox="1"/>
+          <p:nvPr/>
+        </p:nvSpPr>
+        <p:spPr>
+          <a:xfrm>
+            <a:off x="7198242" y="214522"/>
+            <a:ext cx="1826141" cy="646331"/>
+          </a:xfrm>
+          <a:prstGeom prst="rect">
+            <a:avLst/>
+          </a:prstGeom>
+          <a:noFill/>
+        </p:spPr>
+        <p:txBody>
+          <a:bodyPr wrap="none" rtlCol="0">
+            <a:spAutoFit/>
+          </a:bodyPr>
+          <a:lstStyle/>
+          <a:p>
+            <a:r>
+              <a:rPr lang="en-GB" sz="3600" dirty="0"/>
+              <a:t>Plonky2</a:t>
+            </a:r>
+          </a:p>
+        </p:txBody>
+      </p:sp>
+      <p:sp>
+        <p:nvSpPr>
+          <p:cNvPr id="4" name="TextBox 3">
+            <a:extLst>
+              <a:ext uri="{FF2B5EF4-FFF2-40B4-BE49-F238E27FC236}">
+                <a16:creationId xmlns:a16="http://schemas.microsoft.com/office/drawing/2014/main" id="{2C2C98D0-CF45-46EB-D9BC-2DDC22A902F3}"/>
+              </a:ext>
+            </a:extLst>
+          </p:cNvPr>
+          <p:cNvSpPr txBox="1"/>
+          <p:nvPr/>
+        </p:nvSpPr>
+        <p:spPr>
+          <a:xfrm>
+            <a:off x="7390602" y="1196832"/>
+            <a:ext cx="1441420" cy="369332"/>
+          </a:xfrm>
+          <a:prstGeom prst="rect">
+            <a:avLst/>
+          </a:prstGeom>
+          <a:noFill/>
+        </p:spPr>
+        <p:txBody>
+          <a:bodyPr wrap="none" rtlCol="0">
+            <a:spAutoFit/>
+          </a:bodyPr>
+          <a:lstStyle/>
+          <a:p>
+            <a:r>
+              <a:rPr lang="en-GB" dirty="0"/>
+              <a:t>FRI protocol</a:t>
+            </a:r>
+          </a:p>
+        </p:txBody>
+      </p:sp>
+    </p:spTree>
+    <p:extLst>
+      <p:ext uri="{BB962C8B-B14F-4D97-AF65-F5344CB8AC3E}">
+        <p14:creationId xmlns:p14="http://schemas.microsoft.com/office/powerpoint/2010/main" val="163705016"/>
       </p:ext>
     </p:extLst>
   </p:cSld>
@@ -13885,9 +14189,12 @@
 </file>
 
 <file path=customXml/item1.xml><?xml version="1.0" encoding="utf-8"?>
-<p:properties xmlns:p="http://schemas.microsoft.com/office/2006/metadata/properties" xmlns:xsi="http://www.w3.org/2001/XMLSchema-instance" xmlns:pc="http://schemas.microsoft.com/office/infopath/2007/PartnerControls">
-  <documentManagement/>
-</p:properties>
+<?mso-contentType ?>
+<FormTemplates xmlns="http://schemas.microsoft.com/sharepoint/v3/contenttype/forms">
+  <Display>DocumentLibraryForm</Display>
+  <Edit>DocumentLibraryForm</Edit>
+  <New>DocumentLibraryForm</New>
+</FormTemplates>
 </file>
 
 <file path=customXml/item2.xml><?xml version="1.0" encoding="utf-8"?>
@@ -14063,26 +14370,15 @@
 </file>
 
 <file path=customXml/item3.xml><?xml version="1.0" encoding="utf-8"?>
-<?mso-contentType ?>
-<FormTemplates xmlns="http://schemas.microsoft.com/sharepoint/v3/contenttype/forms">
-  <Display>DocumentLibraryForm</Display>
-  <Edit>DocumentLibraryForm</Edit>
-  <New>DocumentLibraryForm</New>
-</FormTemplates>
+<p:properties xmlns:p="http://schemas.microsoft.com/office/2006/metadata/properties" xmlns:xsi="http://www.w3.org/2001/XMLSchema-instance" xmlns:pc="http://schemas.microsoft.com/office/infopath/2007/PartnerControls">
+  <documentManagement/>
+</p:properties>
 </file>
 
 <file path=customXml/itemProps1.xml><?xml version="1.0" encoding="utf-8"?>
-<ds:datastoreItem xmlns:ds="http://schemas.openxmlformats.org/officeDocument/2006/customXml" ds:itemID="{E59EE0B1-96EB-4C9B-8E00-81475EFE507C}">
+<ds:datastoreItem xmlns:ds="http://schemas.openxmlformats.org/officeDocument/2006/customXml" ds:itemID="{ABA829EA-BF71-48AD-AEB7-84C1AE609A26}">
   <ds:schemaRefs>
-    <ds:schemaRef ds:uri="http://purl.org/dc/terms/"/>
-    <ds:schemaRef ds:uri="http://schemas.microsoft.com/office/2006/metadata/properties"/>
-    <ds:schemaRef ds:uri="http://schemas.microsoft.com/office/infopath/2007/PartnerControls"/>
-    <ds:schemaRef ds:uri="http://schemas.microsoft.com/office/2006/documentManagement/types"/>
-    <ds:schemaRef ds:uri="http://www.w3.org/XML/1998/namespace"/>
-    <ds:schemaRef ds:uri="http://purl.org/dc/elements/1.1/"/>
-    <ds:schemaRef ds:uri="http://purl.org/dc/dcmitype/"/>
-    <ds:schemaRef ds:uri="fc30eacb-e83b-49e1-b197-7aea3a5a237a"/>
-    <ds:schemaRef ds:uri="http://schemas.openxmlformats.org/package/2006/metadata/core-properties"/>
+    <ds:schemaRef ds:uri="http://schemas.microsoft.com/sharepoint/v3/contenttype/forms"/>
   </ds:schemaRefs>
 </ds:datastoreItem>
 </file>
@@ -14106,9 +14402,17 @@
 </file>
 
 <file path=customXml/itemProps3.xml><?xml version="1.0" encoding="utf-8"?>
-<ds:datastoreItem xmlns:ds="http://schemas.openxmlformats.org/officeDocument/2006/customXml" ds:itemID="{ABA829EA-BF71-48AD-AEB7-84C1AE609A26}">
+<ds:datastoreItem xmlns:ds="http://schemas.openxmlformats.org/officeDocument/2006/customXml" ds:itemID="{E59EE0B1-96EB-4C9B-8E00-81475EFE507C}">
   <ds:schemaRefs>
-    <ds:schemaRef ds:uri="http://schemas.microsoft.com/sharepoint/v3/contenttype/forms"/>
+    <ds:schemaRef ds:uri="http://purl.org/dc/terms/"/>
+    <ds:schemaRef ds:uri="http://schemas.microsoft.com/office/2006/metadata/properties"/>
+    <ds:schemaRef ds:uri="http://schemas.microsoft.com/office/infopath/2007/PartnerControls"/>
+    <ds:schemaRef ds:uri="http://schemas.microsoft.com/office/2006/documentManagement/types"/>
+    <ds:schemaRef ds:uri="http://www.w3.org/XML/1998/namespace"/>
+    <ds:schemaRef ds:uri="http://purl.org/dc/elements/1.1/"/>
+    <ds:schemaRef ds:uri="http://purl.org/dc/dcmitype/"/>
+    <ds:schemaRef ds:uri="fc30eacb-e83b-49e1-b197-7aea3a5a237a"/>
+    <ds:schemaRef ds:uri="http://schemas.openxmlformats.org/package/2006/metadata/core-properties"/>
   </ds:schemaRefs>
 </ds:datastoreItem>
 </file>
--- a/thesis/slides.pptx
+++ b/thesis/slides.pptx
@@ -8,31 +8,32 @@
     <p:sldMasterId id="2147483667" r:id="rId7"/>
   </p:sldMasterIdLst>
   <p:notesMasterIdLst>
-    <p:notesMasterId r:id="rId27"/>
+    <p:notesMasterId r:id="rId28"/>
   </p:notesMasterIdLst>
   <p:handoutMasterIdLst>
-    <p:handoutMasterId r:id="rId28"/>
+    <p:handoutMasterId r:id="rId29"/>
   </p:handoutMasterIdLst>
   <p:sldIdLst>
     <p:sldId id="256" r:id="rId8"/>
     <p:sldId id="259" r:id="rId9"/>
     <p:sldId id="287" r:id="rId10"/>
-    <p:sldId id="288" r:id="rId11"/>
-    <p:sldId id="263" r:id="rId12"/>
-    <p:sldId id="294" r:id="rId13"/>
-    <p:sldId id="262" r:id="rId14"/>
-    <p:sldId id="279" r:id="rId15"/>
-    <p:sldId id="296" r:id="rId16"/>
-    <p:sldId id="297" r:id="rId17"/>
-    <p:sldId id="273" r:id="rId18"/>
-    <p:sldId id="280" r:id="rId19"/>
-    <p:sldId id="269" r:id="rId20"/>
-    <p:sldId id="289" r:id="rId21"/>
-    <p:sldId id="290" r:id="rId22"/>
-    <p:sldId id="291" r:id="rId23"/>
-    <p:sldId id="268" r:id="rId24"/>
-    <p:sldId id="298" r:id="rId25"/>
-    <p:sldId id="299" r:id="rId26"/>
+    <p:sldId id="300" r:id="rId11"/>
+    <p:sldId id="288" r:id="rId12"/>
+    <p:sldId id="263" r:id="rId13"/>
+    <p:sldId id="294" r:id="rId14"/>
+    <p:sldId id="262" r:id="rId15"/>
+    <p:sldId id="279" r:id="rId16"/>
+    <p:sldId id="296" r:id="rId17"/>
+    <p:sldId id="297" r:id="rId18"/>
+    <p:sldId id="273" r:id="rId19"/>
+    <p:sldId id="280" r:id="rId20"/>
+    <p:sldId id="269" r:id="rId21"/>
+    <p:sldId id="289" r:id="rId22"/>
+    <p:sldId id="290" r:id="rId23"/>
+    <p:sldId id="291" r:id="rId24"/>
+    <p:sldId id="268" r:id="rId25"/>
+    <p:sldId id="298" r:id="rId26"/>
+    <p:sldId id="299" r:id="rId27"/>
   </p:sldIdLst>
   <p:sldSz cx="12192000" cy="6858000"/>
   <p:notesSz cx="6858000" cy="9144000"/>
@@ -274,7 +275,7 @@
           <a:p>
             <a:fld id="{DACC4404-1143-0349-BD0A-2AF639398047}" type="datetimeFigureOut">
               <a:rPr lang="en-GB" smtClean="0"/>
-              <a:t>10/06/2024</a:t>
+              <a:t>15/06/2024</a:t>
             </a:fld>
             <a:endParaRPr lang="en-GB"/>
           </a:p>
@@ -482,7 +483,7 @@
               <a:pPr>
                 <a:defRPr/>
               </a:pPr>
-              <a:t>10.06.24</a:t>
+              <a:t>15.06.24</a:t>
             </a:fld>
             <a:endParaRPr lang="de-DE"/>
           </a:p>
@@ -7461,6 +7462,363 @@
       </p:grpSpPr>
       <p:sp>
         <p:nvSpPr>
+          <p:cNvPr id="5" name="Title 1">
+            <a:extLst>
+              <a:ext uri="{FF2B5EF4-FFF2-40B4-BE49-F238E27FC236}">
+                <a16:creationId xmlns:a16="http://schemas.microsoft.com/office/drawing/2014/main" id="{3D209A7E-6924-910B-872A-1FB0911912E6}"/>
+              </a:ext>
+            </a:extLst>
+          </p:cNvPr>
+          <p:cNvSpPr>
+            <a:spLocks noGrp="1"/>
+          </p:cNvSpPr>
+          <p:nvPr>
+            <p:ph type="title"/>
+          </p:nvPr>
+        </p:nvSpPr>
+        <p:spPr>
+          <a:xfrm>
+            <a:off x="1142964" y="161597"/>
+            <a:ext cx="5767501" cy="752183"/>
+          </a:xfrm>
+        </p:spPr>
+        <p:txBody>
+          <a:bodyPr lIns="91440" tIns="45720" rIns="91440" bIns="45720" anchor="t"/>
+          <a:lstStyle/>
+          <a:p>
+            <a:r>
+              <a:rPr lang="en-US" dirty="0">
+                <a:latin typeface="Arial"/>
+                <a:cs typeface="Arial"/>
+              </a:rPr>
+              <a:t>Plonk</a:t>
+            </a:r>
+            <a:br>
+              <a:rPr lang="en-GB" sz="3600" dirty="0"/>
+            </a:br>
+            <a:endParaRPr lang="en-US" dirty="0">
+              <a:latin typeface="Arial"/>
+              <a:cs typeface="Arial"/>
+            </a:endParaRPr>
+          </a:p>
+          <a:p>
+            <a:endParaRPr lang="en-US" dirty="0"/>
+          </a:p>
+        </p:txBody>
+      </p:sp>
+      <p:sp>
+        <p:nvSpPr>
+          <p:cNvPr id="6" name="TextBox 5">
+            <a:extLst>
+              <a:ext uri="{FF2B5EF4-FFF2-40B4-BE49-F238E27FC236}">
+                <a16:creationId xmlns:a16="http://schemas.microsoft.com/office/drawing/2014/main" id="{9D633E7C-CEAF-E445-3720-3DCB397A7B1D}"/>
+              </a:ext>
+            </a:extLst>
+          </p:cNvPr>
+          <p:cNvSpPr txBox="1"/>
+          <p:nvPr/>
+        </p:nvSpPr>
+        <p:spPr>
+          <a:xfrm>
+            <a:off x="764242" y="1196832"/>
+            <a:ext cx="3916457" cy="461665"/>
+          </a:xfrm>
+          <a:prstGeom prst="rect">
+            <a:avLst/>
+          </a:prstGeom>
+          <a:noFill/>
+        </p:spPr>
+        <p:txBody>
+          <a:bodyPr wrap="none" rtlCol="0">
+            <a:spAutoFit/>
+          </a:bodyPr>
+          <a:lstStyle/>
+          <a:p>
+            <a:r>
+              <a:rPr lang="en-GB" sz="2400" dirty="0"/>
+              <a:t>2. Compressing constraints</a:t>
+            </a:r>
+          </a:p>
+        </p:txBody>
+      </p:sp>
+      <p:sp>
+        <p:nvSpPr>
+          <p:cNvPr id="7" name="TextBox 6">
+            <a:extLst>
+              <a:ext uri="{FF2B5EF4-FFF2-40B4-BE49-F238E27FC236}">
+                <a16:creationId xmlns:a16="http://schemas.microsoft.com/office/drawing/2014/main" id="{BC004386-C219-7594-FE12-4045E92C234F}"/>
+              </a:ext>
+            </a:extLst>
+          </p:cNvPr>
+          <p:cNvSpPr txBox="1"/>
+          <p:nvPr/>
+        </p:nvSpPr>
+        <p:spPr>
+          <a:xfrm>
+            <a:off x="764242" y="3754645"/>
+            <a:ext cx="3950120" cy="461665"/>
+          </a:xfrm>
+          <a:prstGeom prst="rect">
+            <a:avLst/>
+          </a:prstGeom>
+          <a:noFill/>
+        </p:spPr>
+        <p:txBody>
+          <a:bodyPr wrap="none" rtlCol="0">
+            <a:spAutoFit/>
+          </a:bodyPr>
+          <a:lstStyle/>
+          <a:p>
+            <a:r>
+              <a:rPr lang="en-GB" sz="2400" dirty="0"/>
+              <a:t>3. Polynomial commitments</a:t>
+            </a:r>
+          </a:p>
+        </p:txBody>
+      </p:sp>
+      <p:pic>
+        <p:nvPicPr>
+          <p:cNvPr id="8" name="Picture 7">
+            <a:extLst>
+              <a:ext uri="{FF2B5EF4-FFF2-40B4-BE49-F238E27FC236}">
+                <a16:creationId xmlns:a16="http://schemas.microsoft.com/office/drawing/2014/main" id="{20FFAD5A-9364-0CEF-59EC-66087F0B691F}"/>
+              </a:ext>
+            </a:extLst>
+          </p:cNvPr>
+          <p:cNvPicPr>
+            <a:picLocks noChangeAspect="1"/>
+          </p:cNvPicPr>
+          <p:nvPr/>
+        </p:nvPicPr>
+        <p:blipFill>
+          <a:blip r:embed="rId3"/>
+          <a:stretch>
+            <a:fillRect/>
+          </a:stretch>
+        </p:blipFill>
+        <p:spPr>
+          <a:xfrm>
+            <a:off x="328500" y="2966109"/>
+            <a:ext cx="5687380" cy="382606"/>
+          </a:xfrm>
+          <a:prstGeom prst="rect">
+            <a:avLst/>
+          </a:prstGeom>
+        </p:spPr>
+      </p:pic>
+      <p:sp>
+        <p:nvSpPr>
+          <p:cNvPr id="9" name="TextBox 8">
+            <a:extLst>
+              <a:ext uri="{FF2B5EF4-FFF2-40B4-BE49-F238E27FC236}">
+                <a16:creationId xmlns:a16="http://schemas.microsoft.com/office/drawing/2014/main" id="{7F021D7A-2DD0-6C70-4DC1-4C1396FEABC0}"/>
+              </a:ext>
+            </a:extLst>
+          </p:cNvPr>
+          <p:cNvSpPr txBox="1"/>
+          <p:nvPr/>
+        </p:nvSpPr>
+        <p:spPr>
+          <a:xfrm>
+            <a:off x="1142964" y="1918373"/>
+            <a:ext cx="2864887" cy="707886"/>
+          </a:xfrm>
+          <a:prstGeom prst="rect">
+            <a:avLst/>
+          </a:prstGeom>
+          <a:noFill/>
+        </p:spPr>
+        <p:txBody>
+          <a:bodyPr wrap="none" rtlCol="0">
+            <a:spAutoFit/>
+          </a:bodyPr>
+          <a:lstStyle/>
+          <a:p>
+            <a:r>
+              <a:rPr lang="en-GB" sz="2000" dirty="0"/>
+              <a:t>Schwartz-Zippel lemma</a:t>
+            </a:r>
+          </a:p>
+          <a:p>
+            <a:r>
+              <a:rPr lang="en-GB" sz="2000" dirty="0"/>
+              <a:t>Lagrange interpolation</a:t>
+            </a:r>
+          </a:p>
+        </p:txBody>
+      </p:sp>
+      <p:sp>
+        <p:nvSpPr>
+          <p:cNvPr id="10" name="TextBox 9">
+            <a:extLst>
+              <a:ext uri="{FF2B5EF4-FFF2-40B4-BE49-F238E27FC236}">
+                <a16:creationId xmlns:a16="http://schemas.microsoft.com/office/drawing/2014/main" id="{D33782EE-FF5D-DF26-0593-4C08B431AA68}"/>
+              </a:ext>
+            </a:extLst>
+          </p:cNvPr>
+          <p:cNvSpPr txBox="1"/>
+          <p:nvPr/>
+        </p:nvSpPr>
+        <p:spPr>
+          <a:xfrm>
+            <a:off x="1142964" y="4395299"/>
+            <a:ext cx="2305439" cy="400110"/>
+          </a:xfrm>
+          <a:prstGeom prst="rect">
+            <a:avLst/>
+          </a:prstGeom>
+          <a:noFill/>
+        </p:spPr>
+        <p:txBody>
+          <a:bodyPr wrap="none" rtlCol="0">
+            <a:spAutoFit/>
+          </a:bodyPr>
+          <a:lstStyle/>
+          <a:p>
+            <a:r>
+              <a:rPr lang="en-GB" sz="2000" dirty="0"/>
+              <a:t>KZG commitments</a:t>
+            </a:r>
+          </a:p>
+        </p:txBody>
+      </p:sp>
+      <p:sp>
+        <p:nvSpPr>
+          <p:cNvPr id="3" name="Slide Number Placeholder 4">
+            <a:extLst>
+              <a:ext uri="{FF2B5EF4-FFF2-40B4-BE49-F238E27FC236}">
+                <a16:creationId xmlns:a16="http://schemas.microsoft.com/office/drawing/2014/main" id="{FEA8C0AA-DCA2-492A-5074-CAF79B6E7911}"/>
+              </a:ext>
+            </a:extLst>
+          </p:cNvPr>
+          <p:cNvSpPr>
+            <a:spLocks noGrp="1"/>
+          </p:cNvSpPr>
+          <p:nvPr>
+            <p:ph type="sldNum" sz="quarter" idx="12"/>
+          </p:nvPr>
+        </p:nvSpPr>
+        <p:spPr>
+          <a:xfrm>
+            <a:off x="8737600" y="6356351"/>
+            <a:ext cx="2311400" cy="365125"/>
+          </a:xfrm>
+        </p:spPr>
+        <p:txBody>
+          <a:bodyPr/>
+          <a:lstStyle/>
+          <a:p>
+            <a:fld id="{7360CA27-EC7C-449D-8F19-032111378712}" type="slidenum">
+              <a:rPr lang="de-DE" altLang="de-DE" smtClean="0"/>
+              <a:pPr/>
+              <a:t>10</a:t>
+            </a:fld>
+            <a:endParaRPr lang="de-DE" altLang="de-DE" dirty="0"/>
+          </a:p>
+        </p:txBody>
+      </p:sp>
+      <p:sp>
+        <p:nvSpPr>
+          <p:cNvPr id="2" name="TextBox 1">
+            <a:extLst>
+              <a:ext uri="{FF2B5EF4-FFF2-40B4-BE49-F238E27FC236}">
+                <a16:creationId xmlns:a16="http://schemas.microsoft.com/office/drawing/2014/main" id="{99D856BE-1CDB-84CF-3A5B-EF69E5AE1E49}"/>
+              </a:ext>
+            </a:extLst>
+          </p:cNvPr>
+          <p:cNvSpPr txBox="1"/>
+          <p:nvPr/>
+        </p:nvSpPr>
+        <p:spPr>
+          <a:xfrm>
+            <a:off x="7198242" y="214522"/>
+            <a:ext cx="1826141" cy="646331"/>
+          </a:xfrm>
+          <a:prstGeom prst="rect">
+            <a:avLst/>
+          </a:prstGeom>
+          <a:noFill/>
+        </p:spPr>
+        <p:txBody>
+          <a:bodyPr wrap="none" rtlCol="0">
+            <a:spAutoFit/>
+          </a:bodyPr>
+          <a:lstStyle/>
+          <a:p>
+            <a:r>
+              <a:rPr lang="en-GB" sz="3600" dirty="0"/>
+              <a:t>Plonky2</a:t>
+            </a:r>
+          </a:p>
+        </p:txBody>
+      </p:sp>
+      <p:sp>
+        <p:nvSpPr>
+          <p:cNvPr id="4" name="TextBox 3">
+            <a:extLst>
+              <a:ext uri="{FF2B5EF4-FFF2-40B4-BE49-F238E27FC236}">
+                <a16:creationId xmlns:a16="http://schemas.microsoft.com/office/drawing/2014/main" id="{2C2C98D0-CF45-46EB-D9BC-2DDC22A902F3}"/>
+              </a:ext>
+            </a:extLst>
+          </p:cNvPr>
+          <p:cNvSpPr txBox="1"/>
+          <p:nvPr/>
+        </p:nvSpPr>
+        <p:spPr>
+          <a:xfrm>
+            <a:off x="7390602" y="1196832"/>
+            <a:ext cx="1861407" cy="461665"/>
+          </a:xfrm>
+          <a:prstGeom prst="rect">
+            <a:avLst/>
+          </a:prstGeom>
+          <a:noFill/>
+        </p:spPr>
+        <p:txBody>
+          <a:bodyPr wrap="none" rtlCol="0">
+            <a:spAutoFit/>
+          </a:bodyPr>
+          <a:lstStyle/>
+          <a:p>
+            <a:r>
+              <a:rPr lang="en-GB" sz="2400" dirty="0"/>
+              <a:t>FRI protocol</a:t>
+            </a:r>
+          </a:p>
+        </p:txBody>
+      </p:sp>
+    </p:spTree>
+    <p:extLst>
+      <p:ext uri="{BB962C8B-B14F-4D97-AF65-F5344CB8AC3E}">
+        <p14:creationId xmlns:p14="http://schemas.microsoft.com/office/powerpoint/2010/main" val="163705016"/>
+      </p:ext>
+    </p:extLst>
+  </p:cSld>
+  <p:clrMapOvr>
+    <a:masterClrMapping/>
+  </p:clrMapOvr>
+</p:sld>
+</file>
+
+<file path=ppt/slides/slide11.xml><?xml version="1.0" encoding="utf-8"?>
+<p:sld xmlns:a="http://schemas.openxmlformats.org/drawingml/2006/main" xmlns:r="http://schemas.openxmlformats.org/officeDocument/2006/relationships" xmlns:p="http://schemas.openxmlformats.org/presentationml/2006/main">
+  <p:cSld>
+    <p:spTree>
+      <p:nvGrpSpPr>
+        <p:cNvPr id="1" name=""/>
+        <p:cNvGrpSpPr/>
+        <p:nvPr/>
+      </p:nvGrpSpPr>
+      <p:grpSpPr>
+        <a:xfrm>
+          <a:off x="0" y="0"/>
+          <a:ext cx="0" cy="0"/>
+          <a:chOff x="0" y="0"/>
+          <a:chExt cx="0" cy="0"/>
+        </a:xfrm>
+      </p:grpSpPr>
+      <p:sp>
+        <p:nvSpPr>
           <p:cNvPr id="2" name="Title 1">
             <a:extLst>
               <a:ext uri="{FF2B5EF4-FFF2-40B4-BE49-F238E27FC236}">
@@ -7510,8 +7868,8 @@
         </p:nvSpPr>
         <p:spPr>
           <a:xfrm>
-            <a:off x="857213" y="1417502"/>
-            <a:ext cx="6352117" cy="3554419"/>
+            <a:off x="368115" y="1119792"/>
+            <a:ext cx="5238787" cy="2627050"/>
           </a:xfrm>
         </p:spPr>
         <p:txBody>
@@ -7522,47 +7880,41 @@
               <a:buNone/>
             </a:pPr>
             <a:r>
-              <a:rPr lang="en-GB" dirty="0" err="1"/>
+              <a:rPr lang="en-GB" sz="2000" dirty="0" err="1"/>
               <a:t>Arithmetization</a:t>
             </a:r>
             <a:r>
-              <a:rPr lang="en-GB" dirty="0"/>
+              <a:rPr lang="en-GB" sz="2000" dirty="0"/>
               <a:t>-Oriented (AO) hash functions</a:t>
             </a:r>
           </a:p>
           <a:p>
             <a:r>
-              <a:rPr lang="en-GB" dirty="0"/>
+              <a:rPr lang="en-GB" sz="2000" dirty="0"/>
               <a:t>Poseidon</a:t>
             </a:r>
           </a:p>
           <a:p>
             <a:r>
-              <a:rPr lang="en-GB" dirty="0"/>
-              <a:t>Poseidon2</a:t>
-            </a:r>
-          </a:p>
-          <a:p>
-            <a:r>
-              <a:rPr lang="en-GB" dirty="0"/>
+              <a:rPr lang="en-GB" sz="2000" dirty="0"/>
               <a:t>Rescue-prime</a:t>
             </a:r>
           </a:p>
           <a:p>
             <a:r>
-              <a:rPr lang="en-GB" dirty="0"/>
+              <a:rPr lang="en-GB" sz="2000" dirty="0"/>
               <a:t>Griffin</a:t>
             </a:r>
           </a:p>
           <a:p>
             <a:r>
-              <a:rPr lang="en-GB" dirty="0"/>
+              <a:rPr lang="en-GB" sz="2000" dirty="0"/>
               <a:t>Anemoi</a:t>
             </a:r>
           </a:p>
           <a:p>
             <a:r>
-              <a:rPr lang="en-GB" dirty="0"/>
+              <a:rPr lang="en-GB" sz="2000" dirty="0"/>
               <a:t>Arion</a:t>
             </a:r>
           </a:p>
@@ -7597,7 +7949,7 @@
             <a:fld id="{7360CA27-EC7C-449D-8F19-032111378712}" type="slidenum">
               <a:rPr lang="de-DE" altLang="de-DE" smtClean="0"/>
               <a:pPr/>
-              <a:t>10</a:t>
+              <a:t>11</a:t>
             </a:fld>
             <a:endParaRPr lang="de-DE" altLang="de-DE" dirty="0"/>
           </a:p>
@@ -7617,8 +7969,8 @@
         </p:nvSpPr>
         <p:spPr>
           <a:xfrm>
-            <a:off x="7235007" y="2105561"/>
-            <a:ext cx="3813993" cy="1938992"/>
+            <a:off x="7281050" y="1096420"/>
+            <a:ext cx="4248156" cy="1938992"/>
           </a:xfrm>
           <a:prstGeom prst="rect">
             <a:avLst/>
@@ -7626,14 +7978,14 @@
           <a:noFill/>
         </p:spPr>
         <p:txBody>
-          <a:bodyPr wrap="none" rtlCol="0">
+          <a:bodyPr wrap="square" rtlCol="0">
             <a:spAutoFit/>
           </a:bodyPr>
           <a:lstStyle/>
           <a:p>
             <a:r>
               <a:rPr lang="en-GB" sz="2000" u="sng" dirty="0"/>
-              <a:t>Components:</a:t>
+              <a:t>Hash functions main components:</a:t>
             </a:r>
           </a:p>
           <a:p>
@@ -7671,7 +8023,7 @@
             </a:pPr>
             <a:r>
               <a:rPr lang="en-GB" sz="2000" dirty="0"/>
-              <a:t>Generalized</a:t>
+              <a:t>Generalized Triangular Dynamical System</a:t>
             </a:r>
           </a:p>
           <a:p>
@@ -7681,23 +8033,13 @@
             </a:pPr>
             <a:r>
               <a:rPr lang="en-GB" sz="2000" dirty="0"/>
-              <a:t>Triangular Dynamical System</a:t>
-            </a:r>
-          </a:p>
-          <a:p>
-            <a:pPr marL="285750" indent="-285750">
-              <a:buFont typeface="Arial" panose="020B0604020202020204" pitchFamily="34" charset="0"/>
-              <a:buChar char="•"/>
-            </a:pPr>
-            <a:r>
-              <a:rPr lang="en-GB" sz="2000" dirty="0"/>
-              <a:t>S-box</a:t>
+              <a:t>Non-linear layer</a:t>
             </a:r>
           </a:p>
         </p:txBody>
       </p:sp>
-      <mc:AlternateContent xmlns:mc="http://schemas.openxmlformats.org/markup-compatibility/2006" xmlns:a14="http://schemas.microsoft.com/office/drawing/2010/main">
-        <mc:Choice Requires="a14">
+      <mc:AlternateContent xmlns:mc="http://schemas.openxmlformats.org/markup-compatibility/2006">
+        <mc:Choice xmlns:a14="http://schemas.microsoft.com/office/drawing/2010/main" Requires="a14">
           <p:sp>
             <p:nvSpPr>
               <p:cNvPr id="6" name="TextBox 5">
@@ -7712,7 +8054,7 @@
             </p:nvSpPr>
             <p:spPr>
               <a:xfrm>
-                <a:off x="7982006" y="4044553"/>
+                <a:off x="7950109" y="3035412"/>
                 <a:ext cx="2319994" cy="1962076"/>
               </a:xfrm>
               <a:prstGeom prst="rect">
@@ -8007,7 +8349,7 @@
             </p:txBody>
           </p:sp>
         </mc:Choice>
-        <mc:Fallback xmlns="">
+        <mc:Fallback>
           <p:sp>
             <p:nvSpPr>
               <p:cNvPr id="6" name="TextBox 5">
@@ -8024,7 +8366,7 @@
             </p:nvSpPr>
             <p:spPr>
               <a:xfrm>
-                <a:off x="7982006" y="4044553"/>
+                <a:off x="7950109" y="3035412"/>
                 <a:ext cx="2319994" cy="1962076"/>
               </a:xfrm>
               <a:prstGeom prst="rect">
@@ -8033,7 +8375,7 @@
               <a:blipFill>
                 <a:blip r:embed="rId3"/>
                 <a:stretch>
-                  <a:fillRect l="-2717"/>
+                  <a:fillRect l="-2174"/>
                 </a:stretch>
               </a:blipFill>
             </p:spPr>
@@ -8052,6 +8394,106 @@
           </p:sp>
         </mc:Fallback>
       </mc:AlternateContent>
+      <p:pic>
+        <p:nvPicPr>
+          <p:cNvPr id="7" name="Picture 6">
+            <a:extLst>
+              <a:ext uri="{FF2B5EF4-FFF2-40B4-BE49-F238E27FC236}">
+                <a16:creationId xmlns:a16="http://schemas.microsoft.com/office/drawing/2014/main" id="{0F016FEC-0117-7307-EFFA-07ED630D9A13}"/>
+              </a:ext>
+            </a:extLst>
+          </p:cNvPr>
+          <p:cNvPicPr>
+            <a:picLocks noChangeAspect="1"/>
+          </p:cNvPicPr>
+          <p:nvPr/>
+        </p:nvPicPr>
+        <p:blipFill>
+          <a:blip r:embed="rId4"/>
+          <a:stretch>
+            <a:fillRect/>
+          </a:stretch>
+        </p:blipFill>
+        <p:spPr>
+          <a:xfrm>
+            <a:off x="516971" y="3746842"/>
+            <a:ext cx="6764079" cy="2911690"/>
+          </a:xfrm>
+          <a:prstGeom prst="rect">
+            <a:avLst/>
+          </a:prstGeom>
+        </p:spPr>
+      </p:pic>
+      <p:sp>
+        <p:nvSpPr>
+          <p:cNvPr id="8" name="TextBox 7">
+            <a:extLst>
+              <a:ext uri="{FF2B5EF4-FFF2-40B4-BE49-F238E27FC236}">
+                <a16:creationId xmlns:a16="http://schemas.microsoft.com/office/drawing/2014/main" id="{D02EA90D-D776-595C-260F-A41FB396BD36}"/>
+              </a:ext>
+            </a:extLst>
+          </p:cNvPr>
+          <p:cNvSpPr txBox="1"/>
+          <p:nvPr/>
+        </p:nvSpPr>
+        <p:spPr>
+          <a:xfrm>
+            <a:off x="106505" y="4651528"/>
+            <a:ext cx="261610" cy="369332"/>
+          </a:xfrm>
+          <a:prstGeom prst="rect">
+            <a:avLst/>
+          </a:prstGeom>
+          <a:noFill/>
+        </p:spPr>
+        <p:txBody>
+          <a:bodyPr wrap="none" rtlCol="0">
+            <a:spAutoFit/>
+          </a:bodyPr>
+          <a:lstStyle/>
+          <a:p>
+            <a:r>
+              <a:rPr lang="en-GB" dirty="0"/>
+              <a:t>r</a:t>
+            </a:r>
+          </a:p>
+        </p:txBody>
+      </p:sp>
+      <p:sp>
+        <p:nvSpPr>
+          <p:cNvPr id="9" name="TextBox 8">
+            <a:extLst>
+              <a:ext uri="{FF2B5EF4-FFF2-40B4-BE49-F238E27FC236}">
+                <a16:creationId xmlns:a16="http://schemas.microsoft.com/office/drawing/2014/main" id="{6E08D1C6-20B5-2EE7-3F9B-A2E51FD468FF}"/>
+              </a:ext>
+            </a:extLst>
+          </p:cNvPr>
+          <p:cNvSpPr txBox="1"/>
+          <p:nvPr/>
+        </p:nvSpPr>
+        <p:spPr>
+          <a:xfrm>
+            <a:off x="92692" y="5657688"/>
+            <a:ext cx="300082" cy="369332"/>
+          </a:xfrm>
+          <a:prstGeom prst="rect">
+            <a:avLst/>
+          </a:prstGeom>
+          <a:noFill/>
+        </p:spPr>
+        <p:txBody>
+          <a:bodyPr wrap="none" rtlCol="0">
+            <a:spAutoFit/>
+          </a:bodyPr>
+          <a:lstStyle/>
+          <a:p>
+            <a:r>
+              <a:rPr lang="en-GB" dirty="0"/>
+              <a:t>c</a:t>
+            </a:r>
+          </a:p>
+        </p:txBody>
+      </p:sp>
     </p:spTree>
     <p:extLst>
       <p:ext uri="{BB962C8B-B14F-4D97-AF65-F5344CB8AC3E}">
@@ -8065,7 +8507,7 @@
 </p:sld>
 </file>
 
-<file path=ppt/slides/slide11.xml><?xml version="1.0" encoding="utf-8"?>
+<file path=ppt/slides/slide12.xml><?xml version="1.0" encoding="utf-8"?>
 <p:sld xmlns:a="http://schemas.openxmlformats.org/drawingml/2006/main" xmlns:r="http://schemas.openxmlformats.org/officeDocument/2006/relationships" xmlns:p="http://schemas.openxmlformats.org/presentationml/2006/main">
   <p:cSld>
     <p:spTree>
@@ -8129,7 +8571,7 @@
 </p:sld>
 </file>
 
-<file path=ppt/slides/slide12.xml><?xml version="1.0" encoding="utf-8"?>
+<file path=ppt/slides/slide13.xml><?xml version="1.0" encoding="utf-8"?>
 <p:sld xmlns:a="http://schemas.openxmlformats.org/drawingml/2006/main" xmlns:r="http://schemas.openxmlformats.org/officeDocument/2006/relationships" xmlns:p="http://schemas.openxmlformats.org/presentationml/2006/main">
   <p:cSld>
     <p:spTree>
@@ -8280,7 +8722,7 @@
             <a:fld id="{7360CA27-EC7C-449D-8F19-032111378712}" type="slidenum">
               <a:rPr lang="de-DE" altLang="de-DE" smtClean="0"/>
               <a:pPr/>
-              <a:t>12</a:t>
+              <a:t>13</a:t>
             </a:fld>
             <a:endParaRPr lang="de-DE" altLang="de-DE" dirty="0"/>
           </a:p>
@@ -8299,7 +8741,7 @@
 </p:sld>
 </file>
 
-<file path=ppt/slides/slide13.xml><?xml version="1.0" encoding="utf-8"?>
+<file path=ppt/slides/slide14.xml><?xml version="1.0" encoding="utf-8"?>
 <p:sld xmlns:a="http://schemas.openxmlformats.org/drawingml/2006/main" xmlns:r="http://schemas.openxmlformats.org/officeDocument/2006/relationships" xmlns:p="http://schemas.openxmlformats.org/presentationml/2006/main">
   <p:cSld>
     <p:spTree>
@@ -8393,8 +8835,8 @@
         </p:nvSpPr>
         <p:spPr>
           <a:xfrm>
-            <a:off x="2209800" y="3474355"/>
-            <a:ext cx="2634054" cy="369332"/>
+            <a:off x="1497419" y="3500540"/>
+            <a:ext cx="3749744" cy="369332"/>
           </a:xfrm>
           <a:prstGeom prst="rect">
             <a:avLst/>
@@ -8409,7 +8851,7 @@
           <a:p>
             <a:r>
               <a:rPr lang="en-GB" b="1" dirty="0"/>
-              <a:t>BLS12-381 scalar field</a:t>
+              <a:t>BLS12-381 scalar field – 256 bits</a:t>
             </a:r>
           </a:p>
         </p:txBody>
@@ -8458,8 +8900,8 @@
         </p:nvSpPr>
         <p:spPr>
           <a:xfrm>
-            <a:off x="2209800" y="1057660"/>
-            <a:ext cx="1903085" cy="369332"/>
+            <a:off x="1497419" y="1016073"/>
+            <a:ext cx="2890535" cy="369332"/>
           </a:xfrm>
           <a:prstGeom prst="rect">
             <a:avLst/>
@@ -8474,7 +8916,7 @@
           <a:p>
             <a:r>
               <a:rPr lang="en-GB" b="1" dirty="0"/>
-              <a:t>Goldilocks field</a:t>
+              <a:t>Goldilocks field – 64 bits</a:t>
             </a:r>
           </a:p>
         </p:txBody>
@@ -8508,7 +8950,7 @@
             <a:fld id="{7360CA27-EC7C-449D-8F19-032111378712}" type="slidenum">
               <a:rPr lang="de-DE" altLang="de-DE" smtClean="0"/>
               <a:pPr/>
-              <a:t>13</a:t>
+              <a:t>14</a:t>
             </a:fld>
             <a:endParaRPr lang="de-DE" altLang="de-DE" dirty="0"/>
           </a:p>
@@ -8527,7 +8969,7 @@
 </p:sld>
 </file>
 
-<file path=ppt/slides/slide14.xml><?xml version="1.0" encoding="utf-8"?>
+<file path=ppt/slides/slide15.xml><?xml version="1.0" encoding="utf-8"?>
 <p:sld xmlns:a="http://schemas.openxmlformats.org/drawingml/2006/main" xmlns:r="http://schemas.openxmlformats.org/officeDocument/2006/relationships" xmlns:p="http://schemas.openxmlformats.org/presentationml/2006/main">
   <p:cSld>
     <p:spTree>
@@ -8643,7 +9085,7 @@
             <a:fld id="{7360CA27-EC7C-449D-8F19-032111378712}" type="slidenum">
               <a:rPr lang="de-DE" altLang="de-DE" smtClean="0"/>
               <a:pPr/>
-              <a:t>14</a:t>
+              <a:t>15</a:t>
             </a:fld>
             <a:endParaRPr lang="de-DE" altLang="de-DE" dirty="0"/>
           </a:p>
@@ -8692,7 +9134,7 @@
 </p:sld>
 </file>
 
-<file path=ppt/slides/slide15.xml><?xml version="1.0" encoding="utf-8"?>
+<file path=ppt/slides/slide16.xml><?xml version="1.0" encoding="utf-8"?>
 <p:sld xmlns:a="http://schemas.openxmlformats.org/drawingml/2006/main" xmlns:r="http://schemas.openxmlformats.org/officeDocument/2006/relationships" xmlns:p="http://schemas.openxmlformats.org/presentationml/2006/main">
   <p:cSld>
     <p:spTree>
@@ -8839,7 +9281,7 @@
             <a:fld id="{7360CA27-EC7C-449D-8F19-032111378712}" type="slidenum">
               <a:rPr lang="de-DE" altLang="de-DE" smtClean="0"/>
               <a:pPr/>
-              <a:t>15</a:t>
+              <a:t>16</a:t>
             </a:fld>
             <a:endParaRPr lang="de-DE" altLang="de-DE" dirty="0"/>
           </a:p>
@@ -8858,7 +9300,7 @@
 </p:sld>
 </file>
 
-<file path=ppt/slides/slide16.xml><?xml version="1.0" encoding="utf-8"?>
+<file path=ppt/slides/slide17.xml><?xml version="1.0" encoding="utf-8"?>
 <p:sld xmlns:a="http://schemas.openxmlformats.org/drawingml/2006/main" xmlns:r="http://schemas.openxmlformats.org/officeDocument/2006/relationships" xmlns:p="http://schemas.openxmlformats.org/presentationml/2006/main">
   <p:cSld>
     <p:spTree>
@@ -8894,7 +9336,7 @@
         <p:spPr>
           <a:xfrm>
             <a:off x="1142965" y="160332"/>
-            <a:ext cx="9906069" cy="1143008"/>
+            <a:ext cx="10350830" cy="1143008"/>
           </a:xfrm>
         </p:spPr>
         <p:txBody>
@@ -8903,7 +9345,7 @@
           <a:p>
             <a:r>
               <a:rPr lang="en-US" dirty="0"/>
-              <a:t>Dusk Plonk</a:t>
+              <a:t>Dusk Plonk					Proof verification</a:t>
             </a:r>
           </a:p>
         </p:txBody>
@@ -8937,7 +9379,7 @@
             <a:fld id="{7360CA27-EC7C-449D-8F19-032111378712}" type="slidenum">
               <a:rPr lang="de-DE" altLang="de-DE" smtClean="0"/>
               <a:pPr/>
-              <a:t>16</a:t>
+              <a:t>17</a:t>
             </a:fld>
             <a:endParaRPr lang="de-DE" altLang="de-DE" dirty="0"/>
           </a:p>
@@ -9172,6 +9614,44 @@
           </a:graphicData>
         </a:graphic>
       </p:graphicFrame>
+      <p:cxnSp>
+        <p:nvCxnSpPr>
+          <p:cNvPr id="6" name="Straight Connector 5">
+            <a:extLst>
+              <a:ext uri="{FF2B5EF4-FFF2-40B4-BE49-F238E27FC236}">
+                <a16:creationId xmlns:a16="http://schemas.microsoft.com/office/drawing/2014/main" id="{428C78FC-8D92-2D34-18A7-48DD21E654D4}"/>
+              </a:ext>
+            </a:extLst>
+          </p:cNvPr>
+          <p:cNvCxnSpPr>
+            <a:cxnSpLocks/>
+          </p:cNvCxnSpPr>
+          <p:nvPr/>
+        </p:nvCxnSpPr>
+        <p:spPr>
+          <a:xfrm>
+            <a:off x="6721345" y="184140"/>
+            <a:ext cx="0" cy="6537336"/>
+          </a:xfrm>
+          <a:prstGeom prst="line">
+            <a:avLst/>
+          </a:prstGeom>
+        </p:spPr>
+        <p:style>
+          <a:lnRef idx="1">
+            <a:schemeClr val="dk1"/>
+          </a:lnRef>
+          <a:fillRef idx="0">
+            <a:schemeClr val="dk1"/>
+          </a:fillRef>
+          <a:effectRef idx="0">
+            <a:schemeClr val="dk1"/>
+          </a:effectRef>
+          <a:fontRef idx="minor">
+            <a:schemeClr val="tx1"/>
+          </a:fontRef>
+        </p:style>
+      </p:cxnSp>
     </p:spTree>
     <p:extLst>
       <p:ext uri="{BB962C8B-B14F-4D97-AF65-F5344CB8AC3E}">
@@ -9185,7 +9665,7 @@
 </p:sld>
 </file>
 
-<file path=ppt/slides/slide17.xml><?xml version="1.0" encoding="utf-8"?>
+<file path=ppt/slides/slide18.xml><?xml version="1.0" encoding="utf-8"?>
 <p:sld xmlns:a="http://schemas.openxmlformats.org/drawingml/2006/main" xmlns:r="http://schemas.openxmlformats.org/officeDocument/2006/relationships" xmlns:p="http://schemas.openxmlformats.org/presentationml/2006/main">
   <p:cSld>
     <p:spTree>
@@ -9254,7 +9734,7 @@
 </p:sld>
 </file>
 
-<file path=ppt/slides/slide18.xml><?xml version="1.0" encoding="utf-8"?>
+<file path=ppt/slides/slide19.xml><?xml version="1.0" encoding="utf-8"?>
 <p:sld xmlns:a="http://schemas.openxmlformats.org/drawingml/2006/main" xmlns:r="http://schemas.openxmlformats.org/officeDocument/2006/relationships" xmlns:p="http://schemas.openxmlformats.org/presentationml/2006/main">
   <p:cSld>
     <p:spTree>
@@ -9375,75 +9855,6 @@
     <p:extLst>
       <p:ext uri="{BB962C8B-B14F-4D97-AF65-F5344CB8AC3E}">
         <p14:creationId xmlns:p14="http://schemas.microsoft.com/office/powerpoint/2010/main" val="3376956056"/>
-      </p:ext>
-    </p:extLst>
-  </p:cSld>
-  <p:clrMapOvr>
-    <a:masterClrMapping/>
-  </p:clrMapOvr>
-</p:sld>
-</file>
-
-<file path=ppt/slides/slide19.xml><?xml version="1.0" encoding="utf-8"?>
-<p:sld xmlns:a="http://schemas.openxmlformats.org/drawingml/2006/main" xmlns:r="http://schemas.openxmlformats.org/officeDocument/2006/relationships" xmlns:p="http://schemas.openxmlformats.org/presentationml/2006/main">
-  <p:cSld>
-    <p:spTree>
-      <p:nvGrpSpPr>
-        <p:cNvPr id="1" name=""/>
-        <p:cNvGrpSpPr/>
-        <p:nvPr/>
-      </p:nvGrpSpPr>
-      <p:grpSpPr>
-        <a:xfrm>
-          <a:off x="0" y="0"/>
-          <a:ext cx="0" cy="0"/>
-          <a:chOff x="0" y="0"/>
-          <a:chExt cx="0" cy="0"/>
-        </a:xfrm>
-      </p:grpSpPr>
-      <p:sp>
-        <p:nvSpPr>
-          <p:cNvPr id="2" name="Title 1">
-            <a:extLst>
-              <a:ext uri="{FF2B5EF4-FFF2-40B4-BE49-F238E27FC236}">
-                <a16:creationId xmlns:a16="http://schemas.microsoft.com/office/drawing/2014/main" id="{8C9C7299-0A06-44BB-BB96-C78DA62CF2B1}"/>
-              </a:ext>
-            </a:extLst>
-          </p:cNvPr>
-          <p:cNvSpPr>
-            <a:spLocks noGrp="1"/>
-          </p:cNvSpPr>
-          <p:nvPr>
-            <p:ph type="title"/>
-          </p:nvPr>
-        </p:nvSpPr>
-        <p:spPr>
-          <a:xfrm>
-            <a:off x="571461" y="2857496"/>
-            <a:ext cx="10972800" cy="752807"/>
-          </a:xfrm>
-        </p:spPr>
-        <p:txBody>
-          <a:bodyPr lIns="91440" tIns="45720" rIns="91440" bIns="45720" anchor="t"/>
-          <a:lstStyle/>
-          <a:p>
-            <a:r>
-              <a:rPr lang="en-US" sz="3600" dirty="0">
-                <a:solidFill>
-                  <a:schemeClr val="bg1"/>
-                </a:solidFill>
-                <a:latin typeface="Arial"/>
-                <a:cs typeface="Arial"/>
-              </a:rPr>
-              <a:t>Questions?</a:t>
-            </a:r>
-          </a:p>
-        </p:txBody>
-      </p:sp>
-    </p:spTree>
-    <p:extLst>
-      <p:ext uri="{BB962C8B-B14F-4D97-AF65-F5344CB8AC3E}">
-        <p14:creationId xmlns:p14="http://schemas.microsoft.com/office/powerpoint/2010/main" val="4294517403"/>
       </p:ext>
     </p:extLst>
   </p:cSld>
@@ -9628,6 +10039,75 @@
 </p:sld>
 </file>
 
+<file path=ppt/slides/slide20.xml><?xml version="1.0" encoding="utf-8"?>
+<p:sld xmlns:a="http://schemas.openxmlformats.org/drawingml/2006/main" xmlns:r="http://schemas.openxmlformats.org/officeDocument/2006/relationships" xmlns:p="http://schemas.openxmlformats.org/presentationml/2006/main">
+  <p:cSld>
+    <p:spTree>
+      <p:nvGrpSpPr>
+        <p:cNvPr id="1" name=""/>
+        <p:cNvGrpSpPr/>
+        <p:nvPr/>
+      </p:nvGrpSpPr>
+      <p:grpSpPr>
+        <a:xfrm>
+          <a:off x="0" y="0"/>
+          <a:ext cx="0" cy="0"/>
+          <a:chOff x="0" y="0"/>
+          <a:chExt cx="0" cy="0"/>
+        </a:xfrm>
+      </p:grpSpPr>
+      <p:sp>
+        <p:nvSpPr>
+          <p:cNvPr id="2" name="Title 1">
+            <a:extLst>
+              <a:ext uri="{FF2B5EF4-FFF2-40B4-BE49-F238E27FC236}">
+                <a16:creationId xmlns:a16="http://schemas.microsoft.com/office/drawing/2014/main" id="{8C9C7299-0A06-44BB-BB96-C78DA62CF2B1}"/>
+              </a:ext>
+            </a:extLst>
+          </p:cNvPr>
+          <p:cNvSpPr>
+            <a:spLocks noGrp="1"/>
+          </p:cNvSpPr>
+          <p:nvPr>
+            <p:ph type="title"/>
+          </p:nvPr>
+        </p:nvSpPr>
+        <p:spPr>
+          <a:xfrm>
+            <a:off x="571461" y="2857496"/>
+            <a:ext cx="10972800" cy="752807"/>
+          </a:xfrm>
+        </p:spPr>
+        <p:txBody>
+          <a:bodyPr lIns="91440" tIns="45720" rIns="91440" bIns="45720" anchor="t"/>
+          <a:lstStyle/>
+          <a:p>
+            <a:r>
+              <a:rPr lang="en-US" sz="3600" dirty="0">
+                <a:solidFill>
+                  <a:schemeClr val="bg1"/>
+                </a:solidFill>
+                <a:latin typeface="Arial"/>
+                <a:cs typeface="Arial"/>
+              </a:rPr>
+              <a:t>Questions?</a:t>
+            </a:r>
+          </a:p>
+        </p:txBody>
+      </p:sp>
+    </p:spTree>
+    <p:extLst>
+      <p:ext uri="{BB962C8B-B14F-4D97-AF65-F5344CB8AC3E}">
+        <p14:creationId xmlns:p14="http://schemas.microsoft.com/office/powerpoint/2010/main" val="4294517403"/>
+      </p:ext>
+    </p:extLst>
+  </p:cSld>
+  <p:clrMapOvr>
+    <a:masterClrMapping/>
+  </p:clrMapOvr>
+</p:sld>
+</file>
+
 <file path=ppt/slides/slide3.xml><?xml version="1.0" encoding="utf-8"?>
 <p:sld xmlns:a="http://schemas.openxmlformats.org/drawingml/2006/main" xmlns:r="http://schemas.openxmlformats.org/officeDocument/2006/relationships" xmlns:p="http://schemas.openxmlformats.org/presentationml/2006/main">
   <p:cSld>
@@ -9702,12 +10182,6 @@
           <a:p>
             <a:r>
               <a:rPr lang="en-GB" dirty="0"/>
-              <a:t>Especially used in blockchains</a:t>
-            </a:r>
-          </a:p>
-          <a:p>
-            <a:r>
-              <a:rPr lang="en-GB" dirty="0"/>
               <a:t>Traditional hash functions are not optimized for zero-knowledge proofs</a:t>
             </a:r>
           </a:p>
@@ -9754,12 +10228,143 @@
           </a:p>
         </p:txBody>
       </p:sp>
+    </p:spTree>
+    <p:extLst>
+      <p:ext uri="{BB962C8B-B14F-4D97-AF65-F5344CB8AC3E}">
+        <p14:creationId xmlns:p14="http://schemas.microsoft.com/office/powerpoint/2010/main" val="2933051168"/>
+      </p:ext>
+    </p:extLst>
+  </p:cSld>
+  <p:clrMapOvr>
+    <a:masterClrMapping/>
+  </p:clrMapOvr>
+</p:sld>
+</file>
+
+<file path=ppt/slides/slide4.xml><?xml version="1.0" encoding="utf-8"?>
+<p:sld xmlns:a="http://schemas.openxmlformats.org/drawingml/2006/main" xmlns:r="http://schemas.openxmlformats.org/officeDocument/2006/relationships" xmlns:p="http://schemas.openxmlformats.org/presentationml/2006/main">
+  <p:cSld>
+    <p:spTree>
+      <p:nvGrpSpPr>
+        <p:cNvPr id="1" name=""/>
+        <p:cNvGrpSpPr/>
+        <p:nvPr/>
+      </p:nvGrpSpPr>
+      <p:grpSpPr>
+        <a:xfrm>
+          <a:off x="0" y="0"/>
+          <a:ext cx="0" cy="0"/>
+          <a:chOff x="0" y="0"/>
+          <a:chExt cx="0" cy="0"/>
+        </a:xfrm>
+      </p:grpSpPr>
+      <p:sp>
+        <p:nvSpPr>
+          <p:cNvPr id="2" name="Title 1">
+            <a:extLst>
+              <a:ext uri="{FF2B5EF4-FFF2-40B4-BE49-F238E27FC236}">
+                <a16:creationId xmlns:a16="http://schemas.microsoft.com/office/drawing/2014/main" id="{9DC723DE-D68A-8A60-8FD0-6B100BE1E997}"/>
+              </a:ext>
+            </a:extLst>
+          </p:cNvPr>
+          <p:cNvSpPr>
+            <a:spLocks noGrp="1"/>
+          </p:cNvSpPr>
+          <p:nvPr>
+            <p:ph type="title"/>
+          </p:nvPr>
+        </p:nvSpPr>
+        <p:spPr>
+          <a:xfrm>
+            <a:off x="1142965" y="160332"/>
+            <a:ext cx="9906069" cy="1143008"/>
+          </a:xfrm>
+        </p:spPr>
+        <p:txBody>
+          <a:bodyPr/>
+          <a:lstStyle/>
+          <a:p>
+            <a:r>
+              <a:rPr lang="en-GB" dirty="0"/>
+              <a:t>Motivation</a:t>
+            </a:r>
+          </a:p>
+        </p:txBody>
+      </p:sp>
+      <p:sp>
+        <p:nvSpPr>
+          <p:cNvPr id="3" name="Content Placeholder 2">
+            <a:extLst>
+              <a:ext uri="{FF2B5EF4-FFF2-40B4-BE49-F238E27FC236}">
+                <a16:creationId xmlns:a16="http://schemas.microsoft.com/office/drawing/2014/main" id="{DD78F618-A378-B06D-D482-1C3E9671AB9D}"/>
+              </a:ext>
+            </a:extLst>
+          </p:cNvPr>
+          <p:cNvSpPr>
+            <a:spLocks noGrp="1"/>
+          </p:cNvSpPr>
+          <p:nvPr>
+            <p:ph sz="half" idx="1"/>
+          </p:nvPr>
+        </p:nvSpPr>
+        <p:spPr>
+          <a:xfrm>
+            <a:off x="1142965" y="1950591"/>
+            <a:ext cx="4667283" cy="3554419"/>
+          </a:xfrm>
+        </p:spPr>
+        <p:txBody>
+          <a:bodyPr/>
+          <a:lstStyle/>
+          <a:p>
+            <a:r>
+              <a:rPr lang="en-GB" dirty="0"/>
+              <a:t>Applications</a:t>
+            </a:r>
+          </a:p>
+          <a:p>
+            <a:pPr lvl="1"/>
+            <a:r>
+              <a:rPr lang="en-GB" dirty="0"/>
+              <a:t>Secure logins systems</a:t>
+            </a:r>
+          </a:p>
+          <a:p>
+            <a:pPr lvl="1"/>
+            <a:r>
+              <a:rPr lang="en-GB" dirty="0"/>
+              <a:t>Identity management systems</a:t>
+            </a:r>
+          </a:p>
+          <a:p>
+            <a:pPr lvl="1"/>
+            <a:r>
+              <a:rPr lang="en-GB" dirty="0"/>
+              <a:t>Confidential payment systems</a:t>
+            </a:r>
+          </a:p>
+          <a:p>
+            <a:pPr lvl="1"/>
+            <a:r>
+              <a:rPr lang="en-GB" dirty="0"/>
+              <a:t>Secure financial transactions</a:t>
+            </a:r>
+          </a:p>
+          <a:p>
+            <a:pPr lvl="1"/>
+            <a:r>
+              <a:rPr lang="en-GB" dirty="0"/>
+              <a:t>Specially used in the blockchain technology </a:t>
+            </a:r>
+          </a:p>
+        </p:txBody>
+      </p:sp>
       <p:pic>
         <p:nvPicPr>
-          <p:cNvPr id="1026" name="Picture 2" descr="Zcash - Wikipedia">
+          <p:cNvPr id="5" name="Picture 2" descr="Zcash - Wikipedia">
             <a:extLst>
               <a:ext uri="{FF2B5EF4-FFF2-40B4-BE49-F238E27FC236}">
-                <a16:creationId xmlns:a16="http://schemas.microsoft.com/office/drawing/2014/main" id="{B74B85A2-E32F-A8C1-F7E5-3ADDFDDB2C2F}"/>
+                <a16:creationId xmlns:a16="http://schemas.microsoft.com/office/drawing/2014/main" id="{DA670AAE-260E-B5CC-181B-DD0E63DC00F3}"/>
               </a:ext>
             </a:extLst>
           </p:cNvPr>
@@ -9769,7 +10374,7 @@
           <p:nvPr/>
         </p:nvPicPr>
         <p:blipFill>
-          <a:blip r:embed="rId3">
+          <a:blip r:embed="rId2">
             <a:extLst>
               <a:ext uri="{28A0092B-C50C-407E-A947-70E740481C1C}">
                 <a14:useLocalDpi xmlns:a14="http://schemas.microsoft.com/office/drawing/2010/main" val="0"/>
@@ -9803,10 +10408,10 @@
       </p:pic>
       <p:pic>
         <p:nvPicPr>
-          <p:cNvPr id="1028" name="Picture 4" descr="Starknet Media Kit | Starknet">
+          <p:cNvPr id="6" name="Picture 4" descr="Starknet Media Kit | Starknet">
             <a:extLst>
               <a:ext uri="{FF2B5EF4-FFF2-40B4-BE49-F238E27FC236}">
-                <a16:creationId xmlns:a16="http://schemas.microsoft.com/office/drawing/2014/main" id="{E8C3A923-1EC8-B8D1-3DDC-F38C14F6258C}"/>
+                <a16:creationId xmlns:a16="http://schemas.microsoft.com/office/drawing/2014/main" id="{F5819A1D-0146-ED68-92EC-3B2F3CCBDA06}"/>
               </a:ext>
             </a:extLst>
           </p:cNvPr>
@@ -9816,7 +10421,7 @@
           <p:nvPr/>
         </p:nvPicPr>
         <p:blipFill>
-          <a:blip r:embed="rId4">
+          <a:blip r:embed="rId3">
             <a:extLst>
               <a:ext uri="{28A0092B-C50C-407E-A947-70E740481C1C}">
                 <a14:useLocalDpi xmlns:a14="http://schemas.microsoft.com/office/drawing/2010/main" val="0"/>
@@ -9850,10 +10455,10 @@
       </p:pic>
       <p:pic>
         <p:nvPicPr>
-          <p:cNvPr id="1030" name="Picture 6" descr="Polygon announces launch of eDAO - an entertainment focused Web3 company">
+          <p:cNvPr id="7" name="Picture 6" descr="Polygon announces launch of eDAO - an entertainment focused Web3 company">
             <a:extLst>
               <a:ext uri="{FF2B5EF4-FFF2-40B4-BE49-F238E27FC236}">
-                <a16:creationId xmlns:a16="http://schemas.microsoft.com/office/drawing/2014/main" id="{4D7113A1-6851-6200-281A-06F3D91E2AC0}"/>
+                <a16:creationId xmlns:a16="http://schemas.microsoft.com/office/drawing/2014/main" id="{4E344E8C-38A8-4502-FB1A-6ED1699E9EF9}"/>
               </a:ext>
             </a:extLst>
           </p:cNvPr>
@@ -9863,7 +10468,7 @@
           <p:nvPr/>
         </p:nvPicPr>
         <p:blipFill rotWithShape="1">
-          <a:blip r:embed="rId5">
+          <a:blip r:embed="rId4">
             <a:extLst>
               <a:ext uri="{28A0092B-C50C-407E-A947-70E740481C1C}">
                 <a14:useLocalDpi xmlns:a14="http://schemas.microsoft.com/office/drawing/2010/main" val="0"/>
@@ -9895,10 +10500,10 @@
       </p:pic>
       <p:pic>
         <p:nvPicPr>
-          <p:cNvPr id="1032" name="Picture 8" descr="Node] Run your DUSK node. 09/03 UPDATE : Dusk has definitely… | by  0x5cience | Medium">
+          <p:cNvPr id="8" name="Picture 8" descr="Node] Run your DUSK node. 09/03 UPDATE : Dusk has definitely… | by  0x5cience | Medium">
             <a:extLst>
               <a:ext uri="{FF2B5EF4-FFF2-40B4-BE49-F238E27FC236}">
-                <a16:creationId xmlns:a16="http://schemas.microsoft.com/office/drawing/2014/main" id="{11498B40-C6A3-A451-E472-4985D8BFBA62}"/>
+                <a16:creationId xmlns:a16="http://schemas.microsoft.com/office/drawing/2014/main" id="{85C8016C-1652-E036-E73D-72E2F19F8B54}"/>
               </a:ext>
             </a:extLst>
           </p:cNvPr>
@@ -9908,7 +10513,7 @@
           <p:nvPr/>
         </p:nvPicPr>
         <p:blipFill rotWithShape="1">
-          <a:blip r:embed="rId6">
+          <a:blip r:embed="rId5">
             <a:extLst>
               <a:ext uri="{28A0092B-C50C-407E-A947-70E740481C1C}">
                 <a14:useLocalDpi xmlns:a14="http://schemas.microsoft.com/office/drawing/2010/main" val="0"/>
@@ -9941,7 +10546,7 @@
     </p:spTree>
     <p:extLst>
       <p:ext uri="{BB962C8B-B14F-4D97-AF65-F5344CB8AC3E}">
-        <p14:creationId xmlns:p14="http://schemas.microsoft.com/office/powerpoint/2010/main" val="2933051168"/>
+        <p14:creationId xmlns:p14="http://schemas.microsoft.com/office/powerpoint/2010/main" val="2525499176"/>
       </p:ext>
     </p:extLst>
   </p:cSld>
@@ -9951,7 +10556,7 @@
 </p:sld>
 </file>
 
-<file path=ppt/slides/slide4.xml><?xml version="1.0" encoding="utf-8"?>
+<file path=ppt/slides/slide5.xml><?xml version="1.0" encoding="utf-8"?>
 <p:sld xmlns:a="http://schemas.openxmlformats.org/drawingml/2006/main" xmlns:r="http://schemas.openxmlformats.org/officeDocument/2006/relationships" xmlns:p="http://schemas.openxmlformats.org/presentationml/2006/main">
   <p:cSld>
     <p:spTree>
@@ -10115,7 +10720,7 @@
             <a:fld id="{7360CA27-EC7C-449D-8F19-032111378712}" type="slidenum">
               <a:rPr lang="de-DE" altLang="de-DE" smtClean="0"/>
               <a:pPr/>
-              <a:t>4</a:t>
+              <a:t>5</a:t>
             </a:fld>
             <a:endParaRPr lang="de-DE" altLang="de-DE" dirty="0"/>
           </a:p>
@@ -10134,7 +10739,7 @@
 </p:sld>
 </file>
 
-<file path=ppt/slides/slide5.xml><?xml version="1.0" encoding="utf-8"?>
+<file path=ppt/slides/slide6.xml><?xml version="1.0" encoding="utf-8"?>
 <p:sld xmlns:a="http://schemas.openxmlformats.org/drawingml/2006/main" xmlns:r="http://schemas.openxmlformats.org/officeDocument/2006/relationships" xmlns:p="http://schemas.openxmlformats.org/presentationml/2006/main">
   <p:cSld>
     <p:spTree>
@@ -10199,7 +10804,7 @@
 </p:sld>
 </file>
 
-<file path=ppt/slides/slide6.xml><?xml version="1.0" encoding="utf-8"?>
+<file path=ppt/slides/slide7.xml><?xml version="1.0" encoding="utf-8"?>
 <p:sld xmlns:a="http://schemas.openxmlformats.org/drawingml/2006/main" xmlns:r="http://schemas.openxmlformats.org/officeDocument/2006/relationships" xmlns:p="http://schemas.openxmlformats.org/presentationml/2006/main">
   <p:cSld>
     <p:spTree>
@@ -10716,7 +11321,7 @@
             <a:fld id="{7360CA27-EC7C-449D-8F19-032111378712}" type="slidenum">
               <a:rPr lang="de-DE" altLang="de-DE" smtClean="0"/>
               <a:pPr/>
-              <a:t>6</a:t>
+              <a:t>7</a:t>
             </a:fld>
             <a:endParaRPr lang="de-DE" altLang="de-DE" dirty="0"/>
           </a:p>
@@ -10735,7 +11340,7 @@
 </p:sld>
 </file>
 
-<file path=ppt/slides/slide7.xml><?xml version="1.0" encoding="utf-8"?>
+<file path=ppt/slides/slide8.xml><?xml version="1.0" encoding="utf-8"?>
 <p:sld xmlns:a="http://schemas.openxmlformats.org/drawingml/2006/main" xmlns:r="http://schemas.openxmlformats.org/officeDocument/2006/relationships" xmlns:p="http://schemas.openxmlformats.org/presentationml/2006/main">
   <p:cSld>
     <p:spTree>
@@ -10992,7 +11597,7 @@
             <a:fld id="{7360CA27-EC7C-449D-8F19-032111378712}" type="slidenum">
               <a:rPr lang="de-DE" altLang="de-DE" smtClean="0"/>
               <a:pPr/>
-              <a:t>7</a:t>
+              <a:t>8</a:t>
             </a:fld>
             <a:endParaRPr lang="de-DE" altLang="de-DE" dirty="0"/>
           </a:p>
@@ -11058,7 +11663,7 @@
 </p:sld>
 </file>
 
-<file path=ppt/slides/slide8.xml><?xml version="1.0" encoding="utf-8"?>
+<file path=ppt/slides/slide9.xml><?xml version="1.0" encoding="utf-8"?>
 <p:sld xmlns:a="http://schemas.openxmlformats.org/drawingml/2006/main" xmlns:r="http://schemas.openxmlformats.org/officeDocument/2006/relationships" xmlns:p="http://schemas.openxmlformats.org/presentationml/2006/main">
   <p:cSld>
     <p:spTree>
@@ -12062,7 +12667,7 @@
             <a:fld id="{7360CA27-EC7C-449D-8F19-032111378712}" type="slidenum">
               <a:rPr lang="de-DE" altLang="de-DE" smtClean="0"/>
               <a:pPr/>
-              <a:t>8</a:t>
+              <a:t>9</a:t>
             </a:fld>
             <a:endParaRPr lang="de-DE" altLang="de-DE" dirty="0"/>
           </a:p>
@@ -12072,363 +12677,6 @@
     <p:extLst>
       <p:ext uri="{BB962C8B-B14F-4D97-AF65-F5344CB8AC3E}">
         <p14:creationId xmlns:p14="http://schemas.microsoft.com/office/powerpoint/2010/main" val="474412084"/>
-      </p:ext>
-    </p:extLst>
-  </p:cSld>
-  <p:clrMapOvr>
-    <a:masterClrMapping/>
-  </p:clrMapOvr>
-</p:sld>
-</file>
-
-<file path=ppt/slides/slide9.xml><?xml version="1.0" encoding="utf-8"?>
-<p:sld xmlns:a="http://schemas.openxmlformats.org/drawingml/2006/main" xmlns:r="http://schemas.openxmlformats.org/officeDocument/2006/relationships" xmlns:p="http://schemas.openxmlformats.org/presentationml/2006/main">
-  <p:cSld>
-    <p:spTree>
-      <p:nvGrpSpPr>
-        <p:cNvPr id="1" name=""/>
-        <p:cNvGrpSpPr/>
-        <p:nvPr/>
-      </p:nvGrpSpPr>
-      <p:grpSpPr>
-        <a:xfrm>
-          <a:off x="0" y="0"/>
-          <a:ext cx="0" cy="0"/>
-          <a:chOff x="0" y="0"/>
-          <a:chExt cx="0" cy="0"/>
-        </a:xfrm>
-      </p:grpSpPr>
-      <p:sp>
-        <p:nvSpPr>
-          <p:cNvPr id="5" name="Title 1">
-            <a:extLst>
-              <a:ext uri="{FF2B5EF4-FFF2-40B4-BE49-F238E27FC236}">
-                <a16:creationId xmlns:a16="http://schemas.microsoft.com/office/drawing/2014/main" id="{3D209A7E-6924-910B-872A-1FB0911912E6}"/>
-              </a:ext>
-            </a:extLst>
-          </p:cNvPr>
-          <p:cNvSpPr>
-            <a:spLocks noGrp="1"/>
-          </p:cNvSpPr>
-          <p:nvPr>
-            <p:ph type="title"/>
-          </p:nvPr>
-        </p:nvSpPr>
-        <p:spPr>
-          <a:xfrm>
-            <a:off x="1142964" y="161597"/>
-            <a:ext cx="5767501" cy="752183"/>
-          </a:xfrm>
-        </p:spPr>
-        <p:txBody>
-          <a:bodyPr lIns="91440" tIns="45720" rIns="91440" bIns="45720" anchor="t"/>
-          <a:lstStyle/>
-          <a:p>
-            <a:r>
-              <a:rPr lang="en-US" dirty="0">
-                <a:latin typeface="Arial"/>
-                <a:cs typeface="Arial"/>
-              </a:rPr>
-              <a:t>Plonk</a:t>
-            </a:r>
-            <a:br>
-              <a:rPr lang="en-GB" sz="3600" dirty="0"/>
-            </a:br>
-            <a:endParaRPr lang="en-US" dirty="0">
-              <a:latin typeface="Arial"/>
-              <a:cs typeface="Arial"/>
-            </a:endParaRPr>
-          </a:p>
-          <a:p>
-            <a:endParaRPr lang="en-US" dirty="0"/>
-          </a:p>
-        </p:txBody>
-      </p:sp>
-      <p:sp>
-        <p:nvSpPr>
-          <p:cNvPr id="6" name="TextBox 5">
-            <a:extLst>
-              <a:ext uri="{FF2B5EF4-FFF2-40B4-BE49-F238E27FC236}">
-                <a16:creationId xmlns:a16="http://schemas.microsoft.com/office/drawing/2014/main" id="{9D633E7C-CEAF-E445-3720-3DCB397A7B1D}"/>
-              </a:ext>
-            </a:extLst>
-          </p:cNvPr>
-          <p:cNvSpPr txBox="1"/>
-          <p:nvPr/>
-        </p:nvSpPr>
-        <p:spPr>
-          <a:xfrm>
-            <a:off x="764242" y="1196832"/>
-            <a:ext cx="3916457" cy="461665"/>
-          </a:xfrm>
-          <a:prstGeom prst="rect">
-            <a:avLst/>
-          </a:prstGeom>
-          <a:noFill/>
-        </p:spPr>
-        <p:txBody>
-          <a:bodyPr wrap="none" rtlCol="0">
-            <a:spAutoFit/>
-          </a:bodyPr>
-          <a:lstStyle/>
-          <a:p>
-            <a:r>
-              <a:rPr lang="en-GB" sz="2400" dirty="0"/>
-              <a:t>2. Compressing constraints</a:t>
-            </a:r>
-          </a:p>
-        </p:txBody>
-      </p:sp>
-      <p:sp>
-        <p:nvSpPr>
-          <p:cNvPr id="7" name="TextBox 6">
-            <a:extLst>
-              <a:ext uri="{FF2B5EF4-FFF2-40B4-BE49-F238E27FC236}">
-                <a16:creationId xmlns:a16="http://schemas.microsoft.com/office/drawing/2014/main" id="{BC004386-C219-7594-FE12-4045E92C234F}"/>
-              </a:ext>
-            </a:extLst>
-          </p:cNvPr>
-          <p:cNvSpPr txBox="1"/>
-          <p:nvPr/>
-        </p:nvSpPr>
-        <p:spPr>
-          <a:xfrm>
-            <a:off x="764242" y="3754645"/>
-            <a:ext cx="3950120" cy="461665"/>
-          </a:xfrm>
-          <a:prstGeom prst="rect">
-            <a:avLst/>
-          </a:prstGeom>
-          <a:noFill/>
-        </p:spPr>
-        <p:txBody>
-          <a:bodyPr wrap="none" rtlCol="0">
-            <a:spAutoFit/>
-          </a:bodyPr>
-          <a:lstStyle/>
-          <a:p>
-            <a:r>
-              <a:rPr lang="en-GB" sz="2400" dirty="0"/>
-              <a:t>3. Polynomial commitments</a:t>
-            </a:r>
-          </a:p>
-        </p:txBody>
-      </p:sp>
-      <p:pic>
-        <p:nvPicPr>
-          <p:cNvPr id="8" name="Picture 7">
-            <a:extLst>
-              <a:ext uri="{FF2B5EF4-FFF2-40B4-BE49-F238E27FC236}">
-                <a16:creationId xmlns:a16="http://schemas.microsoft.com/office/drawing/2014/main" id="{20FFAD5A-9364-0CEF-59EC-66087F0B691F}"/>
-              </a:ext>
-            </a:extLst>
-          </p:cNvPr>
-          <p:cNvPicPr>
-            <a:picLocks noChangeAspect="1"/>
-          </p:cNvPicPr>
-          <p:nvPr/>
-        </p:nvPicPr>
-        <p:blipFill>
-          <a:blip r:embed="rId3"/>
-          <a:stretch>
-            <a:fillRect/>
-          </a:stretch>
-        </p:blipFill>
-        <p:spPr>
-          <a:xfrm>
-            <a:off x="328500" y="2966109"/>
-            <a:ext cx="5687380" cy="382606"/>
-          </a:xfrm>
-          <a:prstGeom prst="rect">
-            <a:avLst/>
-          </a:prstGeom>
-        </p:spPr>
-      </p:pic>
-      <p:sp>
-        <p:nvSpPr>
-          <p:cNvPr id="9" name="TextBox 8">
-            <a:extLst>
-              <a:ext uri="{FF2B5EF4-FFF2-40B4-BE49-F238E27FC236}">
-                <a16:creationId xmlns:a16="http://schemas.microsoft.com/office/drawing/2014/main" id="{7F021D7A-2DD0-6C70-4DC1-4C1396FEABC0}"/>
-              </a:ext>
-            </a:extLst>
-          </p:cNvPr>
-          <p:cNvSpPr txBox="1"/>
-          <p:nvPr/>
-        </p:nvSpPr>
-        <p:spPr>
-          <a:xfrm>
-            <a:off x="1142964" y="1918373"/>
-            <a:ext cx="2864887" cy="707886"/>
-          </a:xfrm>
-          <a:prstGeom prst="rect">
-            <a:avLst/>
-          </a:prstGeom>
-          <a:noFill/>
-        </p:spPr>
-        <p:txBody>
-          <a:bodyPr wrap="none" rtlCol="0">
-            <a:spAutoFit/>
-          </a:bodyPr>
-          <a:lstStyle/>
-          <a:p>
-            <a:r>
-              <a:rPr lang="en-GB" sz="2000" dirty="0"/>
-              <a:t>Schwartz-Zippel lemma</a:t>
-            </a:r>
-          </a:p>
-          <a:p>
-            <a:r>
-              <a:rPr lang="en-GB" sz="2000" dirty="0"/>
-              <a:t>Lagrange interpolation</a:t>
-            </a:r>
-          </a:p>
-        </p:txBody>
-      </p:sp>
-      <p:sp>
-        <p:nvSpPr>
-          <p:cNvPr id="10" name="TextBox 9">
-            <a:extLst>
-              <a:ext uri="{FF2B5EF4-FFF2-40B4-BE49-F238E27FC236}">
-                <a16:creationId xmlns:a16="http://schemas.microsoft.com/office/drawing/2014/main" id="{D33782EE-FF5D-DF26-0593-4C08B431AA68}"/>
-              </a:ext>
-            </a:extLst>
-          </p:cNvPr>
-          <p:cNvSpPr txBox="1"/>
-          <p:nvPr/>
-        </p:nvSpPr>
-        <p:spPr>
-          <a:xfrm>
-            <a:off x="1142964" y="4395299"/>
-            <a:ext cx="2305439" cy="400110"/>
-          </a:xfrm>
-          <a:prstGeom prst="rect">
-            <a:avLst/>
-          </a:prstGeom>
-          <a:noFill/>
-        </p:spPr>
-        <p:txBody>
-          <a:bodyPr wrap="none" rtlCol="0">
-            <a:spAutoFit/>
-          </a:bodyPr>
-          <a:lstStyle/>
-          <a:p>
-            <a:r>
-              <a:rPr lang="en-GB" sz="2000" dirty="0"/>
-              <a:t>KZG commitments</a:t>
-            </a:r>
-          </a:p>
-        </p:txBody>
-      </p:sp>
-      <p:sp>
-        <p:nvSpPr>
-          <p:cNvPr id="3" name="Slide Number Placeholder 4">
-            <a:extLst>
-              <a:ext uri="{FF2B5EF4-FFF2-40B4-BE49-F238E27FC236}">
-                <a16:creationId xmlns:a16="http://schemas.microsoft.com/office/drawing/2014/main" id="{FEA8C0AA-DCA2-492A-5074-CAF79B6E7911}"/>
-              </a:ext>
-            </a:extLst>
-          </p:cNvPr>
-          <p:cNvSpPr>
-            <a:spLocks noGrp="1"/>
-          </p:cNvSpPr>
-          <p:nvPr>
-            <p:ph type="sldNum" sz="quarter" idx="12"/>
-          </p:nvPr>
-        </p:nvSpPr>
-        <p:spPr>
-          <a:xfrm>
-            <a:off x="8737600" y="6356351"/>
-            <a:ext cx="2311400" cy="365125"/>
-          </a:xfrm>
-        </p:spPr>
-        <p:txBody>
-          <a:bodyPr/>
-          <a:lstStyle/>
-          <a:p>
-            <a:fld id="{7360CA27-EC7C-449D-8F19-032111378712}" type="slidenum">
-              <a:rPr lang="de-DE" altLang="de-DE" smtClean="0"/>
-              <a:pPr/>
-              <a:t>9</a:t>
-            </a:fld>
-            <a:endParaRPr lang="de-DE" altLang="de-DE" dirty="0"/>
-          </a:p>
-        </p:txBody>
-      </p:sp>
-      <p:sp>
-        <p:nvSpPr>
-          <p:cNvPr id="2" name="TextBox 1">
-            <a:extLst>
-              <a:ext uri="{FF2B5EF4-FFF2-40B4-BE49-F238E27FC236}">
-                <a16:creationId xmlns:a16="http://schemas.microsoft.com/office/drawing/2014/main" id="{99D856BE-1CDB-84CF-3A5B-EF69E5AE1E49}"/>
-              </a:ext>
-            </a:extLst>
-          </p:cNvPr>
-          <p:cNvSpPr txBox="1"/>
-          <p:nvPr/>
-        </p:nvSpPr>
-        <p:spPr>
-          <a:xfrm>
-            <a:off x="7198242" y="214522"/>
-            <a:ext cx="1826141" cy="646331"/>
-          </a:xfrm>
-          <a:prstGeom prst="rect">
-            <a:avLst/>
-          </a:prstGeom>
-          <a:noFill/>
-        </p:spPr>
-        <p:txBody>
-          <a:bodyPr wrap="none" rtlCol="0">
-            <a:spAutoFit/>
-          </a:bodyPr>
-          <a:lstStyle/>
-          <a:p>
-            <a:r>
-              <a:rPr lang="en-GB" sz="3600" dirty="0"/>
-              <a:t>Plonky2</a:t>
-            </a:r>
-          </a:p>
-        </p:txBody>
-      </p:sp>
-      <p:sp>
-        <p:nvSpPr>
-          <p:cNvPr id="4" name="TextBox 3">
-            <a:extLst>
-              <a:ext uri="{FF2B5EF4-FFF2-40B4-BE49-F238E27FC236}">
-                <a16:creationId xmlns:a16="http://schemas.microsoft.com/office/drawing/2014/main" id="{2C2C98D0-CF45-46EB-D9BC-2DDC22A902F3}"/>
-              </a:ext>
-            </a:extLst>
-          </p:cNvPr>
-          <p:cNvSpPr txBox="1"/>
-          <p:nvPr/>
-        </p:nvSpPr>
-        <p:spPr>
-          <a:xfrm>
-            <a:off x="7390602" y="1196832"/>
-            <a:ext cx="1441420" cy="369332"/>
-          </a:xfrm>
-          <a:prstGeom prst="rect">
-            <a:avLst/>
-          </a:prstGeom>
-          <a:noFill/>
-        </p:spPr>
-        <p:txBody>
-          <a:bodyPr wrap="none" rtlCol="0">
-            <a:spAutoFit/>
-          </a:bodyPr>
-          <a:lstStyle/>
-          <a:p>
-            <a:r>
-              <a:rPr lang="en-GB" dirty="0"/>
-              <a:t>FRI protocol</a:t>
-            </a:r>
-          </a:p>
-        </p:txBody>
-      </p:sp>
-    </p:spTree>
-    <p:extLst>
-      <p:ext uri="{BB962C8B-B14F-4D97-AF65-F5344CB8AC3E}">
-        <p14:creationId xmlns:p14="http://schemas.microsoft.com/office/powerpoint/2010/main" val="163705016"/>
       </p:ext>
     </p:extLst>
   </p:cSld>
